--- a/german/EXPOCICIONES/PATRONES MONOLITOS.pptx
+++ b/german/EXPOCICIONES/PATRONES MONOLITOS.pptx
@@ -1,31 +1,29 @@
 
 <file path=ppt/presentation.xml><?xml version="1.0" encoding="utf-8"?>
-<p:presentation xmlns:a="http://schemas.openxmlformats.org/drawingml/2006/main" xmlns:r="http://schemas.openxmlformats.org/officeDocument/2006/relationships" xmlns:p="http://schemas.openxmlformats.org/presentationml/2006/main" saveSubsetFonts="1" embedTrueTypeFonts="true">
+<p:presentation xmlns:a="http://schemas.openxmlformats.org/drawingml/2006/main" xmlns:r="http://schemas.openxmlformats.org/officeDocument/2006/relationships" xmlns:p="http://schemas.openxmlformats.org/presentationml/2006/main" embedTrueTypeFonts="1" saveSubsetFonts="1">
   <p:sldMasterIdLst>
     <p:sldMasterId id="2147483648" r:id="rId1"/>
   </p:sldMasterIdLst>
   <p:sldIdLst>
-    <p:sldId id="256" r:id="rId6"/>
-    <p:sldId id="257" r:id="rId7"/>
-    <p:sldId id="258" r:id="rId8"/>
-    <p:sldId id="259" r:id="rId9"/>
-    <p:sldId id="260" r:id="rId10"/>
-    <p:sldId id="261" r:id="rId11"/>
-    <p:sldId id="262" r:id="rId12"/>
-    <p:sldId id="263" r:id="rId13"/>
-    <p:sldId id="264" r:id="rId14"/>
-    <p:sldId id="265" r:id="rId15"/>
+    <p:sldId id="268" r:id="rId2"/>
+    <p:sldId id="256" r:id="rId3"/>
+    <p:sldId id="258" r:id="rId4"/>
+    <p:sldId id="259" r:id="rId5"/>
+    <p:sldId id="266" r:id="rId6"/>
+    <p:sldId id="262" r:id="rId7"/>
+    <p:sldId id="267" r:id="rId8"/>
+    <p:sldId id="265" r:id="rId9"/>
   </p:sldIdLst>
   <p:sldSz cx="18288000" cy="10287000"/>
   <p:notesSz cx="6858000" cy="9144000"/>
   <p:embeddedFontLst>
     <p:embeddedFont>
-      <p:font typeface="HK Grotesk Bold" charset="1" panose="00000800000000000000"/>
-      <p:regular r:id="rId16"/>
+      <p:font typeface="HK Grotesk Bold" panose="020B0604020202020204" charset="0"/>
+      <p:regular r:id="rId10"/>
     </p:embeddedFont>
     <p:embeddedFont>
-      <p:font typeface="HK Grotesk Medium" charset="1" panose="00000600000000000000"/>
-      <p:regular r:id="rId17"/>
+      <p:font typeface="HK Grotesk Medium" panose="020B0604020202020204" charset="0"/>
+      <p:regular r:id="rId11"/>
     </p:embeddedFont>
   </p:embeddedFontLst>
   <p:defaultTextStyle>
@@ -123,6 +121,22 @@
       </a:defRPr>
     </a:lvl9pPr>
   </p:defaultTextStyle>
+  <p:extLst>
+    <p:ext uri="{EFAFB233-063F-42B5-8137-9DF3F51BA10A}">
+      <p15:sldGuideLst xmlns:p15="http://schemas.microsoft.com/office/powerpoint/2012/main">
+        <p15:guide id="1" orient="horz" pos="2160">
+          <p15:clr>
+            <a:srgbClr val="A4A3A4"/>
+          </p15:clr>
+        </p15:guide>
+        <p15:guide id="2" pos="2880">
+          <p15:clr>
+            <a:srgbClr val="A4A3A4"/>
+          </p15:clr>
+        </p15:guide>
+      </p15:sldGuideLst>
+    </p:ext>
+  </p:extLst>
 </p:presentation>
 </file>
 
@@ -164,10 +178,9 @@
           <a:lstStyle/>
           <a:p>
             <a:r>
-              <a:rPr lang="en-US" smtClean="0"/>
+              <a:rPr lang="en-US"/>
               <a:t>Click to edit Master title style</a:t>
             </a:r>
-            <a:endParaRPr lang="en-US"/>
           </a:p>
         </p:txBody>
       </p:sp>
@@ -283,10 +296,9 @@
           </a:lstStyle>
           <a:p>
             <a:r>
-              <a:rPr lang="en-US" smtClean="0"/>
+              <a:rPr lang="en-US"/>
               <a:t>Click to edit Master subtitle style</a:t>
             </a:r>
-            <a:endParaRPr lang="en-US"/>
           </a:p>
         </p:txBody>
       </p:sp>
@@ -308,7 +320,7 @@
             <a:fld id="{1D8BD707-D9CF-40AE-B4C6-C98DA3205C09}" type="datetimeFigureOut">
               <a:rPr lang="en-US" smtClean="0"/>
               <a:pPr/>
-              <a:t>8/1/2011</a:t>
+              <a:t>10/23/2024</a:t>
             </a:fld>
             <a:endParaRPr lang="en-US"/>
           </a:p>
@@ -351,7 +363,7 @@
             <a:fld id="{B6F15528-21DE-4FAA-801E-634DDDAF4B2B}" type="slidenum">
               <a:rPr lang="en-US" smtClean="0"/>
               <a:pPr/>
-              <a:t>‹#›</a:t>
+              <a:t>‹Nº›</a:t>
             </a:fld>
             <a:endParaRPr lang="en-US"/>
           </a:p>
@@ -398,10 +410,9 @@
           <a:lstStyle/>
           <a:p>
             <a:r>
-              <a:rPr lang="en-US" smtClean="0"/>
+              <a:rPr lang="en-US"/>
               <a:t>Click to edit Master title style</a:t>
             </a:r>
-            <a:endParaRPr lang="en-US"/>
           </a:p>
         </p:txBody>
       </p:sp>
@@ -422,38 +433,37 @@
           <a:p>
             <a:pPr lvl="0"/>
             <a:r>
-              <a:rPr lang="en-US" smtClean="0"/>
+              <a:rPr lang="en-US"/>
               <a:t>Click to edit Master text styles</a:t>
             </a:r>
           </a:p>
           <a:p>
             <a:pPr lvl="1"/>
             <a:r>
-              <a:rPr lang="en-US" smtClean="0"/>
+              <a:rPr lang="en-US"/>
               <a:t>Second level</a:t>
             </a:r>
           </a:p>
           <a:p>
             <a:pPr lvl="2"/>
             <a:r>
-              <a:rPr lang="en-US" smtClean="0"/>
+              <a:rPr lang="en-US"/>
               <a:t>Third level</a:t>
             </a:r>
           </a:p>
           <a:p>
             <a:pPr lvl="3"/>
             <a:r>
-              <a:rPr lang="en-US" smtClean="0"/>
+              <a:rPr lang="en-US"/>
               <a:t>Fourth level</a:t>
             </a:r>
           </a:p>
           <a:p>
             <a:pPr lvl="4"/>
             <a:r>
-              <a:rPr lang="en-US" smtClean="0"/>
+              <a:rPr lang="en-US"/>
               <a:t>Fifth level</a:t>
             </a:r>
-            <a:endParaRPr lang="en-US"/>
           </a:p>
         </p:txBody>
       </p:sp>
@@ -475,7 +485,7 @@
             <a:fld id="{1D8BD707-D9CF-40AE-B4C6-C98DA3205C09}" type="datetimeFigureOut">
               <a:rPr lang="en-US" smtClean="0"/>
               <a:pPr/>
-              <a:t>8/1/2011</a:t>
+              <a:t>10/23/2024</a:t>
             </a:fld>
             <a:endParaRPr lang="en-US"/>
           </a:p>
@@ -518,7 +528,7 @@
             <a:fld id="{B6F15528-21DE-4FAA-801E-634DDDAF4B2B}" type="slidenum">
               <a:rPr lang="en-US" smtClean="0"/>
               <a:pPr/>
-              <a:t>‹#›</a:t>
+              <a:t>‹Nº›</a:t>
             </a:fld>
             <a:endParaRPr lang="en-US"/>
           </a:p>
@@ -570,10 +580,9 @@
           <a:lstStyle/>
           <a:p>
             <a:r>
-              <a:rPr lang="en-US" smtClean="0"/>
+              <a:rPr lang="en-US"/>
               <a:t>Click to edit Master title style</a:t>
             </a:r>
-            <a:endParaRPr lang="en-US"/>
           </a:p>
         </p:txBody>
       </p:sp>
@@ -599,38 +608,37 @@
           <a:p>
             <a:pPr lvl="0"/>
             <a:r>
-              <a:rPr lang="en-US" smtClean="0"/>
+              <a:rPr lang="en-US"/>
               <a:t>Click to edit Master text styles</a:t>
             </a:r>
           </a:p>
           <a:p>
             <a:pPr lvl="1"/>
             <a:r>
-              <a:rPr lang="en-US" smtClean="0"/>
+              <a:rPr lang="en-US"/>
               <a:t>Second level</a:t>
             </a:r>
           </a:p>
           <a:p>
             <a:pPr lvl="2"/>
             <a:r>
-              <a:rPr lang="en-US" smtClean="0"/>
+              <a:rPr lang="en-US"/>
               <a:t>Third level</a:t>
             </a:r>
           </a:p>
           <a:p>
             <a:pPr lvl="3"/>
             <a:r>
-              <a:rPr lang="en-US" smtClean="0"/>
+              <a:rPr lang="en-US"/>
               <a:t>Fourth level</a:t>
             </a:r>
           </a:p>
           <a:p>
             <a:pPr lvl="4"/>
             <a:r>
-              <a:rPr lang="en-US" smtClean="0"/>
+              <a:rPr lang="en-US"/>
               <a:t>Fifth level</a:t>
             </a:r>
-            <a:endParaRPr lang="en-US"/>
           </a:p>
         </p:txBody>
       </p:sp>
@@ -652,7 +660,7 @@
             <a:fld id="{1D8BD707-D9CF-40AE-B4C6-C98DA3205C09}" type="datetimeFigureOut">
               <a:rPr lang="en-US" smtClean="0"/>
               <a:pPr/>
-              <a:t>8/1/2011</a:t>
+              <a:t>10/23/2024</a:t>
             </a:fld>
             <a:endParaRPr lang="en-US"/>
           </a:p>
@@ -695,7 +703,7 @@
             <a:fld id="{B6F15528-21DE-4FAA-801E-634DDDAF4B2B}" type="slidenum">
               <a:rPr lang="en-US" smtClean="0"/>
               <a:pPr/>
-              <a:t>‹#›</a:t>
+              <a:t>‹Nº›</a:t>
             </a:fld>
             <a:endParaRPr lang="en-US"/>
           </a:p>
@@ -742,10 +750,9 @@
           <a:lstStyle/>
           <a:p>
             <a:r>
-              <a:rPr lang="en-US" smtClean="0"/>
+              <a:rPr lang="en-US"/>
               <a:t>Click to edit Master title style</a:t>
             </a:r>
-            <a:endParaRPr lang="en-US"/>
           </a:p>
         </p:txBody>
       </p:sp>
@@ -766,38 +773,37 @@
           <a:p>
             <a:pPr lvl="0"/>
             <a:r>
-              <a:rPr lang="en-US" smtClean="0"/>
+              <a:rPr lang="en-US"/>
               <a:t>Click to edit Master text styles</a:t>
             </a:r>
           </a:p>
           <a:p>
             <a:pPr lvl="1"/>
             <a:r>
-              <a:rPr lang="en-US" smtClean="0"/>
+              <a:rPr lang="en-US"/>
               <a:t>Second level</a:t>
             </a:r>
           </a:p>
           <a:p>
             <a:pPr lvl="2"/>
             <a:r>
-              <a:rPr lang="en-US" smtClean="0"/>
+              <a:rPr lang="en-US"/>
               <a:t>Third level</a:t>
             </a:r>
           </a:p>
           <a:p>
             <a:pPr lvl="3"/>
             <a:r>
-              <a:rPr lang="en-US" smtClean="0"/>
+              <a:rPr lang="en-US"/>
               <a:t>Fourth level</a:t>
             </a:r>
           </a:p>
           <a:p>
             <a:pPr lvl="4"/>
             <a:r>
-              <a:rPr lang="en-US" smtClean="0"/>
+              <a:rPr lang="en-US"/>
               <a:t>Fifth level</a:t>
             </a:r>
-            <a:endParaRPr lang="en-US"/>
           </a:p>
         </p:txBody>
       </p:sp>
@@ -819,7 +825,7 @@
             <a:fld id="{1D8BD707-D9CF-40AE-B4C6-C98DA3205C09}" type="datetimeFigureOut">
               <a:rPr lang="en-US" smtClean="0"/>
               <a:pPr/>
-              <a:t>8/1/2011</a:t>
+              <a:t>10/23/2024</a:t>
             </a:fld>
             <a:endParaRPr lang="en-US"/>
           </a:p>
@@ -862,7 +868,7 @@
             <a:fld id="{B6F15528-21DE-4FAA-801E-634DDDAF4B2B}" type="slidenum">
               <a:rPr lang="en-US" smtClean="0"/>
               <a:pPr/>
-              <a:t>‹#›</a:t>
+              <a:t>‹Nº›</a:t>
             </a:fld>
             <a:endParaRPr lang="en-US"/>
           </a:p>
@@ -918,10 +924,9 @@
           </a:lstStyle>
           <a:p>
             <a:r>
-              <a:rPr lang="en-US" smtClean="0"/>
+              <a:rPr lang="en-US"/>
               <a:t>Click to edit Master title style</a:t>
             </a:r>
-            <a:endParaRPr lang="en-US"/>
           </a:p>
         </p:txBody>
       </p:sp>
@@ -1038,7 +1043,7 @@
           <a:p>
             <a:pPr lvl="0"/>
             <a:r>
-              <a:rPr lang="en-US" smtClean="0"/>
+              <a:rPr lang="en-US"/>
               <a:t>Click to edit Master text styles</a:t>
             </a:r>
           </a:p>
@@ -1062,7 +1067,7 @@
             <a:fld id="{1D8BD707-D9CF-40AE-B4C6-C98DA3205C09}" type="datetimeFigureOut">
               <a:rPr lang="en-US" smtClean="0"/>
               <a:pPr/>
-              <a:t>8/1/2011</a:t>
+              <a:t>10/23/2024</a:t>
             </a:fld>
             <a:endParaRPr lang="en-US"/>
           </a:p>
@@ -1105,7 +1110,7 @@
             <a:fld id="{B6F15528-21DE-4FAA-801E-634DDDAF4B2B}" type="slidenum">
               <a:rPr lang="en-US" smtClean="0"/>
               <a:pPr/>
-              <a:t>‹#›</a:t>
+              <a:t>‹Nº›</a:t>
             </a:fld>
             <a:endParaRPr lang="en-US"/>
           </a:p>
@@ -1152,10 +1157,9 @@
           <a:lstStyle/>
           <a:p>
             <a:r>
-              <a:rPr lang="en-US" smtClean="0"/>
+              <a:rPr lang="en-US"/>
               <a:t>Click to edit Master title style</a:t>
             </a:r>
-            <a:endParaRPr lang="en-US"/>
           </a:p>
         </p:txBody>
       </p:sp>
@@ -1209,38 +1213,37 @@
           <a:p>
             <a:pPr lvl="0"/>
             <a:r>
-              <a:rPr lang="en-US" smtClean="0"/>
+              <a:rPr lang="en-US"/>
               <a:t>Click to edit Master text styles</a:t>
             </a:r>
           </a:p>
           <a:p>
             <a:pPr lvl="1"/>
             <a:r>
-              <a:rPr lang="en-US" smtClean="0"/>
+              <a:rPr lang="en-US"/>
               <a:t>Second level</a:t>
             </a:r>
           </a:p>
           <a:p>
             <a:pPr lvl="2"/>
             <a:r>
-              <a:rPr lang="en-US" smtClean="0"/>
+              <a:rPr lang="en-US"/>
               <a:t>Third level</a:t>
             </a:r>
           </a:p>
           <a:p>
             <a:pPr lvl="3"/>
             <a:r>
-              <a:rPr lang="en-US" smtClean="0"/>
+              <a:rPr lang="en-US"/>
               <a:t>Fourth level</a:t>
             </a:r>
           </a:p>
           <a:p>
             <a:pPr lvl="4"/>
             <a:r>
-              <a:rPr lang="en-US" smtClean="0"/>
+              <a:rPr lang="en-US"/>
               <a:t>Fifth level</a:t>
             </a:r>
-            <a:endParaRPr lang="en-US"/>
           </a:p>
         </p:txBody>
       </p:sp>
@@ -1294,38 +1297,37 @@
           <a:p>
             <a:pPr lvl="0"/>
             <a:r>
-              <a:rPr lang="en-US" smtClean="0"/>
+              <a:rPr lang="en-US"/>
               <a:t>Click to edit Master text styles</a:t>
             </a:r>
           </a:p>
           <a:p>
             <a:pPr lvl="1"/>
             <a:r>
-              <a:rPr lang="en-US" smtClean="0"/>
+              <a:rPr lang="en-US"/>
               <a:t>Second level</a:t>
             </a:r>
           </a:p>
           <a:p>
             <a:pPr lvl="2"/>
             <a:r>
-              <a:rPr lang="en-US" smtClean="0"/>
+              <a:rPr lang="en-US"/>
               <a:t>Third level</a:t>
             </a:r>
           </a:p>
           <a:p>
             <a:pPr lvl="3"/>
             <a:r>
-              <a:rPr lang="en-US" smtClean="0"/>
+              <a:rPr lang="en-US"/>
               <a:t>Fourth level</a:t>
             </a:r>
           </a:p>
           <a:p>
             <a:pPr lvl="4"/>
             <a:r>
-              <a:rPr lang="en-US" smtClean="0"/>
+              <a:rPr lang="en-US"/>
               <a:t>Fifth level</a:t>
             </a:r>
-            <a:endParaRPr lang="en-US"/>
           </a:p>
         </p:txBody>
       </p:sp>
@@ -1347,7 +1349,7 @@
             <a:fld id="{1D8BD707-D9CF-40AE-B4C6-C98DA3205C09}" type="datetimeFigureOut">
               <a:rPr lang="en-US" smtClean="0"/>
               <a:pPr/>
-              <a:t>8/1/2011</a:t>
+              <a:t>10/23/2024</a:t>
             </a:fld>
             <a:endParaRPr lang="en-US"/>
           </a:p>
@@ -1390,7 +1392,7 @@
             <a:fld id="{B6F15528-21DE-4FAA-801E-634DDDAF4B2B}" type="slidenum">
               <a:rPr lang="en-US" smtClean="0"/>
               <a:pPr/>
-              <a:t>‹#›</a:t>
+              <a:t>‹Nº›</a:t>
             </a:fld>
             <a:endParaRPr lang="en-US"/>
           </a:p>
@@ -1441,10 +1443,9 @@
           </a:lstStyle>
           <a:p>
             <a:r>
-              <a:rPr lang="en-US" smtClean="0"/>
+              <a:rPr lang="en-US"/>
               <a:t>Click to edit Master title style</a:t>
             </a:r>
-            <a:endParaRPr lang="en-US"/>
           </a:p>
         </p:txBody>
       </p:sp>
@@ -1507,7 +1508,7 @@
           <a:p>
             <a:pPr lvl="0"/>
             <a:r>
-              <a:rPr lang="en-US" smtClean="0"/>
+              <a:rPr lang="en-US"/>
               <a:t>Click to edit Master text styles</a:t>
             </a:r>
           </a:p>
@@ -1563,38 +1564,37 @@
           <a:p>
             <a:pPr lvl="0"/>
             <a:r>
-              <a:rPr lang="en-US" smtClean="0"/>
+              <a:rPr lang="en-US"/>
               <a:t>Click to edit Master text styles</a:t>
             </a:r>
           </a:p>
           <a:p>
             <a:pPr lvl="1"/>
             <a:r>
-              <a:rPr lang="en-US" smtClean="0"/>
+              <a:rPr lang="en-US"/>
               <a:t>Second level</a:t>
             </a:r>
           </a:p>
           <a:p>
             <a:pPr lvl="2"/>
             <a:r>
-              <a:rPr lang="en-US" smtClean="0"/>
+              <a:rPr lang="en-US"/>
               <a:t>Third level</a:t>
             </a:r>
           </a:p>
           <a:p>
             <a:pPr lvl="3"/>
             <a:r>
-              <a:rPr lang="en-US" smtClean="0"/>
+              <a:rPr lang="en-US"/>
               <a:t>Fourth level</a:t>
             </a:r>
           </a:p>
           <a:p>
             <a:pPr lvl="4"/>
             <a:r>
-              <a:rPr lang="en-US" smtClean="0"/>
+              <a:rPr lang="en-US"/>
               <a:t>Fifth level</a:t>
             </a:r>
-            <a:endParaRPr lang="en-US"/>
           </a:p>
         </p:txBody>
       </p:sp>
@@ -1657,7 +1657,7 @@
           <a:p>
             <a:pPr lvl="0"/>
             <a:r>
-              <a:rPr lang="en-US" smtClean="0"/>
+              <a:rPr lang="en-US"/>
               <a:t>Click to edit Master text styles</a:t>
             </a:r>
           </a:p>
@@ -1713,38 +1713,37 @@
           <a:p>
             <a:pPr lvl="0"/>
             <a:r>
-              <a:rPr lang="en-US" smtClean="0"/>
+              <a:rPr lang="en-US"/>
               <a:t>Click to edit Master text styles</a:t>
             </a:r>
           </a:p>
           <a:p>
             <a:pPr lvl="1"/>
             <a:r>
-              <a:rPr lang="en-US" smtClean="0"/>
+              <a:rPr lang="en-US"/>
               <a:t>Second level</a:t>
             </a:r>
           </a:p>
           <a:p>
             <a:pPr lvl="2"/>
             <a:r>
-              <a:rPr lang="en-US" smtClean="0"/>
+              <a:rPr lang="en-US"/>
               <a:t>Third level</a:t>
             </a:r>
           </a:p>
           <a:p>
             <a:pPr lvl="3"/>
             <a:r>
-              <a:rPr lang="en-US" smtClean="0"/>
+              <a:rPr lang="en-US"/>
               <a:t>Fourth level</a:t>
             </a:r>
           </a:p>
           <a:p>
             <a:pPr lvl="4"/>
             <a:r>
-              <a:rPr lang="en-US" smtClean="0"/>
+              <a:rPr lang="en-US"/>
               <a:t>Fifth level</a:t>
             </a:r>
-            <a:endParaRPr lang="en-US"/>
           </a:p>
         </p:txBody>
       </p:sp>
@@ -1766,7 +1765,7 @@
             <a:fld id="{1D8BD707-D9CF-40AE-B4C6-C98DA3205C09}" type="datetimeFigureOut">
               <a:rPr lang="en-US" smtClean="0"/>
               <a:pPr/>
-              <a:t>8/1/2011</a:t>
+              <a:t>10/23/2024</a:t>
             </a:fld>
             <a:endParaRPr lang="en-US"/>
           </a:p>
@@ -1809,7 +1808,7 @@
             <a:fld id="{B6F15528-21DE-4FAA-801E-634DDDAF4B2B}" type="slidenum">
               <a:rPr lang="en-US" smtClean="0"/>
               <a:pPr/>
-              <a:t>‹#›</a:t>
+              <a:t>‹Nº›</a:t>
             </a:fld>
             <a:endParaRPr lang="en-US"/>
           </a:p>
@@ -1856,10 +1855,9 @@
           <a:lstStyle/>
           <a:p>
             <a:r>
-              <a:rPr lang="en-US" smtClean="0"/>
+              <a:rPr lang="en-US"/>
               <a:t>Click to edit Master title style</a:t>
             </a:r>
-            <a:endParaRPr lang="en-US"/>
           </a:p>
         </p:txBody>
       </p:sp>
@@ -1881,7 +1879,7 @@
             <a:fld id="{1D8BD707-D9CF-40AE-B4C6-C98DA3205C09}" type="datetimeFigureOut">
               <a:rPr lang="en-US" smtClean="0"/>
               <a:pPr/>
-              <a:t>8/1/2011</a:t>
+              <a:t>10/23/2024</a:t>
             </a:fld>
             <a:endParaRPr lang="en-US"/>
           </a:p>
@@ -1924,7 +1922,7 @@
             <a:fld id="{B6F15528-21DE-4FAA-801E-634DDDAF4B2B}" type="slidenum">
               <a:rPr lang="en-US" smtClean="0"/>
               <a:pPr/>
-              <a:t>‹#›</a:t>
+              <a:t>‹Nº›</a:t>
             </a:fld>
             <a:endParaRPr lang="en-US"/>
           </a:p>
@@ -1973,7 +1971,7 @@
             <a:fld id="{1D8BD707-D9CF-40AE-B4C6-C98DA3205C09}" type="datetimeFigureOut">
               <a:rPr lang="en-US" smtClean="0"/>
               <a:pPr/>
-              <a:t>8/1/2011</a:t>
+              <a:t>10/23/2024</a:t>
             </a:fld>
             <a:endParaRPr lang="en-US"/>
           </a:p>
@@ -2016,7 +2014,7 @@
             <a:fld id="{B6F15528-21DE-4FAA-801E-634DDDAF4B2B}" type="slidenum">
               <a:rPr lang="en-US" smtClean="0"/>
               <a:pPr/>
-              <a:t>‹#›</a:t>
+              <a:t>‹Nº›</a:t>
             </a:fld>
             <a:endParaRPr lang="en-US"/>
           </a:p>
@@ -2072,10 +2070,9 @@
           </a:lstStyle>
           <a:p>
             <a:r>
-              <a:rPr lang="en-US" smtClean="0"/>
+              <a:rPr lang="en-US"/>
               <a:t>Click to edit Master title style</a:t>
             </a:r>
-            <a:endParaRPr lang="en-US"/>
           </a:p>
         </p:txBody>
       </p:sp>
@@ -2129,38 +2126,37 @@
           <a:p>
             <a:pPr lvl="0"/>
             <a:r>
-              <a:rPr lang="en-US" smtClean="0"/>
+              <a:rPr lang="en-US"/>
               <a:t>Click to edit Master text styles</a:t>
             </a:r>
           </a:p>
           <a:p>
             <a:pPr lvl="1"/>
             <a:r>
-              <a:rPr lang="en-US" smtClean="0"/>
+              <a:rPr lang="en-US"/>
               <a:t>Second level</a:t>
             </a:r>
           </a:p>
           <a:p>
             <a:pPr lvl="2"/>
             <a:r>
-              <a:rPr lang="en-US" smtClean="0"/>
+              <a:rPr lang="en-US"/>
               <a:t>Third level</a:t>
             </a:r>
           </a:p>
           <a:p>
             <a:pPr lvl="3"/>
             <a:r>
-              <a:rPr lang="en-US" smtClean="0"/>
+              <a:rPr lang="en-US"/>
               <a:t>Fourth level</a:t>
             </a:r>
           </a:p>
           <a:p>
             <a:pPr lvl="4"/>
             <a:r>
-              <a:rPr lang="en-US" smtClean="0"/>
+              <a:rPr lang="en-US"/>
               <a:t>Fifth level</a:t>
             </a:r>
-            <a:endParaRPr lang="en-US"/>
           </a:p>
         </p:txBody>
       </p:sp>
@@ -2223,7 +2219,7 @@
           <a:p>
             <a:pPr lvl="0"/>
             <a:r>
-              <a:rPr lang="en-US" smtClean="0"/>
+              <a:rPr lang="en-US"/>
               <a:t>Click to edit Master text styles</a:t>
             </a:r>
           </a:p>
@@ -2247,7 +2243,7 @@
             <a:fld id="{1D8BD707-D9CF-40AE-B4C6-C98DA3205C09}" type="datetimeFigureOut">
               <a:rPr lang="en-US" smtClean="0"/>
               <a:pPr/>
-              <a:t>8/1/2011</a:t>
+              <a:t>10/23/2024</a:t>
             </a:fld>
             <a:endParaRPr lang="en-US"/>
           </a:p>
@@ -2290,7 +2286,7 @@
             <a:fld id="{B6F15528-21DE-4FAA-801E-634DDDAF4B2B}" type="slidenum">
               <a:rPr lang="en-US" smtClean="0"/>
               <a:pPr/>
-              <a:t>‹#›</a:t>
+              <a:t>‹Nº›</a:t>
             </a:fld>
             <a:endParaRPr lang="en-US"/>
           </a:p>
@@ -2346,10 +2342,9 @@
           </a:lstStyle>
           <a:p>
             <a:r>
-              <a:rPr lang="en-US" smtClean="0"/>
+              <a:rPr lang="en-US"/>
               <a:t>Click to edit Master title style</a:t>
             </a:r>
-            <a:endParaRPr lang="en-US"/>
           </a:p>
         </p:txBody>
       </p:sp>
@@ -2473,7 +2468,7 @@
           <a:p>
             <a:pPr lvl="0"/>
             <a:r>
-              <a:rPr lang="en-US" smtClean="0"/>
+              <a:rPr lang="en-US"/>
               <a:t>Click to edit Master text styles</a:t>
             </a:r>
           </a:p>
@@ -2497,7 +2492,7 @@
             <a:fld id="{1D8BD707-D9CF-40AE-B4C6-C98DA3205C09}" type="datetimeFigureOut">
               <a:rPr lang="en-US" smtClean="0"/>
               <a:pPr/>
-              <a:t>8/1/2011</a:t>
+              <a:t>10/23/2024</a:t>
             </a:fld>
             <a:endParaRPr lang="en-US"/>
           </a:p>
@@ -2540,7 +2535,7 @@
             <a:fld id="{B6F15528-21DE-4FAA-801E-634DDDAF4B2B}" type="slidenum">
               <a:rPr lang="en-US" smtClean="0"/>
               <a:pPr/>
-              <a:t>‹#›</a:t>
+              <a:t>‹Nº›</a:t>
             </a:fld>
             <a:endParaRPr lang="en-US"/>
           </a:p>
@@ -2602,10 +2597,9 @@
           <a:lstStyle/>
           <a:p>
             <a:r>
-              <a:rPr lang="en-US" smtClean="0"/>
+              <a:rPr lang="en-US"/>
               <a:t>Click to edit Master title style</a:t>
             </a:r>
-            <a:endParaRPr lang="en-US"/>
           </a:p>
         </p:txBody>
       </p:sp>
@@ -2636,38 +2630,37 @@
           <a:p>
             <a:pPr lvl="0"/>
             <a:r>
-              <a:rPr lang="en-US" smtClean="0"/>
+              <a:rPr lang="en-US"/>
               <a:t>Click to edit Master text styles</a:t>
             </a:r>
           </a:p>
           <a:p>
             <a:pPr lvl="1"/>
             <a:r>
-              <a:rPr lang="en-US" smtClean="0"/>
+              <a:rPr lang="en-US"/>
               <a:t>Second level</a:t>
             </a:r>
           </a:p>
           <a:p>
             <a:pPr lvl="2"/>
             <a:r>
-              <a:rPr lang="en-US" smtClean="0"/>
+              <a:rPr lang="en-US"/>
               <a:t>Third level</a:t>
             </a:r>
           </a:p>
           <a:p>
             <a:pPr lvl="3"/>
             <a:r>
-              <a:rPr lang="en-US" smtClean="0"/>
+              <a:rPr lang="en-US"/>
               <a:t>Fourth level</a:t>
             </a:r>
           </a:p>
           <a:p>
             <a:pPr lvl="4"/>
             <a:r>
-              <a:rPr lang="en-US" smtClean="0"/>
+              <a:rPr lang="en-US"/>
               <a:t>Fifth level</a:t>
             </a:r>
-            <a:endParaRPr lang="en-US"/>
           </a:p>
         </p:txBody>
       </p:sp>
@@ -2707,7 +2700,7 @@
             <a:fld id="{1D8BD707-D9CF-40AE-B4C6-C98DA3205C09}" type="datetimeFigureOut">
               <a:rPr lang="en-US" smtClean="0"/>
               <a:pPr/>
-              <a:t>8/1/2011</a:t>
+              <a:t>10/23/2024</a:t>
             </a:fld>
             <a:endParaRPr lang="en-US"/>
           </a:p>
@@ -2786,7 +2779,7 @@
             <a:fld id="{B6F15528-21DE-4FAA-801E-634DDDAF4B2B}" type="slidenum">
               <a:rPr lang="en-US" smtClean="0"/>
               <a:pPr/>
-              <a:t>‹#›</a:t>
+              <a:t>‹Nº›</a:t>
             </a:fld>
             <a:endParaRPr lang="en-US"/>
           </a:p>
@@ -3062,13 +3055,293 @@
 </file>
 
 <file path=ppt/slides/slide1.xml><?xml version="1.0" encoding="utf-8"?>
-<p:sld xmlns:p="http://schemas.openxmlformats.org/presentationml/2006/main" xmlns:a="http://schemas.openxmlformats.org/drawingml/2006/main" xmlns:r="http://schemas.openxmlformats.org/officeDocument/2006/relationships">
+<p:sld xmlns:a="http://schemas.openxmlformats.org/drawingml/2006/main" xmlns:r="http://schemas.openxmlformats.org/officeDocument/2006/relationships" xmlns:p="http://schemas.openxmlformats.org/presentationml/2006/main">
+  <p:cSld>
+    <p:spTree>
+      <p:nvGrpSpPr>
+        <p:cNvPr id="1" name=""/>
+        <p:cNvGrpSpPr/>
+        <p:nvPr/>
+      </p:nvGrpSpPr>
+      <p:grpSpPr>
+        <a:xfrm>
+          <a:off x="0" y="0"/>
+          <a:ext cx="0" cy="0"/>
+          <a:chOff x="0" y="0"/>
+          <a:chExt cx="0" cy="0"/>
+        </a:xfrm>
+      </p:grpSpPr>
+      <p:sp>
+        <p:nvSpPr>
+          <p:cNvPr id="2" name="Rectángulo 1">
+            <a:extLst>
+              <a:ext uri="{FF2B5EF4-FFF2-40B4-BE49-F238E27FC236}">
+                <a16:creationId xmlns:a16="http://schemas.microsoft.com/office/drawing/2014/main" id="{2ACA4DBB-FCAF-8479-E218-844853C097CF}"/>
+              </a:ext>
+            </a:extLst>
+          </p:cNvPr>
+          <p:cNvSpPr>
+            <a:spLocks noGrp="1" noRot="1" noMove="1" noResize="1" noEditPoints="1" noAdjustHandles="1" noChangeArrowheads="1" noChangeShapeType="1"/>
+          </p:cNvSpPr>
+          <p:nvPr/>
+        </p:nvSpPr>
+        <p:spPr>
+          <a:xfrm>
+            <a:off x="0" y="0"/>
+            <a:ext cx="18288000" cy="10287000"/>
+          </a:xfrm>
+          <a:prstGeom prst="rect">
+            <a:avLst/>
+          </a:prstGeom>
+          <a:solidFill>
+            <a:srgbClr val="050A30"/>
+          </a:solidFill>
+          <a:ln>
+            <a:noFill/>
+          </a:ln>
+        </p:spPr>
+        <p:style>
+          <a:lnRef idx="2">
+            <a:schemeClr val="accent1">
+              <a:shade val="15000"/>
+            </a:schemeClr>
+          </a:lnRef>
+          <a:fillRef idx="1">
+            <a:schemeClr val="accent1"/>
+          </a:fillRef>
+          <a:effectRef idx="0">
+            <a:schemeClr val="accent1"/>
+          </a:effectRef>
+          <a:fontRef idx="minor">
+            <a:schemeClr val="lt1"/>
+          </a:fontRef>
+        </p:style>
+        <p:txBody>
+          <a:bodyPr rtlCol="0" anchor="ctr"/>
+          <a:lstStyle/>
+          <a:p>
+            <a:pPr algn="ctr"/>
+            <a:endParaRPr lang="es-CO"/>
+          </a:p>
+        </p:txBody>
+      </p:sp>
+      <p:sp>
+        <p:nvSpPr>
+          <p:cNvPr id="9" name="Freeform 3">
+            <a:extLst>
+              <a:ext uri="{FF2B5EF4-FFF2-40B4-BE49-F238E27FC236}">
+                <a16:creationId xmlns:a16="http://schemas.microsoft.com/office/drawing/2014/main" id="{342D097E-1F8F-3FDE-DD84-A14BBA7D622F}"/>
+              </a:ext>
+            </a:extLst>
+          </p:cNvPr>
+          <p:cNvSpPr/>
+          <p:nvPr/>
+        </p:nvSpPr>
+        <p:spPr>
+          <a:xfrm>
+            <a:off x="-5257800" y="0"/>
+            <a:ext cx="9479732" cy="10287000"/>
+          </a:xfrm>
+          <a:custGeom>
+            <a:avLst/>
+            <a:gdLst/>
+            <a:ahLst/>
+            <a:cxnLst/>
+            <a:rect l="l" t="t" r="r" b="b"/>
+            <a:pathLst>
+              <a:path w="18659536" h="16963214">
+                <a:moveTo>
+                  <a:pt x="0" y="0"/>
+                </a:moveTo>
+                <a:lnTo>
+                  <a:pt x="18659536" y="0"/>
+                </a:lnTo>
+                <a:lnTo>
+                  <a:pt x="18659536" y="16963214"/>
+                </a:lnTo>
+                <a:lnTo>
+                  <a:pt x="0" y="16963214"/>
+                </a:lnTo>
+                <a:lnTo>
+                  <a:pt x="0" y="0"/>
+                </a:lnTo>
+                <a:close/>
+              </a:path>
+            </a:pathLst>
+          </a:custGeom>
+          <a:blipFill>
+            <a:blip r:embed="rId2">
+              <a:extLst>
+                <a:ext uri="{96DAC541-7B7A-43D3-8B79-37D633B846F1}">
+                  <asvg:svgBlip xmlns:asvg="http://schemas.microsoft.com/office/drawing/2016/SVG/main" r:embed="rId3"/>
+                </a:ext>
+              </a:extLst>
+            </a:blip>
+            <a:stretch>
+              <a:fillRect/>
+            </a:stretch>
+          </a:blipFill>
+        </p:spPr>
+        <p:txBody>
+          <a:bodyPr/>
+          <a:lstStyle/>
+          <a:p>
+            <a:endParaRPr lang="es-CO"/>
+          </a:p>
+        </p:txBody>
+      </p:sp>
+      <p:sp>
+        <p:nvSpPr>
+          <p:cNvPr id="10" name="Freeform 3">
+            <a:extLst>
+              <a:ext uri="{FF2B5EF4-FFF2-40B4-BE49-F238E27FC236}">
+                <a16:creationId xmlns:a16="http://schemas.microsoft.com/office/drawing/2014/main" id="{6B872A02-E819-7225-4DC2-C0FEED63589D}"/>
+              </a:ext>
+            </a:extLst>
+          </p:cNvPr>
+          <p:cNvSpPr/>
+          <p:nvPr/>
+        </p:nvSpPr>
+        <p:spPr>
+          <a:xfrm>
+            <a:off x="9479732" y="303547"/>
+            <a:ext cx="9479732" cy="10287000"/>
+          </a:xfrm>
+          <a:custGeom>
+            <a:avLst/>
+            <a:gdLst/>
+            <a:ahLst/>
+            <a:cxnLst/>
+            <a:rect l="l" t="t" r="r" b="b"/>
+            <a:pathLst>
+              <a:path w="18659536" h="16963214">
+                <a:moveTo>
+                  <a:pt x="0" y="0"/>
+                </a:moveTo>
+                <a:lnTo>
+                  <a:pt x="18659536" y="0"/>
+                </a:lnTo>
+                <a:lnTo>
+                  <a:pt x="18659536" y="16963214"/>
+                </a:lnTo>
+                <a:lnTo>
+                  <a:pt x="0" y="16963214"/>
+                </a:lnTo>
+                <a:lnTo>
+                  <a:pt x="0" y="0"/>
+                </a:lnTo>
+                <a:close/>
+              </a:path>
+            </a:pathLst>
+          </a:custGeom>
+          <a:blipFill>
+            <a:blip r:embed="rId2">
+              <a:extLst>
+                <a:ext uri="{96DAC541-7B7A-43D3-8B79-37D633B846F1}">
+                  <asvg:svgBlip xmlns:asvg="http://schemas.microsoft.com/office/drawing/2016/SVG/main" r:embed="rId3"/>
+                </a:ext>
+              </a:extLst>
+            </a:blip>
+            <a:stretch>
+              <a:fillRect/>
+            </a:stretch>
+          </a:blipFill>
+        </p:spPr>
+        <p:txBody>
+          <a:bodyPr/>
+          <a:lstStyle/>
+          <a:p>
+            <a:endParaRPr lang="es-CO"/>
+          </a:p>
+        </p:txBody>
+      </p:sp>
+      <p:sp>
+        <p:nvSpPr>
+          <p:cNvPr id="11" name="Freeform 3">
+            <a:extLst>
+              <a:ext uri="{FF2B5EF4-FFF2-40B4-BE49-F238E27FC236}">
+                <a16:creationId xmlns:a16="http://schemas.microsoft.com/office/drawing/2014/main" id="{D5DB692A-6AB1-D9B8-2684-D929A4D672E2}"/>
+              </a:ext>
+            </a:extLst>
+          </p:cNvPr>
+          <p:cNvSpPr/>
+          <p:nvPr/>
+        </p:nvSpPr>
+        <p:spPr>
+          <a:xfrm>
+            <a:off x="2057400" y="5441604"/>
+            <a:ext cx="9479732" cy="10287000"/>
+          </a:xfrm>
+          <a:custGeom>
+            <a:avLst/>
+            <a:gdLst/>
+            <a:ahLst/>
+            <a:cxnLst/>
+            <a:rect l="l" t="t" r="r" b="b"/>
+            <a:pathLst>
+              <a:path w="18659536" h="16963214">
+                <a:moveTo>
+                  <a:pt x="0" y="0"/>
+                </a:moveTo>
+                <a:lnTo>
+                  <a:pt x="18659536" y="0"/>
+                </a:lnTo>
+                <a:lnTo>
+                  <a:pt x="18659536" y="16963214"/>
+                </a:lnTo>
+                <a:lnTo>
+                  <a:pt x="0" y="16963214"/>
+                </a:lnTo>
+                <a:lnTo>
+                  <a:pt x="0" y="0"/>
+                </a:lnTo>
+                <a:close/>
+              </a:path>
+            </a:pathLst>
+          </a:custGeom>
+          <a:blipFill>
+            <a:blip r:embed="rId2">
+              <a:extLst>
+                <a:ext uri="{96DAC541-7B7A-43D3-8B79-37D633B846F1}">
+                  <asvg:svgBlip xmlns:asvg="http://schemas.microsoft.com/office/drawing/2016/SVG/main" r:embed="rId3"/>
+                </a:ext>
+              </a:extLst>
+            </a:blip>
+            <a:stretch>
+              <a:fillRect/>
+            </a:stretch>
+          </a:blipFill>
+        </p:spPr>
+        <p:txBody>
+          <a:bodyPr/>
+          <a:lstStyle/>
+          <a:p>
+            <a:endParaRPr lang="es-CO"/>
+          </a:p>
+        </p:txBody>
+      </p:sp>
+    </p:spTree>
+    <p:extLst>
+      <p:ext uri="{BB962C8B-B14F-4D97-AF65-F5344CB8AC3E}">
+        <p14:creationId xmlns:p14="http://schemas.microsoft.com/office/powerpoint/2010/main" val="2938517980"/>
+      </p:ext>
+    </p:extLst>
+  </p:cSld>
+  <p:clrMapOvr>
+    <a:masterClrMapping/>
+  </p:clrMapOvr>
+</p:sld>
+</file>
+
+<file path=ppt/slides/slide2.xml><?xml version="1.0" encoding="utf-8"?>
+<p:sld xmlns:a="http://schemas.openxmlformats.org/drawingml/2006/main" xmlns:r="http://schemas.openxmlformats.org/officeDocument/2006/relationships" xmlns:p="http://schemas.openxmlformats.org/presentationml/2006/main">
   <p:cSld>
     <p:bg>
       <p:bgPr>
         <a:solidFill>
           <a:srgbClr val="050A30"/>
         </a:solidFill>
+        <a:effectLst/>
       </p:bgPr>
     </p:bg>
     <p:spTree>
@@ -3087,12 +3360,12 @@
       </p:grpSpPr>
       <p:sp>
         <p:nvSpPr>
-          <p:cNvPr name="Freeform 2" id="2"/>
+          <p:cNvPr id="2" name="Freeform 2"/>
           <p:cNvSpPr/>
           <p:nvPr/>
         </p:nvSpPr>
         <p:spPr>
-          <a:xfrm flipH="false" flipV="false" rot="1204637">
+          <a:xfrm rot="1204637">
             <a:off x="-11522876" y="8232052"/>
             <a:ext cx="11359009" cy="4109896"/>
           </a:xfrm>
@@ -3101,9 +3374,9 @@
             <a:gdLst/>
             <a:ahLst/>
             <a:cxnLst/>
-            <a:rect r="r" b="b" t="t" l="l"/>
+            <a:rect l="l" t="t" r="r" b="b"/>
             <a:pathLst>
-              <a:path h="4109896" w="11359009">
+              <a:path w="11359009" h="4109896">
                 <a:moveTo>
                   <a:pt x="0" y="0"/>
                 </a:moveTo>
@@ -3132,19 +3405,26 @@
               </a:extLst>
             </a:blip>
             <a:stretch>
-              <a:fillRect l="0" t="0" r="0" b="0"/>
+              <a:fillRect/>
             </a:stretch>
           </a:blipFill>
         </p:spPr>
-      </p:sp>
-      <p:sp>
-        <p:nvSpPr>
-          <p:cNvPr name="Freeform 3" id="3"/>
+        <p:txBody>
+          <a:bodyPr/>
+          <a:lstStyle/>
+          <a:p>
+            <a:endParaRPr lang="es-CO"/>
+          </a:p>
+        </p:txBody>
+      </p:sp>
+      <p:sp>
+        <p:nvSpPr>
+          <p:cNvPr id="3" name="Freeform 3"/>
           <p:cNvSpPr/>
           <p:nvPr/>
         </p:nvSpPr>
         <p:spPr>
-          <a:xfrm flipH="false" flipV="false" rot="0">
+          <a:xfrm>
             <a:off x="-10851332" y="-3108940"/>
             <a:ext cx="18659536" cy="16963214"/>
           </a:xfrm>
@@ -3153,9 +3433,9 @@
             <a:gdLst/>
             <a:ahLst/>
             <a:cxnLst/>
-            <a:rect r="r" b="b" t="t" l="l"/>
+            <a:rect l="l" t="t" r="r" b="b"/>
             <a:pathLst>
-              <a:path h="16963214" w="18659536">
+              <a:path w="18659536" h="16963214">
                 <a:moveTo>
                   <a:pt x="0" y="0"/>
                 </a:moveTo>
@@ -3184,28 +3464,35 @@
               </a:extLst>
             </a:blip>
             <a:stretch>
-              <a:fillRect l="0" t="0" r="0" b="0"/>
+              <a:fillRect/>
             </a:stretch>
           </a:blipFill>
         </p:spPr>
-      </p:sp>
-      <p:sp>
-        <p:nvSpPr>
-          <p:cNvPr name="TextBox 4" id="4"/>
-          <p:cNvSpPr txBox="true"/>
+        <p:txBody>
+          <a:bodyPr/>
+          <a:lstStyle/>
+          <a:p>
+            <a:endParaRPr lang="es-CO"/>
+          </a:p>
+        </p:txBody>
+      </p:sp>
+      <p:sp>
+        <p:nvSpPr>
+          <p:cNvPr id="4" name="TextBox 4"/>
+          <p:cNvSpPr txBox="1"/>
           <p:nvPr/>
         </p:nvSpPr>
         <p:spPr>
-          <a:xfrm rot="0">
-            <a:off x="8869276" y="3716643"/>
-            <a:ext cx="8390024" cy="2691633"/>
+          <a:xfrm>
+            <a:off x="4648200" y="3492626"/>
+            <a:ext cx="13182600" cy="1394292"/>
           </a:xfrm>
           <a:prstGeom prst="rect">
             <a:avLst/>
           </a:prstGeom>
         </p:spPr>
         <p:txBody>
-          <a:bodyPr anchor="t" rtlCol="false" tIns="0" lIns="0" bIns="0" rIns="0">
+          <a:bodyPr wrap="square" lIns="0" tIns="0" rIns="0" bIns="0" rtlCol="0" anchor="t">
             <a:spAutoFit/>
           </a:bodyPr>
           <a:lstStyle/>
@@ -3216,7 +3503,7 @@
               </a:lnSpc>
             </a:pPr>
             <a:r>
-              <a:rPr lang="en-US" b="true" sz="12000">
+              <a:rPr lang="es-CO" sz="11000" b="1" dirty="0">
                 <a:solidFill>
                   <a:srgbClr val="CAE8FF"/>
                 </a:solidFill>
@@ -3225,28 +3512,28 @@
                 <a:cs typeface="HK Grotesk Bold"/>
                 <a:sym typeface="HK Grotesk Bold"/>
               </a:rPr>
-              <a:t>PROYECTO FINAL</a:t>
-            </a:r>
-          </a:p>
-        </p:txBody>
-      </p:sp>
-      <p:sp>
-        <p:nvSpPr>
-          <p:cNvPr name="TextBox 5" id="5"/>
-          <p:cNvSpPr txBox="true"/>
+              <a:t>Patrones monolitos</a:t>
+            </a:r>
+          </a:p>
+        </p:txBody>
+      </p:sp>
+      <p:sp>
+        <p:nvSpPr>
+          <p:cNvPr id="5" name="TextBox 5"/>
+          <p:cNvSpPr txBox="1"/>
           <p:nvPr/>
         </p:nvSpPr>
         <p:spPr>
-          <a:xfrm rot="0">
-            <a:off x="8869276" y="6116464"/>
-            <a:ext cx="8390024" cy="863468"/>
+          <a:xfrm>
+            <a:off x="6553200" y="6210300"/>
+            <a:ext cx="8390024" cy="1763175"/>
           </a:xfrm>
           <a:prstGeom prst="rect">
             <a:avLst/>
           </a:prstGeom>
         </p:spPr>
         <p:txBody>
-          <a:bodyPr anchor="t" rtlCol="false" tIns="0" lIns="0" bIns="0" rIns="0">
+          <a:bodyPr lIns="0" tIns="0" rIns="0" bIns="0" rtlCol="0" anchor="t">
             <a:spAutoFit/>
           </a:bodyPr>
           <a:lstStyle/>
@@ -3257,7 +3544,7 @@
               </a:lnSpc>
             </a:pPr>
             <a:r>
-              <a:rPr lang="en-US" b="true" sz="5000" spc="400">
+              <a:rPr lang="en-US" sz="5000" b="1" spc="400" dirty="0">
                 <a:solidFill>
                   <a:srgbClr val="F4F6FC"/>
                 </a:solidFill>
@@ -3266,7 +3553,7 @@
                 <a:cs typeface="HK Grotesk Bold"/>
                 <a:sym typeface="HK Grotesk Bold"/>
               </a:rPr>
-              <a:t>Francisco Andrade</a:t>
+              <a:t>Juan Esteban Grajales Mesa</a:t>
             </a:r>
           </a:p>
         </p:txBody>
@@ -3276,17 +3563,30 @@
   <p:clrMapOvr>
     <a:masterClrMapping/>
   </p:clrMapOvr>
+  <mc:AlternateContent xmlns:mc="http://schemas.openxmlformats.org/markup-compatibility/2006">
+    <mc:Choice xmlns:p159="http://schemas.microsoft.com/office/powerpoint/2015/09/main" Requires="p159">
+      <p:transition xmlns:p14="http://schemas.microsoft.com/office/powerpoint/2010/main" spd="slow" p14:dur="2000">
+        <p159:morph option="byObject"/>
+      </p:transition>
+    </mc:Choice>
+    <mc:Fallback>
+      <p:transition spd="slow">
+        <p:fade/>
+      </p:transition>
+    </mc:Fallback>
+  </mc:AlternateContent>
 </p:sld>
 </file>
 
-<file path=ppt/slides/slide10.xml><?xml version="1.0" encoding="utf-8"?>
-<p:sld xmlns:p="http://schemas.openxmlformats.org/presentationml/2006/main" xmlns:a="http://schemas.openxmlformats.org/drawingml/2006/main" xmlns:r="http://schemas.openxmlformats.org/officeDocument/2006/relationships">
+<file path=ppt/slides/slide3.xml><?xml version="1.0" encoding="utf-8"?>
+<p:sld xmlns:a="http://schemas.openxmlformats.org/drawingml/2006/main" xmlns:r="http://schemas.openxmlformats.org/officeDocument/2006/relationships" xmlns:p="http://schemas.openxmlformats.org/presentationml/2006/main">
   <p:cSld>
     <p:bg>
       <p:bgPr>
         <a:solidFill>
           <a:srgbClr val="050A30"/>
         </a:solidFill>
+        <a:effectLst/>
       </p:bgPr>
     </p:bg>
     <p:spTree>
@@ -3305,75 +3605,34 @@
       </p:grpSpPr>
       <p:sp>
         <p:nvSpPr>
-          <p:cNvPr name="TextBox 2" id="2"/>
-          <p:cNvSpPr txBox="true"/>
-          <p:nvPr/>
-        </p:nvSpPr>
-        <p:spPr>
-          <a:xfrm rot="0">
-            <a:off x="1028700" y="4640613"/>
-            <a:ext cx="16230600" cy="1415349"/>
-          </a:xfrm>
-          <a:prstGeom prst="rect">
-            <a:avLst/>
-          </a:prstGeom>
-        </p:spPr>
-        <p:txBody>
-          <a:bodyPr anchor="t" rtlCol="false" tIns="0" lIns="0" bIns="0" rIns="0">
-            <a:spAutoFit/>
-          </a:bodyPr>
-          <a:lstStyle/>
-          <a:p>
-            <a:pPr algn="ctr">
-              <a:lnSpc>
-                <a:spcPts val="10080"/>
-              </a:lnSpc>
-            </a:pPr>
-            <a:r>
-              <a:rPr lang="en-US" b="true" sz="12000">
-                <a:solidFill>
-                  <a:srgbClr val="CAE8FF"/>
-                </a:solidFill>
-                <a:latin typeface="HK Grotesk Bold"/>
-                <a:ea typeface="HK Grotesk Bold"/>
-                <a:cs typeface="HK Grotesk Bold"/>
-                <a:sym typeface="HK Grotesk Bold"/>
-              </a:rPr>
-              <a:t>GRACIAS</a:t>
-            </a:r>
-          </a:p>
-        </p:txBody>
-      </p:sp>
-      <p:sp>
-        <p:nvSpPr>
-          <p:cNvPr name="Freeform 3" id="3"/>
+          <p:cNvPr id="2" name="Freeform 2"/>
           <p:cNvSpPr/>
           <p:nvPr/>
         </p:nvSpPr>
         <p:spPr>
-          <a:xfrm flipH="false" flipV="false" rot="0">
-            <a:off x="12722671" y="-2258858"/>
-            <a:ext cx="18659536" cy="16963214"/>
+          <a:xfrm>
+            <a:off x="0" y="1771551"/>
+            <a:ext cx="3442247" cy="4114800"/>
           </a:xfrm>
           <a:custGeom>
             <a:avLst/>
             <a:gdLst/>
             <a:ahLst/>
             <a:cxnLst/>
-            <a:rect r="r" b="b" t="t" l="l"/>
+            <a:rect l="l" t="t" r="r" b="b"/>
             <a:pathLst>
-              <a:path h="16963214" w="18659536">
+              <a:path w="3442247" h="4114800">
                 <a:moveTo>
                   <a:pt x="0" y="0"/>
                 </a:moveTo>
                 <a:lnTo>
-                  <a:pt x="18659536" y="0"/>
-                </a:lnTo>
-                <a:lnTo>
-                  <a:pt x="18659536" y="16963214"/>
-                </a:lnTo>
-                <a:lnTo>
-                  <a:pt x="0" y="16963214"/>
+                  <a:pt x="3442247" y="0"/>
+                </a:lnTo>
+                <a:lnTo>
+                  <a:pt x="3442247" y="4114800"/>
+                </a:lnTo>
+                <a:lnTo>
+                  <a:pt x="0" y="4114800"/>
                 </a:lnTo>
                 <a:lnTo>
                   <a:pt x="0" y="0"/>
@@ -3391,41 +3650,126 @@
               </a:extLst>
             </a:blip>
             <a:stretch>
-              <a:fillRect l="0" t="0" r="0" b="0"/>
+              <a:fillRect/>
             </a:stretch>
           </a:blipFill>
         </p:spPr>
-      </p:sp>
-      <p:sp>
-        <p:nvSpPr>
-          <p:cNvPr name="Freeform 4" id="4"/>
+        <p:txBody>
+          <a:bodyPr/>
+          <a:lstStyle/>
+          <a:p>
+            <a:endParaRPr lang="es-CO"/>
+          </a:p>
+        </p:txBody>
+      </p:sp>
+      <p:sp>
+        <p:nvSpPr>
+          <p:cNvPr id="3" name="TextBox 3"/>
+          <p:cNvSpPr txBox="1"/>
+          <p:nvPr/>
+        </p:nvSpPr>
+        <p:spPr>
+          <a:xfrm>
+            <a:off x="4494585" y="1723778"/>
+            <a:ext cx="13300730" cy="1384995"/>
+          </a:xfrm>
+          <a:prstGeom prst="rect">
+            <a:avLst/>
+          </a:prstGeom>
+        </p:spPr>
+        <p:txBody>
+          <a:bodyPr wrap="square" lIns="0" tIns="0" rIns="0" bIns="0" rtlCol="0" anchor="t">
+            <a:spAutoFit/>
+          </a:bodyPr>
+          <a:lstStyle/>
+          <a:p>
+            <a:pPr algn="ctr"/>
+            <a:r>
+              <a:rPr lang="es-CO" sz="9000" b="1" dirty="0">
+                <a:solidFill>
+                  <a:srgbClr val="CAE8FF"/>
+                </a:solidFill>
+                <a:latin typeface="HK Grotesk Bold"/>
+                <a:ea typeface="HK Grotesk Bold"/>
+                <a:cs typeface="HK Grotesk Bold"/>
+                <a:sym typeface="HK Grotesk Bold"/>
+              </a:rPr>
+              <a:t>Arquitectura monolítica</a:t>
+            </a:r>
+          </a:p>
+        </p:txBody>
+      </p:sp>
+      <p:sp>
+        <p:nvSpPr>
+          <p:cNvPr id="4" name="TextBox 4"/>
+          <p:cNvSpPr txBox="1"/>
+          <p:nvPr/>
+        </p:nvSpPr>
+        <p:spPr>
+          <a:xfrm>
+            <a:off x="6477001" y="3136482"/>
+            <a:ext cx="10591800" cy="2135136"/>
+          </a:xfrm>
+          <a:prstGeom prst="rect">
+            <a:avLst/>
+          </a:prstGeom>
+        </p:spPr>
+        <p:txBody>
+          <a:bodyPr wrap="square" lIns="0" tIns="0" rIns="0" bIns="0" rtlCol="0" anchor="t">
+            <a:spAutoFit/>
+          </a:bodyPr>
+          <a:lstStyle/>
+          <a:p>
+            <a:pPr>
+              <a:lnSpc>
+                <a:spcPts val="4200"/>
+              </a:lnSpc>
+            </a:pPr>
+            <a:r>
+              <a:rPr lang="es-CO" sz="3000" b="1" dirty="0">
+                <a:solidFill>
+                  <a:srgbClr val="F4F6FC"/>
+                </a:solidFill>
+                <a:latin typeface="HK Grotesk Medium"/>
+                <a:ea typeface="HK Grotesk Medium"/>
+                <a:cs typeface="HK Grotesk Medium"/>
+                <a:sym typeface="HK Grotesk Medium"/>
+              </a:rPr>
+              <a:t>La arquitectura monolítica es un tipo de estructura que consta de construir toda la estructura de la página en un solo paquete que contiene todo el código ,base de datos y demás en un solo paquete</a:t>
+            </a:r>
+          </a:p>
+        </p:txBody>
+      </p:sp>
+      <p:sp>
+        <p:nvSpPr>
+          <p:cNvPr id="5" name="Freeform 5"/>
           <p:cNvSpPr/>
           <p:nvPr/>
         </p:nvSpPr>
         <p:spPr>
-          <a:xfrm flipH="false" flipV="false" rot="0">
-            <a:off x="-13094207" y="-2258858"/>
-            <a:ext cx="18659536" cy="16963214"/>
+          <a:xfrm>
+            <a:off x="2658202" y="882997"/>
+            <a:ext cx="3442247" cy="4114800"/>
           </a:xfrm>
           <a:custGeom>
             <a:avLst/>
             <a:gdLst/>
             <a:ahLst/>
             <a:cxnLst/>
-            <a:rect r="r" b="b" t="t" l="l"/>
+            <a:rect l="l" t="t" r="r" b="b"/>
             <a:pathLst>
-              <a:path h="16963214" w="18659536">
+              <a:path w="3442247" h="4114800">
                 <a:moveTo>
                   <a:pt x="0" y="0"/>
                 </a:moveTo>
                 <a:lnTo>
-                  <a:pt x="18659536" y="0"/>
-                </a:lnTo>
-                <a:lnTo>
-                  <a:pt x="18659536" y="16963214"/>
-                </a:lnTo>
-                <a:lnTo>
-                  <a:pt x="0" y="16963214"/>
+                  <a:pt x="3442247" y="0"/>
+                </a:lnTo>
+                <a:lnTo>
+                  <a:pt x="3442247" y="4114800"/>
+                </a:lnTo>
+                <a:lnTo>
+                  <a:pt x="0" y="4114800"/>
                 </a:lnTo>
                 <a:lnTo>
                   <a:pt x="0" y="0"/>
@@ -3443,27 +3787,265 @@
               </a:extLst>
             </a:blip>
             <a:stretch>
-              <a:fillRect l="0" t="0" r="0" b="0"/>
+              <a:fillRect/>
             </a:stretch>
           </a:blipFill>
         </p:spPr>
-      </p:sp>
+        <p:txBody>
+          <a:bodyPr/>
+          <a:lstStyle/>
+          <a:p>
+            <a:endParaRPr lang="es-CO"/>
+          </a:p>
+        </p:txBody>
+      </p:sp>
+      <p:sp>
+        <p:nvSpPr>
+          <p:cNvPr id="6" name="Freeform 6"/>
+          <p:cNvSpPr/>
+          <p:nvPr/>
+        </p:nvSpPr>
+        <p:spPr>
+          <a:xfrm>
+            <a:off x="152400" y="6172200"/>
+            <a:ext cx="3442247" cy="4114800"/>
+          </a:xfrm>
+          <a:custGeom>
+            <a:avLst/>
+            <a:gdLst/>
+            <a:ahLst/>
+            <a:cxnLst/>
+            <a:rect l="l" t="t" r="r" b="b"/>
+            <a:pathLst>
+              <a:path w="3442247" h="4114800">
+                <a:moveTo>
+                  <a:pt x="0" y="0"/>
+                </a:moveTo>
+                <a:lnTo>
+                  <a:pt x="3442247" y="0"/>
+                </a:lnTo>
+                <a:lnTo>
+                  <a:pt x="3442247" y="4114800"/>
+                </a:lnTo>
+                <a:lnTo>
+                  <a:pt x="0" y="4114800"/>
+                </a:lnTo>
+                <a:lnTo>
+                  <a:pt x="0" y="0"/>
+                </a:lnTo>
+                <a:close/>
+              </a:path>
+            </a:pathLst>
+          </a:custGeom>
+          <a:blipFill>
+            <a:blip r:embed="rId2">
+              <a:extLst>
+                <a:ext uri="{96DAC541-7B7A-43D3-8B79-37D633B846F1}">
+                  <asvg:svgBlip xmlns:asvg="http://schemas.microsoft.com/office/drawing/2016/SVG/main" r:embed="rId3"/>
+                </a:ext>
+              </a:extLst>
+            </a:blip>
+            <a:stretch>
+              <a:fillRect/>
+            </a:stretch>
+          </a:blipFill>
+        </p:spPr>
+        <p:txBody>
+          <a:bodyPr/>
+          <a:lstStyle/>
+          <a:p>
+            <a:endParaRPr lang="es-CO"/>
+          </a:p>
+        </p:txBody>
+      </p:sp>
+      <p:sp>
+        <p:nvSpPr>
+          <p:cNvPr id="7" name="Freeform 7"/>
+          <p:cNvSpPr/>
+          <p:nvPr/>
+        </p:nvSpPr>
+        <p:spPr>
+          <a:xfrm>
+            <a:off x="2658202" y="5154122"/>
+            <a:ext cx="3442247" cy="4114800"/>
+          </a:xfrm>
+          <a:custGeom>
+            <a:avLst/>
+            <a:gdLst/>
+            <a:ahLst/>
+            <a:cxnLst/>
+            <a:rect l="l" t="t" r="r" b="b"/>
+            <a:pathLst>
+              <a:path w="3442247" h="4114800">
+                <a:moveTo>
+                  <a:pt x="0" y="0"/>
+                </a:moveTo>
+                <a:lnTo>
+                  <a:pt x="3442247" y="0"/>
+                </a:lnTo>
+                <a:lnTo>
+                  <a:pt x="3442247" y="4114800"/>
+                </a:lnTo>
+                <a:lnTo>
+                  <a:pt x="0" y="4114800"/>
+                </a:lnTo>
+                <a:lnTo>
+                  <a:pt x="0" y="0"/>
+                </a:lnTo>
+                <a:close/>
+              </a:path>
+            </a:pathLst>
+          </a:custGeom>
+          <a:blipFill>
+            <a:blip r:embed="rId2">
+              <a:extLst>
+                <a:ext uri="{96DAC541-7B7A-43D3-8B79-37D633B846F1}">
+                  <asvg:svgBlip xmlns:asvg="http://schemas.microsoft.com/office/drawing/2016/SVG/main" r:embed="rId3"/>
+                </a:ext>
+              </a:extLst>
+            </a:blip>
+            <a:stretch>
+              <a:fillRect/>
+            </a:stretch>
+          </a:blipFill>
+        </p:spPr>
+        <p:txBody>
+          <a:bodyPr/>
+          <a:lstStyle/>
+          <a:p>
+            <a:endParaRPr lang="es-CO" dirty="0"/>
+          </a:p>
+        </p:txBody>
+      </p:sp>
+      <p:sp>
+        <p:nvSpPr>
+          <p:cNvPr id="9" name="Freeform 2">
+            <a:extLst>
+              <a:ext uri="{FF2B5EF4-FFF2-40B4-BE49-F238E27FC236}">
+                <a16:creationId xmlns:a16="http://schemas.microsoft.com/office/drawing/2014/main" id="{759EB653-7E45-0E22-4B9D-46DF86283C49}"/>
+              </a:ext>
+            </a:extLst>
+          </p:cNvPr>
+          <p:cNvSpPr/>
+          <p:nvPr/>
+        </p:nvSpPr>
+        <p:spPr>
+          <a:xfrm>
+            <a:off x="-1080047" y="-428773"/>
+            <a:ext cx="3442247" cy="4114800"/>
+          </a:xfrm>
+          <a:custGeom>
+            <a:avLst/>
+            <a:gdLst/>
+            <a:ahLst/>
+            <a:cxnLst/>
+            <a:rect l="l" t="t" r="r" b="b"/>
+            <a:pathLst>
+              <a:path w="3442247" h="4114800">
+                <a:moveTo>
+                  <a:pt x="0" y="0"/>
+                </a:moveTo>
+                <a:lnTo>
+                  <a:pt x="3442247" y="0"/>
+                </a:lnTo>
+                <a:lnTo>
+                  <a:pt x="3442247" y="4114800"/>
+                </a:lnTo>
+                <a:lnTo>
+                  <a:pt x="0" y="4114800"/>
+                </a:lnTo>
+                <a:lnTo>
+                  <a:pt x="0" y="0"/>
+                </a:lnTo>
+                <a:close/>
+              </a:path>
+            </a:pathLst>
+          </a:custGeom>
+          <a:blipFill>
+            <a:blip r:embed="rId2">
+              <a:extLst>
+                <a:ext uri="{96DAC541-7B7A-43D3-8B79-37D633B846F1}">
+                  <asvg:svgBlip xmlns:asvg="http://schemas.microsoft.com/office/drawing/2016/SVG/main" r:embed="rId3"/>
+                </a:ext>
+              </a:extLst>
+            </a:blip>
+            <a:stretch>
+              <a:fillRect/>
+            </a:stretch>
+          </a:blipFill>
+        </p:spPr>
+        <p:txBody>
+          <a:bodyPr/>
+          <a:lstStyle/>
+          <a:p>
+            <a:endParaRPr lang="es-CO"/>
+          </a:p>
+        </p:txBody>
+      </p:sp>
+      <p:pic>
+        <p:nvPicPr>
+          <p:cNvPr id="10" name="Imagen 9" descr="Pantalla de un teléfono celular en la mano&#10;&#10;Descripción generada automáticamente">
+            <a:extLst>
+              <a:ext uri="{FF2B5EF4-FFF2-40B4-BE49-F238E27FC236}">
+                <a16:creationId xmlns:a16="http://schemas.microsoft.com/office/drawing/2014/main" id="{77F01557-9DBC-A0BD-4EBD-91E7C809EDF0}"/>
+              </a:ext>
+            </a:extLst>
+          </p:cNvPr>
+          <p:cNvPicPr>
+            <a:picLocks noChangeAspect="1"/>
+          </p:cNvPicPr>
+          <p:nvPr/>
+        </p:nvPicPr>
+        <p:blipFill>
+          <a:blip r:embed="rId4">
+            <a:extLst>
+              <a:ext uri="{28A0092B-C50C-407E-A947-70E740481C1C}">
+                <a14:useLocalDpi xmlns:a14="http://schemas.microsoft.com/office/drawing/2010/main" val="0"/>
+              </a:ext>
+            </a:extLst>
+          </a:blip>
+          <a:srcRect l="54942" t="12146" r="5022" b="10626"/>
+          <a:stretch/>
+        </p:blipFill>
+        <p:spPr>
+          <a:xfrm>
+            <a:off x="8001000" y="5917524"/>
+            <a:ext cx="7467600" cy="3702039"/>
+          </a:xfrm>
+          <a:prstGeom prst="rect">
+            <a:avLst/>
+          </a:prstGeom>
+        </p:spPr>
+      </p:pic>
     </p:spTree>
   </p:cSld>
   <p:clrMapOvr>
     <a:masterClrMapping/>
   </p:clrMapOvr>
+  <mc:AlternateContent xmlns:mc="http://schemas.openxmlformats.org/markup-compatibility/2006">
+    <mc:Choice xmlns:p14="http://schemas.microsoft.com/office/powerpoint/2010/main" Requires="p14">
+      <p:transition spd="slow" p14:dur="2000">
+        <p14:prism dir="u" isContent="1"/>
+      </p:transition>
+    </mc:Choice>
+    <mc:Fallback>
+      <p:transition spd="slow">
+        <p:fade/>
+      </p:transition>
+    </mc:Fallback>
+  </mc:AlternateContent>
 </p:sld>
 </file>
 
-<file path=ppt/slides/slide2.xml><?xml version="1.0" encoding="utf-8"?>
-<p:sld xmlns:p="http://schemas.openxmlformats.org/presentationml/2006/main" xmlns:a="http://schemas.openxmlformats.org/drawingml/2006/main">
+<file path=ppt/slides/slide4.xml><?xml version="1.0" encoding="utf-8"?>
+<p:sld xmlns:a="http://schemas.openxmlformats.org/drawingml/2006/main" xmlns:r="http://schemas.openxmlformats.org/officeDocument/2006/relationships" xmlns:p="http://schemas.openxmlformats.org/presentationml/2006/main">
   <p:cSld>
     <p:bg>
       <p:bgPr>
         <a:solidFill>
           <a:srgbClr val="050A30"/>
         </a:solidFill>
+        <a:effectLst/>
       </p:bgPr>
     </p:bg>
     <p:spTree>
@@ -3482,786 +4064,181 @@
       </p:grpSpPr>
       <p:sp>
         <p:nvSpPr>
-          <p:cNvPr name="TextBox 2" id="2"/>
-          <p:cNvSpPr txBox="true"/>
+          <p:cNvPr id="2" name="TextBox 2"/>
+          <p:cNvSpPr txBox="1">
+            <a:spLocks noGrp="1" noRot="1" noMove="1" noResize="1" noEditPoints="1" noAdjustHandles="1" noChangeArrowheads="1" noChangeShapeType="1"/>
+          </p:cNvSpPr>
           <p:nvPr/>
         </p:nvSpPr>
         <p:spPr>
-          <a:xfrm rot="0">
-            <a:off x="2089772" y="3120228"/>
-            <a:ext cx="14108457" cy="2330954"/>
+          <a:xfrm>
+            <a:off x="3429000" y="1333500"/>
+            <a:ext cx="7505700" cy="2330954"/>
+          </a:xfrm>
+          <a:prstGeom prst="rect">
+            <a:avLst/>
+          </a:prstGeom>
+          <a:solidFill>
+            <a:srgbClr val="050A30"/>
+          </a:solidFill>
+        </p:spPr>
+        <p:txBody>
+          <a:bodyPr wrap="square" lIns="0" tIns="0" rIns="0" bIns="0" rtlCol="0" anchor="t">
+            <a:spAutoFit/>
+          </a:bodyPr>
+          <a:lstStyle/>
+          <a:p>
+            <a:pPr algn="ctr">
+              <a:lnSpc>
+                <a:spcPts val="19039"/>
+              </a:lnSpc>
+            </a:pPr>
+            <a:r>
+              <a:rPr lang="es-CO" sz="13599" b="1" dirty="0">
+                <a:solidFill>
+                  <a:srgbClr val="CAE8FF"/>
+                </a:solidFill>
+                <a:latin typeface="HK Grotesk Bold"/>
+                <a:ea typeface="HK Grotesk Bold"/>
+                <a:cs typeface="HK Grotesk Bold"/>
+                <a:sym typeface="HK Grotesk Bold"/>
+              </a:rPr>
+              <a:t>Ventajas</a:t>
+            </a:r>
+            <a:r>
+              <a:rPr lang="en-US" sz="13599" b="1" dirty="0">
+                <a:solidFill>
+                  <a:srgbClr val="CAE8FF"/>
+                </a:solidFill>
+                <a:latin typeface="HK Grotesk Bold"/>
+                <a:ea typeface="HK Grotesk Bold"/>
+                <a:cs typeface="HK Grotesk Bold"/>
+                <a:sym typeface="HK Grotesk Bold"/>
+              </a:rPr>
+              <a:t> </a:t>
+            </a:r>
+          </a:p>
+        </p:txBody>
+      </p:sp>
+      <p:sp>
+        <p:nvSpPr>
+          <p:cNvPr id="3" name="TextBox 3"/>
+          <p:cNvSpPr txBox="1">
+            <a:spLocks noGrp="1" noRot="1" noMove="1" noResize="1" noEditPoints="1" noAdjustHandles="1" noChangeArrowheads="1" noChangeShapeType="1"/>
+          </p:cNvSpPr>
+          <p:nvPr/>
+        </p:nvSpPr>
+        <p:spPr>
+          <a:xfrm>
+            <a:off x="3333477" y="3967294"/>
+            <a:ext cx="8583691" cy="5462906"/>
           </a:xfrm>
           <a:prstGeom prst="rect">
             <a:avLst/>
           </a:prstGeom>
         </p:spPr>
         <p:txBody>
-          <a:bodyPr anchor="t" rtlCol="false" tIns="0" lIns="0" bIns="0" rIns="0">
+          <a:bodyPr lIns="0" tIns="0" rIns="0" bIns="0" rtlCol="0" anchor="t">
             <a:spAutoFit/>
           </a:bodyPr>
           <a:lstStyle/>
           <a:p>
-            <a:pPr algn="ctr">
+            <a:pPr marL="457200" indent="-457200">
               <a:lnSpc>
-                <a:spcPts val="19039"/>
+                <a:spcPct val="150000"/>
               </a:lnSpc>
+              <a:buFont typeface="Arial" panose="020B0604020202020204" pitchFamily="34" charset="0"/>
+              <a:buChar char="•"/>
             </a:pPr>
             <a:r>
-              <a:rPr lang="en-US" b="true" sz="13599">
-                <a:solidFill>
-                  <a:srgbClr val="6CE5E8">
-                    <a:alpha val="29804"/>
-                  </a:srgbClr>
-                </a:solidFill>
-                <a:latin typeface="HK Grotesk Bold"/>
-                <a:ea typeface="HK Grotesk Bold"/>
-                <a:cs typeface="HK Grotesk Bold"/>
-                <a:sym typeface="HK Grotesk Bold"/>
-              </a:rPr>
-              <a:t>CONTEXTO</a:t>
-            </a:r>
-          </a:p>
-        </p:txBody>
-      </p:sp>
-      <p:sp>
-        <p:nvSpPr>
-          <p:cNvPr name="TextBox 3" id="3"/>
-          <p:cNvSpPr txBox="true"/>
-          <p:nvPr/>
-        </p:nvSpPr>
-        <p:spPr>
-          <a:xfrm rot="0">
-            <a:off x="2089772" y="1671336"/>
-            <a:ext cx="14108457" cy="2330954"/>
-          </a:xfrm>
-          <a:prstGeom prst="rect">
-            <a:avLst/>
-          </a:prstGeom>
-        </p:spPr>
-        <p:txBody>
-          <a:bodyPr anchor="t" rtlCol="false" tIns="0" lIns="0" bIns="0" rIns="0">
-            <a:spAutoFit/>
-          </a:bodyPr>
-          <a:lstStyle/>
-          <a:p>
-            <a:pPr algn="ctr">
+              <a:rPr lang="es-CO" sz="4000" b="1" dirty="0">
+                <a:solidFill>
+                  <a:srgbClr val="F4F6FC"/>
+                </a:solidFill>
+                <a:latin typeface="HK Grotesk Medium"/>
+                <a:ea typeface="HK Grotesk Medium"/>
+                <a:cs typeface="HK Grotesk Medium"/>
+                <a:sym typeface="HK Grotesk Medium"/>
+              </a:rPr>
+              <a:t>Desarrollo y despliegue rápidos</a:t>
+            </a:r>
+          </a:p>
+          <a:p>
+            <a:pPr marL="457200" indent="-457200">
               <a:lnSpc>
-                <a:spcPts val="19039"/>
+                <a:spcPct val="150000"/>
               </a:lnSpc>
+              <a:buFont typeface="Arial" panose="020B0604020202020204" pitchFamily="34" charset="0"/>
+              <a:buChar char="•"/>
             </a:pPr>
             <a:r>
-              <a:rPr lang="en-US" b="true" sz="13599">
-                <a:solidFill>
-                  <a:srgbClr val="6CE5E8">
-                    <a:alpha val="29804"/>
-                  </a:srgbClr>
-                </a:solidFill>
-                <a:latin typeface="HK Grotesk Bold"/>
-                <a:ea typeface="HK Grotesk Bold"/>
-                <a:cs typeface="HK Grotesk Bold"/>
-                <a:sym typeface="HK Grotesk Bold"/>
-              </a:rPr>
-              <a:t>CONTEXTO</a:t>
-            </a:r>
-          </a:p>
-        </p:txBody>
-      </p:sp>
-      <p:sp>
-        <p:nvSpPr>
-          <p:cNvPr name="TextBox 4" id="4"/>
-          <p:cNvSpPr txBox="true"/>
-          <p:nvPr/>
-        </p:nvSpPr>
-        <p:spPr>
-          <a:xfrm rot="0">
-            <a:off x="2089772" y="222445"/>
-            <a:ext cx="14108457" cy="2330954"/>
-          </a:xfrm>
-          <a:prstGeom prst="rect">
-            <a:avLst/>
-          </a:prstGeom>
-        </p:spPr>
-        <p:txBody>
-          <a:bodyPr anchor="t" rtlCol="false" tIns="0" lIns="0" bIns="0" rIns="0">
-            <a:spAutoFit/>
-          </a:bodyPr>
-          <a:lstStyle/>
-          <a:p>
-            <a:pPr algn="ctr">
+              <a:rPr lang="es-CO" sz="4000" b="1" dirty="0">
+                <a:solidFill>
+                  <a:srgbClr val="F4F6FC"/>
+                </a:solidFill>
+                <a:latin typeface="HK Grotesk Medium"/>
+                <a:ea typeface="HK Grotesk Medium"/>
+                <a:cs typeface="HK Grotesk Medium"/>
+                <a:sym typeface="HK Grotesk Medium"/>
+              </a:rPr>
+              <a:t>Simplificación en la gestión del código</a:t>
+            </a:r>
+          </a:p>
+          <a:p>
+            <a:pPr marL="457200" indent="-457200">
               <a:lnSpc>
-                <a:spcPts val="19039"/>
+                <a:spcPct val="150000"/>
               </a:lnSpc>
+              <a:buFont typeface="Arial" panose="020B0604020202020204" pitchFamily="34" charset="0"/>
+              <a:buChar char="•"/>
             </a:pPr>
             <a:r>
-              <a:rPr lang="en-US" b="true" sz="13599">
-                <a:solidFill>
-                  <a:srgbClr val="6CE5E8">
-                    <a:alpha val="29804"/>
-                  </a:srgbClr>
-                </a:solidFill>
-                <a:latin typeface="HK Grotesk Bold"/>
-                <a:ea typeface="HK Grotesk Bold"/>
-                <a:cs typeface="HK Grotesk Bold"/>
-                <a:sym typeface="HK Grotesk Bold"/>
-              </a:rPr>
-              <a:t>CONTEXTO</a:t>
-            </a:r>
-          </a:p>
-        </p:txBody>
-      </p:sp>
-      <p:sp>
-        <p:nvSpPr>
-          <p:cNvPr name="TextBox 5" id="5"/>
-          <p:cNvSpPr txBox="true"/>
-          <p:nvPr/>
-        </p:nvSpPr>
-        <p:spPr>
-          <a:xfrm rot="0">
-            <a:off x="2089772" y="7466902"/>
-            <a:ext cx="14108457" cy="2330954"/>
-          </a:xfrm>
-          <a:prstGeom prst="rect">
-            <a:avLst/>
-          </a:prstGeom>
-        </p:spPr>
-        <p:txBody>
-          <a:bodyPr anchor="t" rtlCol="false" tIns="0" lIns="0" bIns="0" rIns="0">
-            <a:spAutoFit/>
-          </a:bodyPr>
-          <a:lstStyle/>
-          <a:p>
-            <a:pPr algn="ctr">
+              <a:rPr lang="es-CO" sz="4000" b="1" dirty="0">
+                <a:solidFill>
+                  <a:srgbClr val="F4F6FC"/>
+                </a:solidFill>
+                <a:latin typeface="HK Grotesk Medium"/>
+                <a:ea typeface="HK Grotesk Medium"/>
+                <a:cs typeface="HK Grotesk Medium"/>
+                <a:sym typeface="HK Grotesk Medium"/>
+              </a:rPr>
+              <a:t>Integración sencilla de componentes</a:t>
+            </a:r>
+          </a:p>
+          <a:p>
+            <a:pPr marL="457200" indent="-457200">
               <a:lnSpc>
-                <a:spcPts val="19039"/>
+                <a:spcPct val="150000"/>
               </a:lnSpc>
+              <a:buFont typeface="Arial" panose="020B0604020202020204" pitchFamily="34" charset="0"/>
+              <a:buChar char="•"/>
             </a:pPr>
             <a:r>
-              <a:rPr lang="en-US" b="true" sz="13599">
-                <a:solidFill>
-                  <a:srgbClr val="6CE5E8">
-                    <a:alpha val="29804"/>
-                  </a:srgbClr>
-                </a:solidFill>
-                <a:latin typeface="HK Grotesk Bold"/>
-                <a:ea typeface="HK Grotesk Bold"/>
-                <a:cs typeface="HK Grotesk Bold"/>
-                <a:sym typeface="HK Grotesk Bold"/>
-              </a:rPr>
-              <a:t>CONTEXTO</a:t>
-            </a:r>
-          </a:p>
-        </p:txBody>
-      </p:sp>
-      <p:sp>
-        <p:nvSpPr>
-          <p:cNvPr name="TextBox 6" id="6"/>
-          <p:cNvSpPr txBox="true"/>
-          <p:nvPr/>
-        </p:nvSpPr>
-        <p:spPr>
-          <a:xfrm rot="0">
-            <a:off x="2089772" y="6018010"/>
-            <a:ext cx="14108457" cy="2330954"/>
-          </a:xfrm>
-          <a:prstGeom prst="rect">
-            <a:avLst/>
-          </a:prstGeom>
-        </p:spPr>
-        <p:txBody>
-          <a:bodyPr anchor="t" rtlCol="false" tIns="0" lIns="0" bIns="0" rIns="0">
-            <a:spAutoFit/>
-          </a:bodyPr>
-          <a:lstStyle/>
-          <a:p>
-            <a:pPr algn="ctr">
-              <a:lnSpc>
-                <a:spcPts val="19039"/>
-              </a:lnSpc>
-            </a:pPr>
-            <a:r>
-              <a:rPr lang="en-US" b="true" sz="13599">
-                <a:solidFill>
-                  <a:srgbClr val="6CE5E8">
-                    <a:alpha val="29804"/>
-                  </a:srgbClr>
-                </a:solidFill>
-                <a:latin typeface="HK Grotesk Bold"/>
-                <a:ea typeface="HK Grotesk Bold"/>
-                <a:cs typeface="HK Grotesk Bold"/>
-                <a:sym typeface="HK Grotesk Bold"/>
-              </a:rPr>
-              <a:t>CONTEXTO</a:t>
-            </a:r>
-          </a:p>
-        </p:txBody>
-      </p:sp>
-      <p:sp>
-        <p:nvSpPr>
-          <p:cNvPr name="TextBox 7" id="7"/>
-          <p:cNvSpPr txBox="true"/>
-          <p:nvPr/>
-        </p:nvSpPr>
-        <p:spPr>
-          <a:xfrm rot="0">
-            <a:off x="2089772" y="4569119"/>
-            <a:ext cx="14108457" cy="2330954"/>
-          </a:xfrm>
-          <a:prstGeom prst="rect">
-            <a:avLst/>
-          </a:prstGeom>
-        </p:spPr>
-        <p:txBody>
-          <a:bodyPr anchor="t" rtlCol="false" tIns="0" lIns="0" bIns="0" rIns="0">
-            <a:spAutoFit/>
-          </a:bodyPr>
-          <a:lstStyle/>
-          <a:p>
-            <a:pPr algn="ctr">
-              <a:lnSpc>
-                <a:spcPts val="19039"/>
-              </a:lnSpc>
-            </a:pPr>
-            <a:r>
-              <a:rPr lang="en-US" b="true" sz="13599">
-                <a:solidFill>
-                  <a:srgbClr val="6CE5E8">
-                    <a:alpha val="29804"/>
-                  </a:srgbClr>
-                </a:solidFill>
-                <a:latin typeface="HK Grotesk Bold"/>
-                <a:ea typeface="HK Grotesk Bold"/>
-                <a:cs typeface="HK Grotesk Bold"/>
-                <a:sym typeface="HK Grotesk Bold"/>
-              </a:rPr>
-              <a:t>CONTEXTO</a:t>
-            </a:r>
-          </a:p>
-        </p:txBody>
-      </p:sp>
-      <p:sp>
-        <p:nvSpPr>
-          <p:cNvPr name="TextBox 8" id="8"/>
-          <p:cNvSpPr txBox="true"/>
-          <p:nvPr/>
-        </p:nvSpPr>
-        <p:spPr>
-          <a:xfrm rot="0">
-            <a:off x="4593588" y="3289403"/>
-            <a:ext cx="9100825" cy="4256881"/>
-          </a:xfrm>
-          <a:prstGeom prst="rect">
-            <a:avLst/>
-          </a:prstGeom>
-        </p:spPr>
-        <p:txBody>
-          <a:bodyPr anchor="t" rtlCol="false" tIns="0" lIns="0" bIns="0" rIns="0">
-            <a:spAutoFit/>
-          </a:bodyPr>
-          <a:lstStyle/>
-          <a:p>
-            <a:pPr algn="ctr">
-              <a:lnSpc>
-                <a:spcPts val="4200"/>
-              </a:lnSpc>
-            </a:pPr>
-            <a:r>
-              <a:rPr lang="en-US" b="true" sz="3000">
-                <a:solidFill>
-                  <a:srgbClr val="F4F6FC"/>
-                </a:solidFill>
-                <a:latin typeface="HK Grotesk Medium"/>
-                <a:ea typeface="HK Grotesk Medium"/>
-                <a:cs typeface="HK Grotesk Medium"/>
-                <a:sym typeface="HK Grotesk Medium"/>
-              </a:rPr>
-              <a:t>Lorem ipsum dolor sit amet, consectetur adipiscing elit. Donec tempus leo tellus, sit amet mattis felis dictum id. Duis erat erat, suscipit vitae efficitur in, aliquam quis tellus. Integer condimentum eget turpis et dignissim. Nunc dapibus aliquet lorem. Proin tempus lacinia ipsum, id vehicula metus accumsan condimentum. Nulla leo nulla, consectetur sit amet felis ullamcorper, volutpat tristique nulla.</a:t>
-            </a:r>
-            <a:r>
-              <a:rPr lang="en-US" b="true" sz="3000">
-                <a:solidFill>
-                  <a:srgbClr val="F4F6FC"/>
-                </a:solidFill>
-                <a:latin typeface="HK Grotesk Medium"/>
-                <a:ea typeface="HK Grotesk Medium"/>
-                <a:cs typeface="HK Grotesk Medium"/>
-                <a:sym typeface="HK Grotesk Medium"/>
-              </a:rPr>
-              <a:t> </a:t>
-            </a:r>
-          </a:p>
-        </p:txBody>
-      </p:sp>
-    </p:spTree>
-  </p:cSld>
-  <p:clrMapOvr>
-    <a:masterClrMapping/>
-  </p:clrMapOvr>
-</p:sld>
-</file>
-
-<file path=ppt/slides/slide3.xml><?xml version="1.0" encoding="utf-8"?>
-<p:sld xmlns:p="http://schemas.openxmlformats.org/presentationml/2006/main" xmlns:a="http://schemas.openxmlformats.org/drawingml/2006/main" xmlns:r="http://schemas.openxmlformats.org/officeDocument/2006/relationships">
-  <p:cSld>
-    <p:bg>
-      <p:bgPr>
-        <a:solidFill>
-          <a:srgbClr val="050A30"/>
-        </a:solidFill>
-      </p:bgPr>
-    </p:bg>
-    <p:spTree>
-      <p:nvGrpSpPr>
-        <p:cNvPr id="1" name=""/>
-        <p:cNvGrpSpPr/>
-        <p:nvPr/>
-      </p:nvGrpSpPr>
-      <p:grpSpPr>
-        <a:xfrm>
-          <a:off x="0" y="0"/>
-          <a:ext cx="0" cy="0"/>
-          <a:chOff x="0" y="0"/>
-          <a:chExt cx="0" cy="0"/>
-        </a:xfrm>
-      </p:grpSpPr>
-      <p:sp>
-        <p:nvSpPr>
-          <p:cNvPr name="Freeform 2" id="2"/>
-          <p:cNvSpPr/>
-          <p:nvPr/>
-        </p:nvSpPr>
-        <p:spPr>
-          <a:xfrm flipH="false" flipV="false" rot="0">
-            <a:off x="-173677" y="-296240"/>
-            <a:ext cx="3442247" cy="4114800"/>
-          </a:xfrm>
-          <a:custGeom>
-            <a:avLst/>
-            <a:gdLst/>
-            <a:ahLst/>
-            <a:cxnLst/>
-            <a:rect r="r" b="b" t="t" l="l"/>
-            <a:pathLst>
-              <a:path h="4114800" w="3442247">
-                <a:moveTo>
-                  <a:pt x="0" y="0"/>
-                </a:moveTo>
-                <a:lnTo>
-                  <a:pt x="3442247" y="0"/>
-                </a:lnTo>
-                <a:lnTo>
-                  <a:pt x="3442247" y="4114800"/>
-                </a:lnTo>
-                <a:lnTo>
-                  <a:pt x="0" y="4114800"/>
-                </a:lnTo>
-                <a:lnTo>
-                  <a:pt x="0" y="0"/>
-                </a:lnTo>
-                <a:close/>
-              </a:path>
-            </a:pathLst>
-          </a:custGeom>
-          <a:blipFill>
-            <a:blip r:embed="rId2">
-              <a:extLst>
-                <a:ext uri="{96DAC541-7B7A-43D3-8B79-37D633B846F1}">
-                  <asvg:svgBlip xmlns:asvg="http://schemas.microsoft.com/office/drawing/2016/SVG/main" r:embed="rId3"/>
-                </a:ext>
-              </a:extLst>
-            </a:blip>
-            <a:stretch>
-              <a:fillRect l="0" t="0" r="0" b="0"/>
-            </a:stretch>
-          </a:blipFill>
-        </p:spPr>
-      </p:sp>
-      <p:sp>
-        <p:nvSpPr>
-          <p:cNvPr name="TextBox 3" id="3"/>
-          <p:cNvSpPr txBox="true"/>
-          <p:nvPr/>
-        </p:nvSpPr>
-        <p:spPr>
-          <a:xfrm rot="0">
-            <a:off x="8132484" y="1548216"/>
-            <a:ext cx="8583691" cy="2330954"/>
-          </a:xfrm>
-          <a:prstGeom prst="rect">
-            <a:avLst/>
-          </a:prstGeom>
-        </p:spPr>
-        <p:txBody>
-          <a:bodyPr anchor="t" rtlCol="false" tIns="0" lIns="0" bIns="0" rIns="0">
-            <a:spAutoFit/>
-          </a:bodyPr>
-          <a:lstStyle/>
-          <a:p>
-            <a:pPr algn="ctr">
-              <a:lnSpc>
-                <a:spcPts val="19039"/>
-              </a:lnSpc>
-            </a:pPr>
-            <a:r>
-              <a:rPr lang="en-US" b="true" sz="13599">
-                <a:solidFill>
-                  <a:srgbClr val="CAE8FF"/>
-                </a:solidFill>
-                <a:latin typeface="HK Grotesk Bold"/>
-                <a:ea typeface="HK Grotesk Bold"/>
-                <a:cs typeface="HK Grotesk Bold"/>
-                <a:sym typeface="HK Grotesk Bold"/>
-              </a:rPr>
-              <a:t>HIPÓTESIS</a:t>
-            </a:r>
-          </a:p>
-        </p:txBody>
-      </p:sp>
-      <p:sp>
-        <p:nvSpPr>
-          <p:cNvPr name="TextBox 4" id="4"/>
-          <p:cNvSpPr txBox="true"/>
-          <p:nvPr/>
-        </p:nvSpPr>
-        <p:spPr>
-          <a:xfrm rot="0">
-            <a:off x="8132484" y="3681902"/>
-            <a:ext cx="8583691" cy="4790182"/>
-          </a:xfrm>
-          <a:prstGeom prst="rect">
-            <a:avLst/>
-          </a:prstGeom>
-        </p:spPr>
-        <p:txBody>
-          <a:bodyPr anchor="t" rtlCol="false" tIns="0" lIns="0" bIns="0" rIns="0">
-            <a:spAutoFit/>
-          </a:bodyPr>
-          <a:lstStyle/>
-          <a:p>
-            <a:pPr algn="ctr">
-              <a:lnSpc>
-                <a:spcPts val="4200"/>
-              </a:lnSpc>
-            </a:pPr>
-            <a:r>
-              <a:rPr lang="en-US" b="true" sz="3000">
-                <a:solidFill>
-                  <a:srgbClr val="F4F6FC"/>
-                </a:solidFill>
-                <a:latin typeface="HK Grotesk Medium"/>
-                <a:ea typeface="HK Grotesk Medium"/>
-                <a:cs typeface="HK Grotesk Medium"/>
-                <a:sym typeface="HK Grotesk Medium"/>
-              </a:rPr>
-              <a:t>Lorem ipsum dolor sit amet, consectetur adipiscing elit. Donec tempus leo tellus, sit amet mattis felis dictum id. Duis erat erat, suscipit vitae efficitur in, aliquam quis tellus. Integer condimentum eget turpis et dignissim. Nunc dapibus aliquet lorem. Proin tempus lacinia ipsum, id vehicula metus accumsan condimentum. Nulla leo nulla, consectetur sit amet felis ullamcorper, volutpat tristique nulla.</a:t>
-            </a:r>
-            <a:r>
-              <a:rPr lang="en-US" b="true" sz="3000">
-                <a:solidFill>
-                  <a:srgbClr val="F4F6FC"/>
-                </a:solidFill>
-                <a:latin typeface="HK Grotesk Medium"/>
-                <a:ea typeface="HK Grotesk Medium"/>
-                <a:cs typeface="HK Grotesk Medium"/>
-                <a:sym typeface="HK Grotesk Medium"/>
-              </a:rPr>
-              <a:t> </a:t>
-            </a:r>
-          </a:p>
-        </p:txBody>
-      </p:sp>
-      <p:sp>
-        <p:nvSpPr>
-          <p:cNvPr name="Freeform 5" id="5"/>
-          <p:cNvSpPr/>
-          <p:nvPr/>
-        </p:nvSpPr>
-        <p:spPr>
-          <a:xfrm flipH="false" flipV="false" rot="0">
-            <a:off x="3684462" y="1761160"/>
-            <a:ext cx="3442247" cy="4114800"/>
-          </a:xfrm>
-          <a:custGeom>
-            <a:avLst/>
-            <a:gdLst/>
-            <a:ahLst/>
-            <a:cxnLst/>
-            <a:rect r="r" b="b" t="t" l="l"/>
-            <a:pathLst>
-              <a:path h="4114800" w="3442247">
-                <a:moveTo>
-                  <a:pt x="0" y="0"/>
-                </a:moveTo>
-                <a:lnTo>
-                  <a:pt x="3442247" y="0"/>
-                </a:lnTo>
-                <a:lnTo>
-                  <a:pt x="3442247" y="4114800"/>
-                </a:lnTo>
-                <a:lnTo>
-                  <a:pt x="0" y="4114800"/>
-                </a:lnTo>
-                <a:lnTo>
-                  <a:pt x="0" y="0"/>
-                </a:lnTo>
-                <a:close/>
-              </a:path>
-            </a:pathLst>
-          </a:custGeom>
-          <a:blipFill>
-            <a:blip r:embed="rId2">
-              <a:extLst>
-                <a:ext uri="{96DAC541-7B7A-43D3-8B79-37D633B846F1}">
-                  <asvg:svgBlip xmlns:asvg="http://schemas.microsoft.com/office/drawing/2016/SVG/main" r:embed="rId3"/>
-                </a:ext>
-              </a:extLst>
-            </a:blip>
-            <a:stretch>
-              <a:fillRect l="0" t="0" r="0" b="0"/>
-            </a:stretch>
-          </a:blipFill>
-        </p:spPr>
-      </p:sp>
-      <p:sp>
-        <p:nvSpPr>
-          <p:cNvPr name="Freeform 6" id="6"/>
-          <p:cNvSpPr/>
-          <p:nvPr/>
-        </p:nvSpPr>
-        <p:spPr>
-          <a:xfrm flipH="false" flipV="false" rot="0">
-            <a:off x="34269" y="4411040"/>
-            <a:ext cx="3442247" cy="4114800"/>
-          </a:xfrm>
-          <a:custGeom>
-            <a:avLst/>
-            <a:gdLst/>
-            <a:ahLst/>
-            <a:cxnLst/>
-            <a:rect r="r" b="b" t="t" l="l"/>
-            <a:pathLst>
-              <a:path h="4114800" w="3442247">
-                <a:moveTo>
-                  <a:pt x="0" y="0"/>
-                </a:moveTo>
-                <a:lnTo>
-                  <a:pt x="3442247" y="0"/>
-                </a:lnTo>
-                <a:lnTo>
-                  <a:pt x="3442247" y="4114800"/>
-                </a:lnTo>
-                <a:lnTo>
-                  <a:pt x="0" y="4114800"/>
-                </a:lnTo>
-                <a:lnTo>
-                  <a:pt x="0" y="0"/>
-                </a:lnTo>
-                <a:close/>
-              </a:path>
-            </a:pathLst>
-          </a:custGeom>
-          <a:blipFill>
-            <a:blip r:embed="rId2">
-              <a:extLst>
-                <a:ext uri="{96DAC541-7B7A-43D3-8B79-37D633B846F1}">
-                  <asvg:svgBlip xmlns:asvg="http://schemas.microsoft.com/office/drawing/2016/SVG/main" r:embed="rId3"/>
-                </a:ext>
-              </a:extLst>
-            </a:blip>
-            <a:stretch>
-              <a:fillRect l="0" t="0" r="0" b="0"/>
-            </a:stretch>
-          </a:blipFill>
-        </p:spPr>
-      </p:sp>
-      <p:sp>
-        <p:nvSpPr>
-          <p:cNvPr name="Freeform 7" id="7"/>
-          <p:cNvSpPr/>
-          <p:nvPr/>
-        </p:nvSpPr>
-        <p:spPr>
-          <a:xfrm flipH="false" flipV="false" rot="0">
-            <a:off x="3892408" y="6468440"/>
-            <a:ext cx="3442247" cy="4114800"/>
-          </a:xfrm>
-          <a:custGeom>
-            <a:avLst/>
-            <a:gdLst/>
-            <a:ahLst/>
-            <a:cxnLst/>
-            <a:rect r="r" b="b" t="t" l="l"/>
-            <a:pathLst>
-              <a:path h="4114800" w="3442247">
-                <a:moveTo>
-                  <a:pt x="0" y="0"/>
-                </a:moveTo>
-                <a:lnTo>
-                  <a:pt x="3442247" y="0"/>
-                </a:lnTo>
-                <a:lnTo>
-                  <a:pt x="3442247" y="4114800"/>
-                </a:lnTo>
-                <a:lnTo>
-                  <a:pt x="0" y="4114800"/>
-                </a:lnTo>
-                <a:lnTo>
-                  <a:pt x="0" y="0"/>
-                </a:lnTo>
-                <a:close/>
-              </a:path>
-            </a:pathLst>
-          </a:custGeom>
-          <a:blipFill>
-            <a:blip r:embed="rId2">
-              <a:extLst>
-                <a:ext uri="{96DAC541-7B7A-43D3-8B79-37D633B846F1}">
-                  <asvg:svgBlip xmlns:asvg="http://schemas.microsoft.com/office/drawing/2016/SVG/main" r:embed="rId3"/>
-                </a:ext>
-              </a:extLst>
-            </a:blip>
-            <a:stretch>
-              <a:fillRect l="0" t="0" r="0" b="0"/>
-            </a:stretch>
-          </a:blipFill>
-        </p:spPr>
-      </p:sp>
-    </p:spTree>
-  </p:cSld>
-  <p:clrMapOvr>
-    <a:masterClrMapping/>
-  </p:clrMapOvr>
-</p:sld>
-</file>
-
-<file path=ppt/slides/slide4.xml><?xml version="1.0" encoding="utf-8"?>
-<p:sld xmlns:p="http://schemas.openxmlformats.org/presentationml/2006/main" xmlns:a="http://schemas.openxmlformats.org/drawingml/2006/main" xmlns:r="http://schemas.openxmlformats.org/officeDocument/2006/relationships">
-  <p:cSld>
-    <p:bg>
-      <p:bgPr>
-        <a:solidFill>
-          <a:srgbClr val="050A30"/>
-        </a:solidFill>
-      </p:bgPr>
-    </p:bg>
-    <p:spTree>
-      <p:nvGrpSpPr>
-        <p:cNvPr id="1" name=""/>
-        <p:cNvGrpSpPr/>
-        <p:nvPr/>
-      </p:nvGrpSpPr>
-      <p:grpSpPr>
-        <a:xfrm>
-          <a:off x="0" y="0"/>
-          <a:ext cx="0" cy="0"/>
-          <a:chOff x="0" y="0"/>
-          <a:chExt cx="0" cy="0"/>
-        </a:xfrm>
-      </p:grpSpPr>
-      <p:sp>
-        <p:nvSpPr>
-          <p:cNvPr name="TextBox 2" id="2"/>
-          <p:cNvSpPr txBox="true"/>
-          <p:nvPr/>
-        </p:nvSpPr>
-        <p:spPr>
-          <a:xfrm rot="0">
-            <a:off x="1028700" y="1548216"/>
-            <a:ext cx="16230600" cy="2330954"/>
-          </a:xfrm>
-          <a:prstGeom prst="rect">
-            <a:avLst/>
-          </a:prstGeom>
-        </p:spPr>
-        <p:txBody>
-          <a:bodyPr anchor="t" rtlCol="false" tIns="0" lIns="0" bIns="0" rIns="0">
-            <a:spAutoFit/>
-          </a:bodyPr>
-          <a:lstStyle/>
-          <a:p>
-            <a:pPr algn="ctr">
-              <a:lnSpc>
-                <a:spcPts val="19039"/>
-              </a:lnSpc>
-            </a:pPr>
-            <a:r>
-              <a:rPr lang="en-US" b="true" sz="13599">
-                <a:solidFill>
-                  <a:srgbClr val="CAE8FF"/>
-                </a:solidFill>
-                <a:latin typeface="HK Grotesk Bold"/>
-                <a:ea typeface="HK Grotesk Bold"/>
-                <a:cs typeface="HK Grotesk Bold"/>
-                <a:sym typeface="HK Grotesk Bold"/>
-              </a:rPr>
-              <a:t>INVESTIGACIÓN</a:t>
-            </a:r>
-          </a:p>
-        </p:txBody>
-      </p:sp>
-      <p:sp>
-        <p:nvSpPr>
-          <p:cNvPr name="TextBox 3" id="3"/>
-          <p:cNvSpPr txBox="true"/>
-          <p:nvPr/>
-        </p:nvSpPr>
-        <p:spPr>
-          <a:xfrm rot="0">
-            <a:off x="2022042" y="3909041"/>
-            <a:ext cx="8583691" cy="4790182"/>
-          </a:xfrm>
-          <a:prstGeom prst="rect">
-            <a:avLst/>
-          </a:prstGeom>
-        </p:spPr>
-        <p:txBody>
-          <a:bodyPr anchor="t" rtlCol="false" tIns="0" lIns="0" bIns="0" rIns="0">
-            <a:spAutoFit/>
-          </a:bodyPr>
-          <a:lstStyle/>
-          <a:p>
-            <a:pPr algn="ctr">
-              <a:lnSpc>
-                <a:spcPts val="4200"/>
-              </a:lnSpc>
-            </a:pPr>
-            <a:r>
-              <a:rPr lang="en-US" b="true" sz="3000">
-                <a:solidFill>
-                  <a:srgbClr val="F4F6FC"/>
-                </a:solidFill>
-                <a:latin typeface="HK Grotesk Medium"/>
-                <a:ea typeface="HK Grotesk Medium"/>
-                <a:cs typeface="HK Grotesk Medium"/>
-                <a:sym typeface="HK Grotesk Medium"/>
-              </a:rPr>
-              <a:t>Lorem ipsum dolor sit amet, consectetur adipiscing elit. Donec tempus leo tellus, sit amet mattis felis dictum id. Duis erat erat, suscipit vitae efficitur in, aliquam quis tellus. Integer condimentum eget turpis et dignissim. Nunc dapibus aliquet lorem. Proin tempus lacinia ipsum, id vehicula metus accumsan condimentum. Nulla leo nulla, consectetur sit amet felis ullamcorper, volutpat tristique nulla.</a:t>
-            </a:r>
-            <a:r>
-              <a:rPr lang="en-US" b="true" sz="3000">
-                <a:solidFill>
-                  <a:srgbClr val="F4F6FC"/>
-                </a:solidFill>
-                <a:latin typeface="HK Grotesk Medium"/>
-                <a:ea typeface="HK Grotesk Medium"/>
-                <a:cs typeface="HK Grotesk Medium"/>
-                <a:sym typeface="HK Grotesk Medium"/>
-              </a:rPr>
-              <a:t> </a:t>
+              <a:rPr lang="es-CO" sz="4000" b="1" dirty="0">
+                <a:solidFill>
+                  <a:srgbClr val="F4F6FC"/>
+                </a:solidFill>
+                <a:latin typeface="HK Grotesk Medium"/>
+                <a:ea typeface="HK Grotesk Medium"/>
+                <a:cs typeface="HK Grotesk Medium"/>
+                <a:sym typeface="HK Grotesk Medium"/>
+              </a:rPr>
+              <a:t>Menor sobrecarga de recursos</a:t>
             </a:r>
           </a:p>
         </p:txBody>
       </p:sp>
       <p:grpSp>
         <p:nvGrpSpPr>
-          <p:cNvPr name="Group 4" id="4"/>
+          <p:cNvPr id="4" name="Group 4"/>
           <p:cNvGrpSpPr>
-            <a:grpSpLocks noChangeAspect="true"/>
+            <a:grpSpLocks noGrp="1" noUngrp="1" noRot="1" noChangeAspect="1" noMove="1" noResize="1"/>
           </p:cNvGrpSpPr>
           <p:nvPr/>
         </p:nvGrpSpPr>
         <p:grpSpPr>
-          <a:xfrm rot="0">
-            <a:off x="11156516" y="3879170"/>
+          <a:xfrm>
+            <a:off x="12344400" y="4381500"/>
             <a:ext cx="4666977" cy="4820054"/>
             <a:chOff x="0" y="0"/>
             <a:chExt cx="6350000" cy="6558280"/>
@@ -4269,12 +4246,14 @@
         </p:grpSpPr>
         <p:sp>
           <p:nvSpPr>
-            <p:cNvPr name="Freeform 5" id="5"/>
-            <p:cNvSpPr/>
+            <p:cNvPr id="5" name="Freeform 5"/>
+            <p:cNvSpPr>
+              <a:spLocks noGrp="1" noRot="1" noMove="1" noResize="1" noEditPoints="1" noAdjustHandles="1" noChangeArrowheads="1" noChangeShapeType="1"/>
+            </p:cNvSpPr>
             <p:nvPr/>
           </p:nvSpPr>
           <p:spPr>
-            <a:xfrm flipH="false" flipV="false" rot="0">
+            <a:xfrm>
               <a:off x="74930" y="74930"/>
               <a:ext cx="6200140" cy="6408420"/>
             </a:xfrm>
@@ -4283,9 +4262,9 @@
               <a:gdLst/>
               <a:ahLst/>
               <a:cxnLst/>
-              <a:rect r="r" b="b" t="t" l="l"/>
+              <a:rect l="l" t="t" r="r" b="b"/>
               <a:pathLst>
-                <a:path h="6408420" w="6200140">
+                <a:path w="6200140" h="6408420">
                   <a:moveTo>
                     <a:pt x="6200140" y="5351780"/>
                   </a:moveTo>
@@ -4328,19 +4307,28 @@
             <a:blipFill>
               <a:blip r:embed="rId2"/>
               <a:stretch>
-                <a:fillRect l="-27567" t="0" r="-27567" b="0"/>
+                <a:fillRect l="-27567" r="-27567"/>
               </a:stretch>
             </a:blipFill>
           </p:spPr>
+          <p:txBody>
+            <a:bodyPr/>
+            <a:lstStyle/>
+            <a:p>
+              <a:endParaRPr lang="es-CO"/>
+            </a:p>
+          </p:txBody>
         </p:sp>
         <p:sp>
           <p:nvSpPr>
-            <p:cNvPr name="Freeform 6" id="6"/>
-            <p:cNvSpPr/>
+            <p:cNvPr id="6" name="Freeform 6"/>
+            <p:cNvSpPr>
+              <a:spLocks noGrp="1" noRot="1" noMove="1" noResize="1" noEditPoints="1" noAdjustHandles="1" noChangeArrowheads="1" noChangeShapeType="1"/>
+            </p:cNvSpPr>
             <p:nvPr/>
           </p:nvSpPr>
           <p:spPr>
-            <a:xfrm flipH="false" flipV="false" rot="0">
+            <a:xfrm>
               <a:off x="0" y="0"/>
               <a:ext cx="6350000" cy="6558280"/>
             </a:xfrm>
@@ -4349,9 +4337,9 @@
               <a:gdLst/>
               <a:ahLst/>
               <a:cxnLst/>
-              <a:rect r="r" b="b" t="t" l="l"/>
+              <a:rect l="l" t="t" r="r" b="b"/>
               <a:pathLst>
-                <a:path h="6558280" w="6350000">
+                <a:path w="6350000" h="6558280">
                   <a:moveTo>
                     <a:pt x="5218430" y="6558280"/>
                   </a:moveTo>
@@ -4431,29 +4419,181 @@
               <a:srgbClr val="12229D"/>
             </a:solidFill>
           </p:spPr>
+          <p:txBody>
+            <a:bodyPr/>
+            <a:lstStyle/>
+            <a:p>
+              <a:endParaRPr lang="es-CO"/>
+            </a:p>
+          </p:txBody>
         </p:sp>
       </p:grpSp>
+      <p:sp>
+        <p:nvSpPr>
+          <p:cNvPr id="9" name="Freeform 5">
+            <a:extLst>
+              <a:ext uri="{FF2B5EF4-FFF2-40B4-BE49-F238E27FC236}">
+                <a16:creationId xmlns:a16="http://schemas.microsoft.com/office/drawing/2014/main" id="{E65076B5-906A-4D99-C2A3-799DC4025074}"/>
+              </a:ext>
+            </a:extLst>
+          </p:cNvPr>
+          <p:cNvSpPr>
+            <a:spLocks noGrp="1" noRot="1" noMove="1" noResize="1" noEditPoints="1" noAdjustHandles="1" noChangeArrowheads="1" noChangeShapeType="1"/>
+          </p:cNvSpPr>
+          <p:nvPr/>
+        </p:nvSpPr>
+        <p:spPr>
+          <a:xfrm rot="13500000">
+            <a:off x="14204722" y="-551261"/>
+            <a:ext cx="5376539" cy="3978639"/>
+          </a:xfrm>
+          <a:custGeom>
+            <a:avLst/>
+            <a:gdLst/>
+            <a:ahLst/>
+            <a:cxnLst/>
+            <a:rect l="l" t="t" r="r" b="b"/>
+            <a:pathLst>
+              <a:path w="5376539" h="3978639">
+                <a:moveTo>
+                  <a:pt x="0" y="0"/>
+                </a:moveTo>
+                <a:lnTo>
+                  <a:pt x="5376539" y="0"/>
+                </a:lnTo>
+                <a:lnTo>
+                  <a:pt x="5376539" y="3978639"/>
+                </a:lnTo>
+                <a:lnTo>
+                  <a:pt x="0" y="3978639"/>
+                </a:lnTo>
+                <a:lnTo>
+                  <a:pt x="0" y="0"/>
+                </a:lnTo>
+                <a:close/>
+              </a:path>
+            </a:pathLst>
+          </a:custGeom>
+          <a:blipFill>
+            <a:blip r:embed="rId3">
+              <a:extLst>
+                <a:ext uri="{96DAC541-7B7A-43D3-8B79-37D633B846F1}">
+                  <asvg:svgBlip xmlns:asvg="http://schemas.microsoft.com/office/drawing/2016/SVG/main" r:embed="rId4"/>
+                </a:ext>
+              </a:extLst>
+            </a:blip>
+            <a:stretch>
+              <a:fillRect/>
+            </a:stretch>
+          </a:blipFill>
+        </p:spPr>
+        <p:txBody>
+          <a:bodyPr/>
+          <a:lstStyle/>
+          <a:p>
+            <a:endParaRPr lang="es-CO"/>
+          </a:p>
+        </p:txBody>
+      </p:sp>
+      <p:sp>
+        <p:nvSpPr>
+          <p:cNvPr id="10" name="Freeform 6">
+            <a:extLst>
+              <a:ext uri="{FF2B5EF4-FFF2-40B4-BE49-F238E27FC236}">
+                <a16:creationId xmlns:a16="http://schemas.microsoft.com/office/drawing/2014/main" id="{1DFFF931-89B6-5E52-F294-E108228A23BE}"/>
+              </a:ext>
+            </a:extLst>
+          </p:cNvPr>
+          <p:cNvSpPr>
+            <a:spLocks noGrp="1" noRot="1" noMove="1" noResize="1" noEditPoints="1" noAdjustHandles="1" noChangeArrowheads="1" noChangeShapeType="1"/>
+          </p:cNvSpPr>
+          <p:nvPr/>
+        </p:nvSpPr>
+        <p:spPr>
+          <a:xfrm>
+            <a:off x="-609600" y="6289196"/>
+            <a:ext cx="3442247" cy="4114800"/>
+          </a:xfrm>
+          <a:custGeom>
+            <a:avLst/>
+            <a:gdLst/>
+            <a:ahLst/>
+            <a:cxnLst/>
+            <a:rect l="l" t="t" r="r" b="b"/>
+            <a:pathLst>
+              <a:path w="3442247" h="4114800">
+                <a:moveTo>
+                  <a:pt x="0" y="0"/>
+                </a:moveTo>
+                <a:lnTo>
+                  <a:pt x="3442247" y="0"/>
+                </a:lnTo>
+                <a:lnTo>
+                  <a:pt x="3442247" y="4114800"/>
+                </a:lnTo>
+                <a:lnTo>
+                  <a:pt x="0" y="4114800"/>
+                </a:lnTo>
+                <a:lnTo>
+                  <a:pt x="0" y="0"/>
+                </a:lnTo>
+                <a:close/>
+              </a:path>
+            </a:pathLst>
+          </a:custGeom>
+          <a:blipFill>
+            <a:blip r:embed="rId5">
+              <a:extLst>
+                <a:ext uri="{96DAC541-7B7A-43D3-8B79-37D633B846F1}">
+                  <asvg:svgBlip xmlns:asvg="http://schemas.microsoft.com/office/drawing/2016/SVG/main" r:embed="rId6"/>
+                </a:ext>
+              </a:extLst>
+            </a:blip>
+            <a:stretch>
+              <a:fillRect/>
+            </a:stretch>
+          </a:blipFill>
+        </p:spPr>
+        <p:txBody>
+          <a:bodyPr/>
+          <a:lstStyle/>
+          <a:p>
+            <a:endParaRPr lang="es-CO" dirty="0"/>
+          </a:p>
+        </p:txBody>
+      </p:sp>
     </p:spTree>
   </p:cSld>
   <p:clrMapOvr>
     <a:masterClrMapping/>
   </p:clrMapOvr>
+  <mc:AlternateContent xmlns:mc="http://schemas.openxmlformats.org/markup-compatibility/2006">
+    <mc:Choice xmlns:p14="http://schemas.microsoft.com/office/powerpoint/2010/main" Requires="p14">
+      <p:transition spd="slow" p14:dur="2000">
+        <p14:prism isContent="1"/>
+      </p:transition>
+    </mc:Choice>
+    <mc:Fallback>
+      <p:transition spd="slow">
+        <p:fade/>
+      </p:transition>
+    </mc:Fallback>
+  </mc:AlternateContent>
 </p:sld>
 </file>
 
 <file path=ppt/slides/slide5.xml><?xml version="1.0" encoding="utf-8"?>
-<p:sld xmlns:p="http://schemas.openxmlformats.org/presentationml/2006/main" xmlns:a="http://schemas.openxmlformats.org/drawingml/2006/main" xmlns:r="http://schemas.openxmlformats.org/officeDocument/2006/relationships">
+<p:sld xmlns:a="http://schemas.openxmlformats.org/drawingml/2006/main" xmlns:r="http://schemas.openxmlformats.org/officeDocument/2006/relationships" xmlns:p="http://schemas.openxmlformats.org/presentationml/2006/main">
   <p:cSld>
-    <p:bg>
-      <p:bgPr>
-        <a:solidFill>
-          <a:srgbClr val="050A30"/>
-        </a:solidFill>
-      </p:bgPr>
-    </p:bg>
     <p:spTree>
       <p:nvGrpSpPr>
-        <p:cNvPr id="1" name=""/>
+        <p:cNvPr id="1" name="">
+          <a:extLst>
+            <a:ext uri="{FF2B5EF4-FFF2-40B4-BE49-F238E27FC236}">
+              <a16:creationId xmlns:a16="http://schemas.microsoft.com/office/drawing/2014/main" id="{49EC72A4-A9F8-766C-0867-8AD6792AC4BF}"/>
+            </a:ext>
+          </a:extLst>
+        </p:cNvPr>
         <p:cNvGrpSpPr/>
         <p:nvPr/>
       </p:nvGrpSpPr>
@@ -4465,17 +4605,252 @@
           <a:chExt cx="0" cy="0"/>
         </a:xfrm>
       </p:grpSpPr>
+      <p:sp>
+        <p:nvSpPr>
+          <p:cNvPr id="7" name="Rectángulo 6">
+            <a:extLst>
+              <a:ext uri="{FF2B5EF4-FFF2-40B4-BE49-F238E27FC236}">
+                <a16:creationId xmlns:a16="http://schemas.microsoft.com/office/drawing/2014/main" id="{C4BA5EAC-3EDE-3D00-A2F9-7731D79E6DFE}"/>
+              </a:ext>
+            </a:extLst>
+          </p:cNvPr>
+          <p:cNvSpPr>
+            <a:spLocks noGrp="1" noRot="1" noMove="1" noResize="1" noEditPoints="1" noAdjustHandles="1" noChangeArrowheads="1" noChangeShapeType="1"/>
+          </p:cNvSpPr>
+          <p:nvPr/>
+        </p:nvSpPr>
+        <p:spPr>
+          <a:xfrm>
+            <a:off x="0" y="0"/>
+            <a:ext cx="18288000" cy="10287000"/>
+          </a:xfrm>
+          <a:prstGeom prst="rect">
+            <a:avLst/>
+          </a:prstGeom>
+          <a:solidFill>
+            <a:srgbClr val="050A30"/>
+          </a:solidFill>
+          <a:ln>
+            <a:noFill/>
+          </a:ln>
+        </p:spPr>
+        <p:style>
+          <a:lnRef idx="2">
+            <a:schemeClr val="accent1">
+              <a:shade val="15000"/>
+            </a:schemeClr>
+          </a:lnRef>
+          <a:fillRef idx="1">
+            <a:schemeClr val="accent1"/>
+          </a:fillRef>
+          <a:effectRef idx="0">
+            <a:schemeClr val="accent1"/>
+          </a:effectRef>
+          <a:fontRef idx="minor">
+            <a:schemeClr val="lt1"/>
+          </a:fontRef>
+        </p:style>
+        <p:txBody>
+          <a:bodyPr rtlCol="0" anchor="ctr"/>
+          <a:lstStyle/>
+          <a:p>
+            <a:pPr algn="ctr"/>
+            <a:endParaRPr lang="es-CO"/>
+          </a:p>
+        </p:txBody>
+      </p:sp>
+      <p:sp>
+        <p:nvSpPr>
+          <p:cNvPr id="2" name="TextBox 2">
+            <a:extLst>
+              <a:ext uri="{FF2B5EF4-FFF2-40B4-BE49-F238E27FC236}">
+                <a16:creationId xmlns:a16="http://schemas.microsoft.com/office/drawing/2014/main" id="{55609442-268D-15F8-55EA-C587BA0215B6}"/>
+              </a:ext>
+            </a:extLst>
+          </p:cNvPr>
+          <p:cNvSpPr txBox="1">
+            <a:spLocks noGrp="1" noRot="1" noMove="1" noResize="1" noEditPoints="1" noAdjustHandles="1" noChangeArrowheads="1" noChangeShapeType="1"/>
+          </p:cNvSpPr>
+          <p:nvPr/>
+        </p:nvSpPr>
+        <p:spPr>
+          <a:xfrm>
+            <a:off x="6135906" y="1018613"/>
+            <a:ext cx="9677400" cy="2350195"/>
+          </a:xfrm>
+          <a:prstGeom prst="rect">
+            <a:avLst/>
+          </a:prstGeom>
+        </p:spPr>
+        <p:txBody>
+          <a:bodyPr wrap="square" lIns="0" tIns="0" rIns="0" bIns="0" rtlCol="0" anchor="t">
+            <a:spAutoFit/>
+          </a:bodyPr>
+          <a:lstStyle/>
+          <a:p>
+            <a:pPr algn="ctr">
+              <a:lnSpc>
+                <a:spcPts val="19039"/>
+              </a:lnSpc>
+            </a:pPr>
+            <a:r>
+              <a:rPr lang="es-CO" sz="13599" b="1" dirty="0">
+                <a:solidFill>
+                  <a:srgbClr val="CAE8FF"/>
+                </a:solidFill>
+                <a:latin typeface="HK Grotesk Bold"/>
+                <a:ea typeface="HK Grotesk Bold"/>
+                <a:cs typeface="HK Grotesk Bold"/>
+                <a:sym typeface="HK Grotesk Bold"/>
+              </a:rPr>
+              <a:t>Desventajas</a:t>
+            </a:r>
+            <a:r>
+              <a:rPr lang="en-US" sz="13599" b="1" dirty="0">
+                <a:solidFill>
+                  <a:srgbClr val="CAE8FF"/>
+                </a:solidFill>
+                <a:latin typeface="HK Grotesk Bold"/>
+                <a:ea typeface="HK Grotesk Bold"/>
+                <a:cs typeface="HK Grotesk Bold"/>
+                <a:sym typeface="HK Grotesk Bold"/>
+              </a:rPr>
+              <a:t> </a:t>
+            </a:r>
+          </a:p>
+        </p:txBody>
+      </p:sp>
+      <p:sp>
+        <p:nvSpPr>
+          <p:cNvPr id="3" name="TextBox 3">
+            <a:extLst>
+              <a:ext uri="{FF2B5EF4-FFF2-40B4-BE49-F238E27FC236}">
+                <a16:creationId xmlns:a16="http://schemas.microsoft.com/office/drawing/2014/main" id="{E5298308-749F-2E2F-2A90-D74C8D6C385A}"/>
+              </a:ext>
+            </a:extLst>
+          </p:cNvPr>
+          <p:cNvSpPr txBox="1">
+            <a:spLocks noGrp="1" noRot="1" noMove="1" noResize="1" noEditPoints="1" noAdjustHandles="1" noChangeArrowheads="1" noChangeShapeType="1"/>
+          </p:cNvSpPr>
+          <p:nvPr/>
+        </p:nvSpPr>
+        <p:spPr>
+          <a:xfrm>
+            <a:off x="7497591" y="3660157"/>
+            <a:ext cx="8583691" cy="5462906"/>
+          </a:xfrm>
+          <a:prstGeom prst="rect">
+            <a:avLst/>
+          </a:prstGeom>
+        </p:spPr>
+        <p:txBody>
+          <a:bodyPr lIns="0" tIns="0" rIns="0" bIns="0" rtlCol="0" anchor="t">
+            <a:spAutoFit/>
+          </a:bodyPr>
+          <a:lstStyle/>
+          <a:p>
+            <a:pPr marL="457200" indent="-457200">
+              <a:lnSpc>
+                <a:spcPct val="150000"/>
+              </a:lnSpc>
+              <a:buFont typeface="Arial" panose="020B0604020202020204" pitchFamily="34" charset="0"/>
+              <a:buChar char="•"/>
+            </a:pPr>
+            <a:r>
+              <a:rPr lang="es-CO" sz="4000" b="1" dirty="0">
+                <a:solidFill>
+                  <a:srgbClr val="F4F6FC"/>
+                </a:solidFill>
+                <a:latin typeface="HK Grotesk Medium"/>
+                <a:ea typeface="HK Grotesk Medium"/>
+                <a:cs typeface="HK Grotesk Medium"/>
+                <a:sym typeface="HK Grotesk Medium"/>
+              </a:rPr>
+              <a:t>Desarrollo y despliegue rápidos</a:t>
+            </a:r>
+          </a:p>
+          <a:p>
+            <a:pPr marL="457200" indent="-457200">
+              <a:lnSpc>
+                <a:spcPct val="150000"/>
+              </a:lnSpc>
+              <a:buFont typeface="Arial" panose="020B0604020202020204" pitchFamily="34" charset="0"/>
+              <a:buChar char="•"/>
+            </a:pPr>
+            <a:r>
+              <a:rPr lang="es-CO" sz="4000" b="1" dirty="0">
+                <a:solidFill>
+                  <a:srgbClr val="F4F6FC"/>
+                </a:solidFill>
+                <a:latin typeface="HK Grotesk Medium"/>
+                <a:ea typeface="HK Grotesk Medium"/>
+                <a:cs typeface="HK Grotesk Medium"/>
+                <a:sym typeface="HK Grotesk Medium"/>
+              </a:rPr>
+              <a:t>Simplificación en la gestión del código</a:t>
+            </a:r>
+          </a:p>
+          <a:p>
+            <a:pPr marL="457200" indent="-457200">
+              <a:lnSpc>
+                <a:spcPct val="150000"/>
+              </a:lnSpc>
+              <a:buFont typeface="Arial" panose="020B0604020202020204" pitchFamily="34" charset="0"/>
+              <a:buChar char="•"/>
+            </a:pPr>
+            <a:r>
+              <a:rPr lang="es-CO" sz="4000" b="1" dirty="0">
+                <a:solidFill>
+                  <a:srgbClr val="F4F6FC"/>
+                </a:solidFill>
+                <a:latin typeface="HK Grotesk Medium"/>
+                <a:ea typeface="HK Grotesk Medium"/>
+                <a:cs typeface="HK Grotesk Medium"/>
+                <a:sym typeface="HK Grotesk Medium"/>
+              </a:rPr>
+              <a:t>Integración sencilla de componentes</a:t>
+            </a:r>
+          </a:p>
+          <a:p>
+            <a:pPr marL="457200" indent="-457200">
+              <a:lnSpc>
+                <a:spcPct val="150000"/>
+              </a:lnSpc>
+              <a:buFont typeface="Arial" panose="020B0604020202020204" pitchFamily="34" charset="0"/>
+              <a:buChar char="•"/>
+            </a:pPr>
+            <a:r>
+              <a:rPr lang="es-CO" sz="4000" b="1" dirty="0">
+                <a:solidFill>
+                  <a:srgbClr val="F4F6FC"/>
+                </a:solidFill>
+                <a:latin typeface="HK Grotesk Medium"/>
+                <a:ea typeface="HK Grotesk Medium"/>
+                <a:cs typeface="HK Grotesk Medium"/>
+                <a:sym typeface="HK Grotesk Medium"/>
+              </a:rPr>
+              <a:t>Menor sobrecarga de recursos</a:t>
+            </a:r>
+          </a:p>
+        </p:txBody>
+      </p:sp>
       <p:grpSp>
         <p:nvGrpSpPr>
-          <p:cNvPr name="Group 2" id="2"/>
+          <p:cNvPr id="4" name="Group 4">
+            <a:extLst>
+              <a:ext uri="{FF2B5EF4-FFF2-40B4-BE49-F238E27FC236}">
+                <a16:creationId xmlns:a16="http://schemas.microsoft.com/office/drawing/2014/main" id="{E9698F73-6014-A6B8-0B51-DAB7C5F06C12}"/>
+              </a:ext>
+            </a:extLst>
+          </p:cNvPr>
           <p:cNvGrpSpPr>
-            <a:grpSpLocks noChangeAspect="true"/>
+            <a:grpSpLocks noGrp="1" noUngrp="1" noRot="1" noChangeAspect="1" noMove="1" noResize="1"/>
           </p:cNvGrpSpPr>
           <p:nvPr/>
         </p:nvGrpSpPr>
         <p:grpSpPr>
-          <a:xfrm rot="0">
-            <a:off x="11979501" y="205158"/>
+          <a:xfrm>
+            <a:off x="1524000" y="4000500"/>
             <a:ext cx="4666977" cy="4820054"/>
             <a:chOff x="0" y="0"/>
             <a:chExt cx="6350000" cy="6558280"/>
@@ -4483,12 +4858,20 @@
         </p:grpSpPr>
         <p:sp>
           <p:nvSpPr>
-            <p:cNvPr name="Freeform 3" id="3"/>
-            <p:cNvSpPr/>
+            <p:cNvPr id="5" name="Freeform 5">
+              <a:extLst>
+                <a:ext uri="{FF2B5EF4-FFF2-40B4-BE49-F238E27FC236}">
+                  <a16:creationId xmlns:a16="http://schemas.microsoft.com/office/drawing/2014/main" id="{A10070EC-DD13-76E5-42A2-DB8EBAA26F5C}"/>
+                </a:ext>
+              </a:extLst>
+            </p:cNvPr>
+            <p:cNvSpPr>
+              <a:spLocks noGrp="1" noRot="1" noMove="1" noResize="1" noEditPoints="1" noAdjustHandles="1" noChangeArrowheads="1" noChangeShapeType="1"/>
+            </p:cNvSpPr>
             <p:nvPr/>
           </p:nvSpPr>
           <p:spPr>
-            <a:xfrm flipH="false" flipV="false" rot="0">
+            <a:xfrm>
               <a:off x="74930" y="74930"/>
               <a:ext cx="6200140" cy="6408420"/>
             </a:xfrm>
@@ -4497,9 +4880,9 @@
               <a:gdLst/>
               <a:ahLst/>
               <a:cxnLst/>
-              <a:rect r="r" b="b" t="t" l="l"/>
+              <a:rect l="l" t="t" r="r" b="b"/>
               <a:pathLst>
-                <a:path h="6408420" w="6200140">
+                <a:path w="6200140" h="6408420">
                   <a:moveTo>
                     <a:pt x="6200140" y="5351780"/>
                   </a:moveTo>
@@ -4542,19 +4925,34 @@
             <a:blipFill>
               <a:blip r:embed="rId2"/>
               <a:stretch>
-                <a:fillRect l="-27567" t="0" r="-27567" b="0"/>
+                <a:fillRect l="-27567" r="-27567"/>
               </a:stretch>
             </a:blipFill>
           </p:spPr>
+          <p:txBody>
+            <a:bodyPr/>
+            <a:lstStyle/>
+            <a:p>
+              <a:endParaRPr lang="es-CO"/>
+            </a:p>
+          </p:txBody>
         </p:sp>
         <p:sp>
           <p:nvSpPr>
-            <p:cNvPr name="Freeform 4" id="4"/>
-            <p:cNvSpPr/>
+            <p:cNvPr id="6" name="Freeform 6">
+              <a:extLst>
+                <a:ext uri="{FF2B5EF4-FFF2-40B4-BE49-F238E27FC236}">
+                  <a16:creationId xmlns:a16="http://schemas.microsoft.com/office/drawing/2014/main" id="{DE8555F7-57F9-A6F0-E254-C69DFBB4282F}"/>
+                </a:ext>
+              </a:extLst>
+            </p:cNvPr>
+            <p:cNvSpPr>
+              <a:spLocks noGrp="1" noRot="1" noMove="1" noResize="1" noEditPoints="1" noAdjustHandles="1" noChangeArrowheads="1" noChangeShapeType="1"/>
+            </p:cNvSpPr>
             <p:nvPr/>
           </p:nvSpPr>
           <p:spPr>
-            <a:xfrm flipH="false" flipV="false" rot="0">
+            <a:xfrm>
               <a:off x="0" y="0"/>
               <a:ext cx="6350000" cy="6558280"/>
             </a:xfrm>
@@ -4563,9 +4961,9 @@
               <a:gdLst/>
               <a:ahLst/>
               <a:cxnLst/>
-              <a:rect r="r" b="b" t="t" l="l"/>
+              <a:rect l="l" t="t" r="r" b="b"/>
               <a:pathLst>
-                <a:path h="6558280" w="6350000">
+                <a:path w="6350000" h="6558280">
                   <a:moveTo>
                     <a:pt x="5218430" y="6558280"/>
                   </a:moveTo>
@@ -4645,259 +5043,183 @@
               <a:srgbClr val="12229D"/>
             </a:solidFill>
           </p:spPr>
+          <p:txBody>
+            <a:bodyPr/>
+            <a:lstStyle/>
+            <a:p>
+              <a:endParaRPr lang="es-CO"/>
+            </a:p>
+          </p:txBody>
         </p:sp>
       </p:grpSp>
-      <p:grpSp>
-        <p:nvGrpSpPr>
-          <p:cNvPr name="Group 5" id="5"/>
-          <p:cNvGrpSpPr>
-            <a:grpSpLocks noChangeAspect="true"/>
-          </p:cNvGrpSpPr>
+      <p:sp>
+        <p:nvSpPr>
+          <p:cNvPr id="9" name="Freeform 4">
+            <a:extLst>
+              <a:ext uri="{FF2B5EF4-FFF2-40B4-BE49-F238E27FC236}">
+                <a16:creationId xmlns:a16="http://schemas.microsoft.com/office/drawing/2014/main" id="{189D797F-2243-EA52-C5D6-C8D4AD5E41CC}"/>
+              </a:ext>
+            </a:extLst>
+          </p:cNvPr>
+          <p:cNvSpPr>
+            <a:spLocks noGrp="1" noRot="1" noMove="1" noResize="1" noEditPoints="1" noAdjustHandles="1" noChangeArrowheads="1" noChangeShapeType="1"/>
+          </p:cNvSpPr>
           <p:nvPr/>
-        </p:nvGrpSpPr>
-        <p:grpSpPr>
-          <a:xfrm rot="0">
-            <a:off x="11979501" y="5261788"/>
-            <a:ext cx="4666977" cy="4820054"/>
-            <a:chOff x="0" y="0"/>
-            <a:chExt cx="6350000" cy="6558280"/>
+        </p:nvSpPr>
+        <p:spPr>
+          <a:xfrm rot="8460310">
+            <a:off x="-566359" y="-182608"/>
+            <a:ext cx="5376539" cy="3978639"/>
           </a:xfrm>
-        </p:grpSpPr>
-        <p:sp>
-          <p:nvSpPr>
-            <p:cNvPr name="Freeform 6" id="6"/>
-            <p:cNvSpPr/>
-            <p:nvPr/>
-          </p:nvSpPr>
-          <p:spPr>
-            <a:xfrm flipH="false" flipV="false" rot="0">
-              <a:off x="74930" y="74930"/>
-              <a:ext cx="6200140" cy="6408420"/>
-            </a:xfrm>
-            <a:custGeom>
-              <a:avLst/>
-              <a:gdLst/>
-              <a:ahLst/>
-              <a:cxnLst/>
-              <a:rect r="r" b="b" t="t" l="l"/>
-              <a:pathLst>
-                <a:path h="6408420" w="6200140">
-                  <a:moveTo>
-                    <a:pt x="6200140" y="5351780"/>
-                  </a:moveTo>
-                  <a:cubicBezTo>
-                    <a:pt x="6200140" y="5935980"/>
-                    <a:pt x="5726430" y="6408420"/>
-                    <a:pt x="5143500" y="6408420"/>
-                  </a:cubicBezTo>
-                  <a:lnTo>
-                    <a:pt x="1056640" y="6408420"/>
-                  </a:lnTo>
-                  <a:cubicBezTo>
-                    <a:pt x="472440" y="6408420"/>
-                    <a:pt x="0" y="5934710"/>
-                    <a:pt x="0" y="5351780"/>
-                  </a:cubicBezTo>
-                  <a:lnTo>
-                    <a:pt x="0" y="1056640"/>
-                  </a:lnTo>
-                  <a:cubicBezTo>
-                    <a:pt x="0" y="472440"/>
-                    <a:pt x="473710" y="0"/>
-                    <a:pt x="1056640" y="0"/>
-                  </a:cubicBezTo>
-                  <a:lnTo>
-                    <a:pt x="5143500" y="0"/>
-                  </a:lnTo>
-                  <a:cubicBezTo>
-                    <a:pt x="5727700" y="0"/>
-                    <a:pt x="6200140" y="473710"/>
-                    <a:pt x="6200140" y="1056640"/>
-                  </a:cubicBezTo>
-                  <a:lnTo>
-                    <a:pt x="6200140" y="5351780"/>
-                  </a:lnTo>
-                  <a:close/>
-                </a:path>
-              </a:pathLst>
-            </a:custGeom>
-            <a:blipFill>
-              <a:blip r:embed="rId3"/>
-              <a:stretch>
-                <a:fillRect l="-27495" t="0" r="-27495" b="0"/>
-              </a:stretch>
-            </a:blipFill>
-          </p:spPr>
-        </p:sp>
-        <p:sp>
-          <p:nvSpPr>
-            <p:cNvPr name="Freeform 7" id="7"/>
-            <p:cNvSpPr/>
-            <p:nvPr/>
-          </p:nvSpPr>
-          <p:spPr>
-            <a:xfrm flipH="false" flipV="false" rot="0">
-              <a:off x="0" y="0"/>
-              <a:ext cx="6350000" cy="6558280"/>
-            </a:xfrm>
-            <a:custGeom>
-              <a:avLst/>
-              <a:gdLst/>
-              <a:ahLst/>
-              <a:cxnLst/>
-              <a:rect r="r" b="b" t="t" l="l"/>
-              <a:pathLst>
-                <a:path h="6558280" w="6350000">
-                  <a:moveTo>
-                    <a:pt x="5218430" y="6558280"/>
-                  </a:moveTo>
-                  <a:lnTo>
-                    <a:pt x="1131570" y="6558280"/>
-                  </a:lnTo>
-                  <a:cubicBezTo>
-                    <a:pt x="508000" y="6558280"/>
-                    <a:pt x="0" y="6050280"/>
-                    <a:pt x="0" y="5426710"/>
-                  </a:cubicBezTo>
-                  <a:lnTo>
-                    <a:pt x="0" y="1131570"/>
-                  </a:lnTo>
-                  <a:cubicBezTo>
-                    <a:pt x="0" y="508000"/>
-                    <a:pt x="508000" y="0"/>
-                    <a:pt x="1131570" y="0"/>
-                  </a:cubicBezTo>
-                  <a:lnTo>
-                    <a:pt x="5218430" y="0"/>
-                  </a:lnTo>
-                  <a:cubicBezTo>
-                    <a:pt x="5842000" y="0"/>
-                    <a:pt x="6350000" y="508000"/>
-                    <a:pt x="6350000" y="1131570"/>
-                  </a:cubicBezTo>
-                  <a:lnTo>
-                    <a:pt x="6350000" y="5425440"/>
-                  </a:lnTo>
-                  <a:cubicBezTo>
-                    <a:pt x="6350000" y="6050280"/>
-                    <a:pt x="5842000" y="6558280"/>
-                    <a:pt x="5218430" y="6558280"/>
-                  </a:cubicBezTo>
-                  <a:close/>
-                  <a:moveTo>
-                    <a:pt x="1131570" y="149860"/>
-                  </a:moveTo>
-                  <a:cubicBezTo>
-                    <a:pt x="590550" y="149860"/>
-                    <a:pt x="149860" y="590550"/>
-                    <a:pt x="149860" y="1131570"/>
-                  </a:cubicBezTo>
-                  <a:lnTo>
-                    <a:pt x="149860" y="5425440"/>
-                  </a:lnTo>
-                  <a:cubicBezTo>
-                    <a:pt x="149860" y="5966460"/>
-                    <a:pt x="590550" y="6407150"/>
-                    <a:pt x="1131570" y="6407150"/>
-                  </a:cubicBezTo>
-                  <a:lnTo>
-                    <a:pt x="5218430" y="6407150"/>
-                  </a:lnTo>
-                  <a:cubicBezTo>
-                    <a:pt x="5759450" y="6407150"/>
-                    <a:pt x="6200140" y="5966460"/>
-                    <a:pt x="6200140" y="5425440"/>
-                  </a:cubicBezTo>
-                  <a:lnTo>
-                    <a:pt x="6200140" y="1131570"/>
-                  </a:lnTo>
-                  <a:cubicBezTo>
-                    <a:pt x="6200140" y="590550"/>
-                    <a:pt x="5759450" y="149860"/>
-                    <a:pt x="5218430" y="149860"/>
-                  </a:cubicBezTo>
-                  <a:lnTo>
-                    <a:pt x="1131570" y="149860"/>
-                  </a:lnTo>
-                  <a:close/>
-                </a:path>
-              </a:pathLst>
-            </a:custGeom>
-            <a:solidFill>
-              <a:srgbClr val="12229D"/>
-            </a:solidFill>
-          </p:spPr>
-        </p:sp>
-      </p:grpSp>
-      <p:sp>
-        <p:nvSpPr>
-          <p:cNvPr name="TextBox 8" id="8"/>
-          <p:cNvSpPr txBox="true"/>
+          <a:custGeom>
+            <a:avLst/>
+            <a:gdLst/>
+            <a:ahLst/>
+            <a:cxnLst/>
+            <a:rect l="l" t="t" r="r" b="b"/>
+            <a:pathLst>
+              <a:path w="5376539" h="3978639">
+                <a:moveTo>
+                  <a:pt x="0" y="0"/>
+                </a:moveTo>
+                <a:lnTo>
+                  <a:pt x="5376539" y="0"/>
+                </a:lnTo>
+                <a:lnTo>
+                  <a:pt x="5376539" y="3978639"/>
+                </a:lnTo>
+                <a:lnTo>
+                  <a:pt x="0" y="3978639"/>
+                </a:lnTo>
+                <a:lnTo>
+                  <a:pt x="0" y="0"/>
+                </a:lnTo>
+                <a:close/>
+              </a:path>
+            </a:pathLst>
+          </a:custGeom>
+          <a:blipFill>
+            <a:blip r:embed="rId3">
+              <a:extLst>
+                <a:ext uri="{96DAC541-7B7A-43D3-8B79-37D633B846F1}">
+                  <asvg:svgBlip xmlns:asvg="http://schemas.microsoft.com/office/drawing/2016/SVG/main" r:embed="rId4"/>
+                </a:ext>
+              </a:extLst>
+            </a:blip>
+            <a:stretch>
+              <a:fillRect/>
+            </a:stretch>
+          </a:blipFill>
+        </p:spPr>
+        <p:txBody>
+          <a:bodyPr/>
+          <a:lstStyle/>
+          <a:p>
+            <a:endParaRPr lang="es-CO"/>
+          </a:p>
+        </p:txBody>
+      </p:sp>
+      <p:sp>
+        <p:nvSpPr>
+          <p:cNvPr id="10" name="Freeform 2">
+            <a:extLst>
+              <a:ext uri="{FF2B5EF4-FFF2-40B4-BE49-F238E27FC236}">
+                <a16:creationId xmlns:a16="http://schemas.microsoft.com/office/drawing/2014/main" id="{35DC4ABB-44C1-98CA-3CEB-470F4716BC60}"/>
+              </a:ext>
+            </a:extLst>
+          </p:cNvPr>
+          <p:cNvSpPr>
+            <a:spLocks noGrp="1" noRot="1" noMove="1" noResize="1" noEditPoints="1" noAdjustHandles="1" noChangeArrowheads="1" noChangeShapeType="1"/>
+          </p:cNvSpPr>
           <p:nvPr/>
         </p:nvSpPr>
         <p:spPr>
-          <a:xfrm rot="0">
-            <a:off x="2120719" y="2801942"/>
-            <a:ext cx="8583691" cy="4790182"/>
+          <a:xfrm rot="10800000">
+            <a:off x="16064953" y="5749611"/>
+            <a:ext cx="3442247" cy="4114800"/>
           </a:xfrm>
-          <a:prstGeom prst="rect">
+          <a:custGeom>
             <a:avLst/>
-          </a:prstGeom>
+            <a:gdLst/>
+            <a:ahLst/>
+            <a:cxnLst/>
+            <a:rect l="l" t="t" r="r" b="b"/>
+            <a:pathLst>
+              <a:path w="3442247" h="4114800">
+                <a:moveTo>
+                  <a:pt x="0" y="0"/>
+                </a:moveTo>
+                <a:lnTo>
+                  <a:pt x="3442247" y="0"/>
+                </a:lnTo>
+                <a:lnTo>
+                  <a:pt x="3442247" y="4114800"/>
+                </a:lnTo>
+                <a:lnTo>
+                  <a:pt x="0" y="4114800"/>
+                </a:lnTo>
+                <a:lnTo>
+                  <a:pt x="0" y="0"/>
+                </a:lnTo>
+                <a:close/>
+              </a:path>
+            </a:pathLst>
+          </a:custGeom>
+          <a:blipFill>
+            <a:blip r:embed="rId5">
+              <a:extLst>
+                <a:ext uri="{96DAC541-7B7A-43D3-8B79-37D633B846F1}">
+                  <asvg:svgBlip xmlns:asvg="http://schemas.microsoft.com/office/drawing/2016/SVG/main" r:embed="rId6"/>
+                </a:ext>
+              </a:extLst>
+            </a:blip>
+            <a:stretch>
+              <a:fillRect/>
+            </a:stretch>
+          </a:blipFill>
         </p:spPr>
         <p:txBody>
-          <a:bodyPr anchor="t" rtlCol="false" tIns="0" lIns="0" bIns="0" rIns="0">
-            <a:spAutoFit/>
-          </a:bodyPr>
-          <a:lstStyle/>
-          <a:p>
-            <a:pPr algn="ctr">
-              <a:lnSpc>
-                <a:spcPts val="4200"/>
-              </a:lnSpc>
-            </a:pPr>
-            <a:r>
-              <a:rPr lang="en-US" b="true" sz="3000">
-                <a:solidFill>
-                  <a:srgbClr val="F4F6FC"/>
-                </a:solidFill>
-                <a:latin typeface="HK Grotesk Medium"/>
-                <a:ea typeface="HK Grotesk Medium"/>
-                <a:cs typeface="HK Grotesk Medium"/>
-                <a:sym typeface="HK Grotesk Medium"/>
-              </a:rPr>
-              <a:t>Lorem ipsum dolor sit amet, consectetur adipiscing elit. Donec tempus leo tellus, sit amet mattis felis dictum id. Duis erat erat, suscipit vitae efficitur in, aliquam quis tellus. Integer condimentum eget turpis et dignissim. Nunc dapibus aliquet lorem. Proin tempus lacinia ipsum, id vehicula metus accumsan condimentum. Nulla leo nulla, consectetur sit amet felis ullamcorper, volutpat tristique nulla.</a:t>
-            </a:r>
-            <a:r>
-              <a:rPr lang="en-US" b="true" sz="3000">
-                <a:solidFill>
-                  <a:srgbClr val="F4F6FC"/>
-                </a:solidFill>
-                <a:latin typeface="HK Grotesk Medium"/>
-                <a:ea typeface="HK Grotesk Medium"/>
-                <a:cs typeface="HK Grotesk Medium"/>
-                <a:sym typeface="HK Grotesk Medium"/>
-              </a:rPr>
-              <a:t> </a:t>
-            </a:r>
+          <a:bodyPr/>
+          <a:lstStyle/>
+          <a:p>
+            <a:endParaRPr lang="es-CO"/>
           </a:p>
         </p:txBody>
       </p:sp>
     </p:spTree>
+    <p:extLst>
+      <p:ext uri="{BB962C8B-B14F-4D97-AF65-F5344CB8AC3E}">
+        <p14:creationId xmlns:p14="http://schemas.microsoft.com/office/powerpoint/2010/main" val="4055895294"/>
+      </p:ext>
+    </p:extLst>
   </p:cSld>
   <p:clrMapOvr>
     <a:masterClrMapping/>
   </p:clrMapOvr>
+  <mc:AlternateContent xmlns:mc="http://schemas.openxmlformats.org/markup-compatibility/2006">
+    <mc:Choice xmlns:p14="http://schemas.microsoft.com/office/powerpoint/2010/main" Requires="p14">
+      <p:transition spd="slow" p14:dur="2000">
+        <p14:prism isContent="1"/>
+      </p:transition>
+    </mc:Choice>
+    <mc:Fallback>
+      <p:transition spd="slow">
+        <p:fade/>
+      </p:transition>
+    </mc:Fallback>
+  </mc:AlternateContent>
 </p:sld>
 </file>
 
 <file path=ppt/slides/slide6.xml><?xml version="1.0" encoding="utf-8"?>
-<p:sld xmlns:p="http://schemas.openxmlformats.org/presentationml/2006/main" xmlns:a="http://schemas.openxmlformats.org/drawingml/2006/main" xmlns:r="http://schemas.openxmlformats.org/officeDocument/2006/relationships">
+<p:sld xmlns:a="http://schemas.openxmlformats.org/drawingml/2006/main" xmlns:r="http://schemas.openxmlformats.org/officeDocument/2006/relationships" xmlns:p="http://schemas.openxmlformats.org/presentationml/2006/main">
   <p:cSld>
     <p:bg>
       <p:bgPr>
         <a:solidFill>
           <a:srgbClr val="050A30"/>
         </a:solidFill>
+        <a:effectLst/>
       </p:bgPr>
     </p:bg>
     <p:spTree>
@@ -4916,21 +5238,21 @@
       </p:grpSpPr>
       <p:sp>
         <p:nvSpPr>
-          <p:cNvPr name="TextBox 2" id="2"/>
-          <p:cNvSpPr txBox="true"/>
+          <p:cNvPr id="2" name="TextBox 2"/>
+          <p:cNvSpPr txBox="1"/>
           <p:nvPr/>
         </p:nvSpPr>
         <p:spPr>
-          <a:xfrm rot="-5400000">
-            <a:off x="-2187323" y="3978023"/>
-            <a:ext cx="8229600" cy="2330954"/>
+          <a:xfrm>
+            <a:off x="4852155" y="1548216"/>
+            <a:ext cx="8583691" cy="2330954"/>
           </a:xfrm>
           <a:prstGeom prst="rect">
             <a:avLst/>
           </a:prstGeom>
         </p:spPr>
         <p:txBody>
-          <a:bodyPr anchor="t" rtlCol="false" tIns="0" lIns="0" bIns="0" rIns="0">
+          <a:bodyPr lIns="0" tIns="0" rIns="0" bIns="0" rtlCol="0" anchor="t">
             <a:spAutoFit/>
           </a:bodyPr>
           <a:lstStyle/>
@@ -4941,433 +5263,1045 @@
               </a:lnSpc>
             </a:pPr>
             <a:r>
-              <a:rPr lang="en-US" b="true" sz="13599">
-                <a:solidFill>
-                  <a:srgbClr val="CAE8FF">
-                    <a:alpha val="9804"/>
-                  </a:srgbClr>
+              <a:rPr lang="en-US" sz="13599" b="1">
+                <a:solidFill>
+                  <a:srgbClr val="CAE8FF"/>
                 </a:solidFill>
                 <a:latin typeface="HK Grotesk Bold"/>
                 <a:ea typeface="HK Grotesk Bold"/>
                 <a:cs typeface="HK Grotesk Bold"/>
                 <a:sym typeface="HK Grotesk Bold"/>
               </a:rPr>
-              <a:t>ANÁLISIS</a:t>
-            </a:r>
-          </a:p>
-        </p:txBody>
-      </p:sp>
-      <p:sp>
-        <p:nvSpPr>
-          <p:cNvPr name="TextBox 3" id="3"/>
-          <p:cNvSpPr txBox="true"/>
+              <a:t>OBJETIVO</a:t>
+            </a:r>
+          </a:p>
+        </p:txBody>
+      </p:sp>
+      <p:sp>
+        <p:nvSpPr>
+          <p:cNvPr id="3" name="TextBox 3"/>
+          <p:cNvSpPr txBox="1">
+            <a:spLocks/>
+          </p:cNvSpPr>
           <p:nvPr/>
         </p:nvSpPr>
         <p:spPr>
-          <a:xfrm rot="-5400000">
-            <a:off x="-618267" y="3978023"/>
-            <a:ext cx="8229600" cy="2330954"/>
+          <a:xfrm>
+            <a:off x="4852155" y="3681902"/>
+            <a:ext cx="8583691" cy="4790182"/>
           </a:xfrm>
           <a:prstGeom prst="rect">
             <a:avLst/>
           </a:prstGeom>
         </p:spPr>
         <p:txBody>
-          <a:bodyPr anchor="t" rtlCol="false" tIns="0" lIns="0" bIns="0" rIns="0">
+          <a:bodyPr lIns="0" tIns="0" rIns="0" bIns="0" rtlCol="0" anchor="t">
             <a:spAutoFit/>
           </a:bodyPr>
           <a:lstStyle/>
           <a:p>
             <a:pPr algn="ctr">
               <a:lnSpc>
-                <a:spcPts val="19039"/>
+                <a:spcPts val="4200"/>
               </a:lnSpc>
             </a:pPr>
             <a:r>
-              <a:rPr lang="en-US" b="true" sz="13599">
-                <a:solidFill>
-                  <a:srgbClr val="CAE8FF">
-                    <a:alpha val="9804"/>
-                  </a:srgbClr>
-                </a:solidFill>
-                <a:latin typeface="HK Grotesk Bold"/>
-                <a:ea typeface="HK Grotesk Bold"/>
-                <a:cs typeface="HK Grotesk Bold"/>
-                <a:sym typeface="HK Grotesk Bold"/>
-              </a:rPr>
-              <a:t>ANÁLISIS</a:t>
-            </a:r>
-          </a:p>
-        </p:txBody>
-      </p:sp>
-      <p:sp>
-        <p:nvSpPr>
-          <p:cNvPr name="TextBox 4" id="4"/>
-          <p:cNvSpPr txBox="true"/>
+              <a:rPr lang="en-US" sz="3000" b="1" dirty="0">
+                <a:solidFill>
+                  <a:srgbClr val="F4F6FC"/>
+                </a:solidFill>
+                <a:latin typeface="HK Grotesk Medium"/>
+                <a:ea typeface="HK Grotesk Medium"/>
+                <a:cs typeface="HK Grotesk Medium"/>
+                <a:sym typeface="HK Grotesk Medium"/>
+              </a:rPr>
+              <a:t>Lorem ipsum dolor sit </a:t>
+            </a:r>
+            <a:r>
+              <a:rPr lang="en-US" sz="3000" b="1" dirty="0" err="1">
+                <a:solidFill>
+                  <a:srgbClr val="F4F6FC"/>
+                </a:solidFill>
+                <a:latin typeface="HK Grotesk Medium"/>
+                <a:ea typeface="HK Grotesk Medium"/>
+                <a:cs typeface="HK Grotesk Medium"/>
+                <a:sym typeface="HK Grotesk Medium"/>
+              </a:rPr>
+              <a:t>amet</a:t>
+            </a:r>
+            <a:r>
+              <a:rPr lang="en-US" sz="3000" b="1" dirty="0">
+                <a:solidFill>
+                  <a:srgbClr val="F4F6FC"/>
+                </a:solidFill>
+                <a:latin typeface="HK Grotesk Medium"/>
+                <a:ea typeface="HK Grotesk Medium"/>
+                <a:cs typeface="HK Grotesk Medium"/>
+                <a:sym typeface="HK Grotesk Medium"/>
+              </a:rPr>
+              <a:t>, </a:t>
+            </a:r>
+            <a:r>
+              <a:rPr lang="en-US" sz="3000" b="1" dirty="0" err="1">
+                <a:solidFill>
+                  <a:srgbClr val="F4F6FC"/>
+                </a:solidFill>
+                <a:latin typeface="HK Grotesk Medium"/>
+                <a:ea typeface="HK Grotesk Medium"/>
+                <a:cs typeface="HK Grotesk Medium"/>
+                <a:sym typeface="HK Grotesk Medium"/>
+              </a:rPr>
+              <a:t>consectetur</a:t>
+            </a:r>
+            <a:r>
+              <a:rPr lang="en-US" sz="3000" b="1" dirty="0">
+                <a:solidFill>
+                  <a:srgbClr val="F4F6FC"/>
+                </a:solidFill>
+                <a:latin typeface="HK Grotesk Medium"/>
+                <a:ea typeface="HK Grotesk Medium"/>
+                <a:cs typeface="HK Grotesk Medium"/>
+                <a:sym typeface="HK Grotesk Medium"/>
+              </a:rPr>
+              <a:t> </a:t>
+            </a:r>
+            <a:r>
+              <a:rPr lang="en-US" sz="3000" b="1" dirty="0" err="1">
+                <a:solidFill>
+                  <a:srgbClr val="F4F6FC"/>
+                </a:solidFill>
+                <a:latin typeface="HK Grotesk Medium"/>
+                <a:ea typeface="HK Grotesk Medium"/>
+                <a:cs typeface="HK Grotesk Medium"/>
+                <a:sym typeface="HK Grotesk Medium"/>
+              </a:rPr>
+              <a:t>adipiscing</a:t>
+            </a:r>
+            <a:r>
+              <a:rPr lang="en-US" sz="3000" b="1" dirty="0">
+                <a:solidFill>
+                  <a:srgbClr val="F4F6FC"/>
+                </a:solidFill>
+                <a:latin typeface="HK Grotesk Medium"/>
+                <a:ea typeface="HK Grotesk Medium"/>
+                <a:cs typeface="HK Grotesk Medium"/>
+                <a:sym typeface="HK Grotesk Medium"/>
+              </a:rPr>
+              <a:t> </a:t>
+            </a:r>
+            <a:r>
+              <a:rPr lang="en-US" sz="3000" b="1" dirty="0" err="1">
+                <a:solidFill>
+                  <a:srgbClr val="F4F6FC"/>
+                </a:solidFill>
+                <a:latin typeface="HK Grotesk Medium"/>
+                <a:ea typeface="HK Grotesk Medium"/>
+                <a:cs typeface="HK Grotesk Medium"/>
+                <a:sym typeface="HK Grotesk Medium"/>
+              </a:rPr>
+              <a:t>elit</a:t>
+            </a:r>
+            <a:r>
+              <a:rPr lang="en-US" sz="3000" b="1" dirty="0">
+                <a:solidFill>
+                  <a:srgbClr val="F4F6FC"/>
+                </a:solidFill>
+                <a:latin typeface="HK Grotesk Medium"/>
+                <a:ea typeface="HK Grotesk Medium"/>
+                <a:cs typeface="HK Grotesk Medium"/>
+                <a:sym typeface="HK Grotesk Medium"/>
+              </a:rPr>
+              <a:t>. Donec tempus </a:t>
+            </a:r>
+            <a:r>
+              <a:rPr lang="en-US" sz="3000" b="1" dirty="0" err="1">
+                <a:solidFill>
+                  <a:srgbClr val="F4F6FC"/>
+                </a:solidFill>
+                <a:latin typeface="HK Grotesk Medium"/>
+                <a:ea typeface="HK Grotesk Medium"/>
+                <a:cs typeface="HK Grotesk Medium"/>
+                <a:sym typeface="HK Grotesk Medium"/>
+              </a:rPr>
+              <a:t>leo</a:t>
+            </a:r>
+            <a:r>
+              <a:rPr lang="en-US" sz="3000" b="1" dirty="0">
+                <a:solidFill>
+                  <a:srgbClr val="F4F6FC"/>
+                </a:solidFill>
+                <a:latin typeface="HK Grotesk Medium"/>
+                <a:ea typeface="HK Grotesk Medium"/>
+                <a:cs typeface="HK Grotesk Medium"/>
+                <a:sym typeface="HK Grotesk Medium"/>
+              </a:rPr>
+              <a:t> </a:t>
+            </a:r>
+            <a:r>
+              <a:rPr lang="en-US" sz="3000" b="1" dirty="0" err="1">
+                <a:solidFill>
+                  <a:srgbClr val="F4F6FC"/>
+                </a:solidFill>
+                <a:latin typeface="HK Grotesk Medium"/>
+                <a:ea typeface="HK Grotesk Medium"/>
+                <a:cs typeface="HK Grotesk Medium"/>
+                <a:sym typeface="HK Grotesk Medium"/>
+              </a:rPr>
+              <a:t>tellus</a:t>
+            </a:r>
+            <a:r>
+              <a:rPr lang="en-US" sz="3000" b="1" dirty="0">
+                <a:solidFill>
+                  <a:srgbClr val="F4F6FC"/>
+                </a:solidFill>
+                <a:latin typeface="HK Grotesk Medium"/>
+                <a:ea typeface="HK Grotesk Medium"/>
+                <a:cs typeface="HK Grotesk Medium"/>
+                <a:sym typeface="HK Grotesk Medium"/>
+              </a:rPr>
+              <a:t>, sit </a:t>
+            </a:r>
+            <a:r>
+              <a:rPr lang="en-US" sz="3000" b="1" dirty="0" err="1">
+                <a:solidFill>
+                  <a:srgbClr val="F4F6FC"/>
+                </a:solidFill>
+                <a:latin typeface="HK Grotesk Medium"/>
+                <a:ea typeface="HK Grotesk Medium"/>
+                <a:cs typeface="HK Grotesk Medium"/>
+                <a:sym typeface="HK Grotesk Medium"/>
+              </a:rPr>
+              <a:t>amet</a:t>
+            </a:r>
+            <a:r>
+              <a:rPr lang="en-US" sz="3000" b="1" dirty="0">
+                <a:solidFill>
+                  <a:srgbClr val="F4F6FC"/>
+                </a:solidFill>
+                <a:latin typeface="HK Grotesk Medium"/>
+                <a:ea typeface="HK Grotesk Medium"/>
+                <a:cs typeface="HK Grotesk Medium"/>
+                <a:sym typeface="HK Grotesk Medium"/>
+              </a:rPr>
+              <a:t> </a:t>
+            </a:r>
+            <a:r>
+              <a:rPr lang="en-US" sz="3000" b="1" dirty="0" err="1">
+                <a:solidFill>
+                  <a:srgbClr val="F4F6FC"/>
+                </a:solidFill>
+                <a:latin typeface="HK Grotesk Medium"/>
+                <a:ea typeface="HK Grotesk Medium"/>
+                <a:cs typeface="HK Grotesk Medium"/>
+                <a:sym typeface="HK Grotesk Medium"/>
+              </a:rPr>
+              <a:t>mattis</a:t>
+            </a:r>
+            <a:r>
+              <a:rPr lang="en-US" sz="3000" b="1" dirty="0">
+                <a:solidFill>
+                  <a:srgbClr val="F4F6FC"/>
+                </a:solidFill>
+                <a:latin typeface="HK Grotesk Medium"/>
+                <a:ea typeface="HK Grotesk Medium"/>
+                <a:cs typeface="HK Grotesk Medium"/>
+                <a:sym typeface="HK Grotesk Medium"/>
+              </a:rPr>
+              <a:t> </a:t>
+            </a:r>
+            <a:r>
+              <a:rPr lang="en-US" sz="3000" b="1" dirty="0" err="1">
+                <a:solidFill>
+                  <a:srgbClr val="F4F6FC"/>
+                </a:solidFill>
+                <a:latin typeface="HK Grotesk Medium"/>
+                <a:ea typeface="HK Grotesk Medium"/>
+                <a:cs typeface="HK Grotesk Medium"/>
+                <a:sym typeface="HK Grotesk Medium"/>
+              </a:rPr>
+              <a:t>felis</a:t>
+            </a:r>
+            <a:r>
+              <a:rPr lang="en-US" sz="3000" b="1" dirty="0">
+                <a:solidFill>
+                  <a:srgbClr val="F4F6FC"/>
+                </a:solidFill>
+                <a:latin typeface="HK Grotesk Medium"/>
+                <a:ea typeface="HK Grotesk Medium"/>
+                <a:cs typeface="HK Grotesk Medium"/>
+                <a:sym typeface="HK Grotesk Medium"/>
+              </a:rPr>
+              <a:t> dictum id. Duis </a:t>
+            </a:r>
+            <a:r>
+              <a:rPr lang="en-US" sz="3000" b="1" dirty="0" err="1">
+                <a:solidFill>
+                  <a:srgbClr val="F4F6FC"/>
+                </a:solidFill>
+                <a:latin typeface="HK Grotesk Medium"/>
+                <a:ea typeface="HK Grotesk Medium"/>
+                <a:cs typeface="HK Grotesk Medium"/>
+                <a:sym typeface="HK Grotesk Medium"/>
+              </a:rPr>
+              <a:t>erat</a:t>
+            </a:r>
+            <a:r>
+              <a:rPr lang="en-US" sz="3000" b="1" dirty="0">
+                <a:solidFill>
+                  <a:srgbClr val="F4F6FC"/>
+                </a:solidFill>
+                <a:latin typeface="HK Grotesk Medium"/>
+                <a:ea typeface="HK Grotesk Medium"/>
+                <a:cs typeface="HK Grotesk Medium"/>
+                <a:sym typeface="HK Grotesk Medium"/>
+              </a:rPr>
+              <a:t> </a:t>
+            </a:r>
+            <a:r>
+              <a:rPr lang="en-US" sz="3000" b="1" dirty="0" err="1">
+                <a:solidFill>
+                  <a:srgbClr val="F4F6FC"/>
+                </a:solidFill>
+                <a:latin typeface="HK Grotesk Medium"/>
+                <a:ea typeface="HK Grotesk Medium"/>
+                <a:cs typeface="HK Grotesk Medium"/>
+                <a:sym typeface="HK Grotesk Medium"/>
+              </a:rPr>
+              <a:t>erat</a:t>
+            </a:r>
+            <a:r>
+              <a:rPr lang="en-US" sz="3000" b="1" dirty="0">
+                <a:solidFill>
+                  <a:srgbClr val="F4F6FC"/>
+                </a:solidFill>
+                <a:latin typeface="HK Grotesk Medium"/>
+                <a:ea typeface="HK Grotesk Medium"/>
+                <a:cs typeface="HK Grotesk Medium"/>
+                <a:sym typeface="HK Grotesk Medium"/>
+              </a:rPr>
+              <a:t>, </a:t>
+            </a:r>
+            <a:r>
+              <a:rPr lang="en-US" sz="3000" b="1" dirty="0" err="1">
+                <a:solidFill>
+                  <a:srgbClr val="F4F6FC"/>
+                </a:solidFill>
+                <a:latin typeface="HK Grotesk Medium"/>
+                <a:ea typeface="HK Grotesk Medium"/>
+                <a:cs typeface="HK Grotesk Medium"/>
+                <a:sym typeface="HK Grotesk Medium"/>
+              </a:rPr>
+              <a:t>suscipit</a:t>
+            </a:r>
+            <a:r>
+              <a:rPr lang="en-US" sz="3000" b="1" dirty="0">
+                <a:solidFill>
+                  <a:srgbClr val="F4F6FC"/>
+                </a:solidFill>
+                <a:latin typeface="HK Grotesk Medium"/>
+                <a:ea typeface="HK Grotesk Medium"/>
+                <a:cs typeface="HK Grotesk Medium"/>
+                <a:sym typeface="HK Grotesk Medium"/>
+              </a:rPr>
+              <a:t> vitae </a:t>
+            </a:r>
+            <a:r>
+              <a:rPr lang="en-US" sz="3000" b="1" dirty="0" err="1">
+                <a:solidFill>
+                  <a:srgbClr val="F4F6FC"/>
+                </a:solidFill>
+                <a:latin typeface="HK Grotesk Medium"/>
+                <a:ea typeface="HK Grotesk Medium"/>
+                <a:cs typeface="HK Grotesk Medium"/>
+                <a:sym typeface="HK Grotesk Medium"/>
+              </a:rPr>
+              <a:t>efficitur</a:t>
+            </a:r>
+            <a:r>
+              <a:rPr lang="en-US" sz="3000" b="1" dirty="0">
+                <a:solidFill>
+                  <a:srgbClr val="F4F6FC"/>
+                </a:solidFill>
+                <a:latin typeface="HK Grotesk Medium"/>
+                <a:ea typeface="HK Grotesk Medium"/>
+                <a:cs typeface="HK Grotesk Medium"/>
+                <a:sym typeface="HK Grotesk Medium"/>
+              </a:rPr>
+              <a:t> in, </a:t>
+            </a:r>
+            <a:r>
+              <a:rPr lang="en-US" sz="3000" b="1" dirty="0" err="1">
+                <a:solidFill>
+                  <a:srgbClr val="F4F6FC"/>
+                </a:solidFill>
+                <a:latin typeface="HK Grotesk Medium"/>
+                <a:ea typeface="HK Grotesk Medium"/>
+                <a:cs typeface="HK Grotesk Medium"/>
+                <a:sym typeface="HK Grotesk Medium"/>
+              </a:rPr>
+              <a:t>aliquam</a:t>
+            </a:r>
+            <a:r>
+              <a:rPr lang="en-US" sz="3000" b="1" dirty="0">
+                <a:solidFill>
+                  <a:srgbClr val="F4F6FC"/>
+                </a:solidFill>
+                <a:latin typeface="HK Grotesk Medium"/>
+                <a:ea typeface="HK Grotesk Medium"/>
+                <a:cs typeface="HK Grotesk Medium"/>
+                <a:sym typeface="HK Grotesk Medium"/>
+              </a:rPr>
+              <a:t> </a:t>
+            </a:r>
+            <a:r>
+              <a:rPr lang="en-US" sz="3000" b="1" dirty="0" err="1">
+                <a:solidFill>
+                  <a:srgbClr val="F4F6FC"/>
+                </a:solidFill>
+                <a:latin typeface="HK Grotesk Medium"/>
+                <a:ea typeface="HK Grotesk Medium"/>
+                <a:cs typeface="HK Grotesk Medium"/>
+                <a:sym typeface="HK Grotesk Medium"/>
+              </a:rPr>
+              <a:t>quis</a:t>
+            </a:r>
+            <a:r>
+              <a:rPr lang="en-US" sz="3000" b="1" dirty="0">
+                <a:solidFill>
+                  <a:srgbClr val="F4F6FC"/>
+                </a:solidFill>
+                <a:latin typeface="HK Grotesk Medium"/>
+                <a:ea typeface="HK Grotesk Medium"/>
+                <a:cs typeface="HK Grotesk Medium"/>
+                <a:sym typeface="HK Grotesk Medium"/>
+              </a:rPr>
+              <a:t> </a:t>
+            </a:r>
+            <a:r>
+              <a:rPr lang="en-US" sz="3000" b="1" dirty="0" err="1">
+                <a:solidFill>
+                  <a:srgbClr val="F4F6FC"/>
+                </a:solidFill>
+                <a:latin typeface="HK Grotesk Medium"/>
+                <a:ea typeface="HK Grotesk Medium"/>
+                <a:cs typeface="HK Grotesk Medium"/>
+                <a:sym typeface="HK Grotesk Medium"/>
+              </a:rPr>
+              <a:t>tellus</a:t>
+            </a:r>
+            <a:r>
+              <a:rPr lang="en-US" sz="3000" b="1" dirty="0">
+                <a:solidFill>
+                  <a:srgbClr val="F4F6FC"/>
+                </a:solidFill>
+                <a:latin typeface="HK Grotesk Medium"/>
+                <a:ea typeface="HK Grotesk Medium"/>
+                <a:cs typeface="HK Grotesk Medium"/>
+                <a:sym typeface="HK Grotesk Medium"/>
+              </a:rPr>
+              <a:t>. Integer </a:t>
+            </a:r>
+            <a:r>
+              <a:rPr lang="en-US" sz="3000" b="1" dirty="0" err="1">
+                <a:solidFill>
+                  <a:srgbClr val="F4F6FC"/>
+                </a:solidFill>
+                <a:latin typeface="HK Grotesk Medium"/>
+                <a:ea typeface="HK Grotesk Medium"/>
+                <a:cs typeface="HK Grotesk Medium"/>
+                <a:sym typeface="HK Grotesk Medium"/>
+              </a:rPr>
+              <a:t>condimentum</a:t>
+            </a:r>
+            <a:r>
+              <a:rPr lang="en-US" sz="3000" b="1" dirty="0">
+                <a:solidFill>
+                  <a:srgbClr val="F4F6FC"/>
+                </a:solidFill>
+                <a:latin typeface="HK Grotesk Medium"/>
+                <a:ea typeface="HK Grotesk Medium"/>
+                <a:cs typeface="HK Grotesk Medium"/>
+                <a:sym typeface="HK Grotesk Medium"/>
+              </a:rPr>
+              <a:t> </a:t>
+            </a:r>
+            <a:r>
+              <a:rPr lang="en-US" sz="3000" b="1" dirty="0" err="1">
+                <a:solidFill>
+                  <a:srgbClr val="F4F6FC"/>
+                </a:solidFill>
+                <a:latin typeface="HK Grotesk Medium"/>
+                <a:ea typeface="HK Grotesk Medium"/>
+                <a:cs typeface="HK Grotesk Medium"/>
+                <a:sym typeface="HK Grotesk Medium"/>
+              </a:rPr>
+              <a:t>eget</a:t>
+            </a:r>
+            <a:r>
+              <a:rPr lang="en-US" sz="3000" b="1" dirty="0">
+                <a:solidFill>
+                  <a:srgbClr val="F4F6FC"/>
+                </a:solidFill>
+                <a:latin typeface="HK Grotesk Medium"/>
+                <a:ea typeface="HK Grotesk Medium"/>
+                <a:cs typeface="HK Grotesk Medium"/>
+                <a:sym typeface="HK Grotesk Medium"/>
+              </a:rPr>
+              <a:t> </a:t>
+            </a:r>
+            <a:r>
+              <a:rPr lang="en-US" sz="3000" b="1" dirty="0" err="1">
+                <a:solidFill>
+                  <a:srgbClr val="F4F6FC"/>
+                </a:solidFill>
+                <a:latin typeface="HK Grotesk Medium"/>
+                <a:ea typeface="HK Grotesk Medium"/>
+                <a:cs typeface="HK Grotesk Medium"/>
+                <a:sym typeface="HK Grotesk Medium"/>
+              </a:rPr>
+              <a:t>turpis</a:t>
+            </a:r>
+            <a:r>
+              <a:rPr lang="en-US" sz="3000" b="1" dirty="0">
+                <a:solidFill>
+                  <a:srgbClr val="F4F6FC"/>
+                </a:solidFill>
+                <a:latin typeface="HK Grotesk Medium"/>
+                <a:ea typeface="HK Grotesk Medium"/>
+                <a:cs typeface="HK Grotesk Medium"/>
+                <a:sym typeface="HK Grotesk Medium"/>
+              </a:rPr>
+              <a:t> et </a:t>
+            </a:r>
+            <a:r>
+              <a:rPr lang="en-US" sz="3000" b="1" dirty="0" err="1">
+                <a:solidFill>
+                  <a:srgbClr val="F4F6FC"/>
+                </a:solidFill>
+                <a:latin typeface="HK Grotesk Medium"/>
+                <a:ea typeface="HK Grotesk Medium"/>
+                <a:cs typeface="HK Grotesk Medium"/>
+                <a:sym typeface="HK Grotesk Medium"/>
+              </a:rPr>
+              <a:t>dignissim</a:t>
+            </a:r>
+            <a:r>
+              <a:rPr lang="en-US" sz="3000" b="1" dirty="0">
+                <a:solidFill>
+                  <a:srgbClr val="F4F6FC"/>
+                </a:solidFill>
+                <a:latin typeface="HK Grotesk Medium"/>
+                <a:ea typeface="HK Grotesk Medium"/>
+                <a:cs typeface="HK Grotesk Medium"/>
+                <a:sym typeface="HK Grotesk Medium"/>
+              </a:rPr>
+              <a:t>. Nunc </a:t>
+            </a:r>
+            <a:r>
+              <a:rPr lang="en-US" sz="3000" b="1" dirty="0" err="1">
+                <a:solidFill>
+                  <a:srgbClr val="F4F6FC"/>
+                </a:solidFill>
+                <a:latin typeface="HK Grotesk Medium"/>
+                <a:ea typeface="HK Grotesk Medium"/>
+                <a:cs typeface="HK Grotesk Medium"/>
+                <a:sym typeface="HK Grotesk Medium"/>
+              </a:rPr>
+              <a:t>dapibus</a:t>
+            </a:r>
+            <a:r>
+              <a:rPr lang="en-US" sz="3000" b="1" dirty="0">
+                <a:solidFill>
+                  <a:srgbClr val="F4F6FC"/>
+                </a:solidFill>
+                <a:latin typeface="HK Grotesk Medium"/>
+                <a:ea typeface="HK Grotesk Medium"/>
+                <a:cs typeface="HK Grotesk Medium"/>
+                <a:sym typeface="HK Grotesk Medium"/>
+              </a:rPr>
+              <a:t> </a:t>
+            </a:r>
+            <a:r>
+              <a:rPr lang="en-US" sz="3000" b="1" dirty="0" err="1">
+                <a:solidFill>
+                  <a:srgbClr val="F4F6FC"/>
+                </a:solidFill>
+                <a:latin typeface="HK Grotesk Medium"/>
+                <a:ea typeface="HK Grotesk Medium"/>
+                <a:cs typeface="HK Grotesk Medium"/>
+                <a:sym typeface="HK Grotesk Medium"/>
+              </a:rPr>
+              <a:t>aliquet</a:t>
+            </a:r>
+            <a:r>
+              <a:rPr lang="en-US" sz="3000" b="1" dirty="0">
+                <a:solidFill>
+                  <a:srgbClr val="F4F6FC"/>
+                </a:solidFill>
+                <a:latin typeface="HK Grotesk Medium"/>
+                <a:ea typeface="HK Grotesk Medium"/>
+                <a:cs typeface="HK Grotesk Medium"/>
+                <a:sym typeface="HK Grotesk Medium"/>
+              </a:rPr>
+              <a:t> lorem. Proin tempus lacinia ipsum, id </a:t>
+            </a:r>
+            <a:r>
+              <a:rPr lang="en-US" sz="3000" b="1" dirty="0" err="1">
+                <a:solidFill>
+                  <a:srgbClr val="F4F6FC"/>
+                </a:solidFill>
+                <a:latin typeface="HK Grotesk Medium"/>
+                <a:ea typeface="HK Grotesk Medium"/>
+                <a:cs typeface="HK Grotesk Medium"/>
+                <a:sym typeface="HK Grotesk Medium"/>
+              </a:rPr>
+              <a:t>vehicula</a:t>
+            </a:r>
+            <a:r>
+              <a:rPr lang="en-US" sz="3000" b="1" dirty="0">
+                <a:solidFill>
+                  <a:srgbClr val="F4F6FC"/>
+                </a:solidFill>
+                <a:latin typeface="HK Grotesk Medium"/>
+                <a:ea typeface="HK Grotesk Medium"/>
+                <a:cs typeface="HK Grotesk Medium"/>
+                <a:sym typeface="HK Grotesk Medium"/>
+              </a:rPr>
+              <a:t> </a:t>
+            </a:r>
+            <a:r>
+              <a:rPr lang="en-US" sz="3000" b="1" dirty="0" err="1">
+                <a:solidFill>
+                  <a:srgbClr val="F4F6FC"/>
+                </a:solidFill>
+                <a:latin typeface="HK Grotesk Medium"/>
+                <a:ea typeface="HK Grotesk Medium"/>
+                <a:cs typeface="HK Grotesk Medium"/>
+                <a:sym typeface="HK Grotesk Medium"/>
+              </a:rPr>
+              <a:t>metus</a:t>
+            </a:r>
+            <a:r>
+              <a:rPr lang="en-US" sz="3000" b="1" dirty="0">
+                <a:solidFill>
+                  <a:srgbClr val="F4F6FC"/>
+                </a:solidFill>
+                <a:latin typeface="HK Grotesk Medium"/>
+                <a:ea typeface="HK Grotesk Medium"/>
+                <a:cs typeface="HK Grotesk Medium"/>
+                <a:sym typeface="HK Grotesk Medium"/>
+              </a:rPr>
+              <a:t> </a:t>
+            </a:r>
+            <a:r>
+              <a:rPr lang="en-US" sz="3000" b="1" dirty="0" err="1">
+                <a:solidFill>
+                  <a:srgbClr val="F4F6FC"/>
+                </a:solidFill>
+                <a:latin typeface="HK Grotesk Medium"/>
+                <a:ea typeface="HK Grotesk Medium"/>
+                <a:cs typeface="HK Grotesk Medium"/>
+                <a:sym typeface="HK Grotesk Medium"/>
+              </a:rPr>
+              <a:t>accumsan</a:t>
+            </a:r>
+            <a:r>
+              <a:rPr lang="en-US" sz="3000" b="1" dirty="0">
+                <a:solidFill>
+                  <a:srgbClr val="F4F6FC"/>
+                </a:solidFill>
+                <a:latin typeface="HK Grotesk Medium"/>
+                <a:ea typeface="HK Grotesk Medium"/>
+                <a:cs typeface="HK Grotesk Medium"/>
+                <a:sym typeface="HK Grotesk Medium"/>
+              </a:rPr>
+              <a:t> </a:t>
+            </a:r>
+            <a:r>
+              <a:rPr lang="en-US" sz="3000" b="1" dirty="0" err="1">
+                <a:solidFill>
+                  <a:srgbClr val="F4F6FC"/>
+                </a:solidFill>
+                <a:latin typeface="HK Grotesk Medium"/>
+                <a:ea typeface="HK Grotesk Medium"/>
+                <a:cs typeface="HK Grotesk Medium"/>
+                <a:sym typeface="HK Grotesk Medium"/>
+              </a:rPr>
+              <a:t>condimentum</a:t>
+            </a:r>
+            <a:r>
+              <a:rPr lang="en-US" sz="3000" b="1" dirty="0">
+                <a:solidFill>
+                  <a:srgbClr val="F4F6FC"/>
+                </a:solidFill>
+                <a:latin typeface="HK Grotesk Medium"/>
+                <a:ea typeface="HK Grotesk Medium"/>
+                <a:cs typeface="HK Grotesk Medium"/>
+                <a:sym typeface="HK Grotesk Medium"/>
+              </a:rPr>
+              <a:t>. </a:t>
+            </a:r>
+            <a:r>
+              <a:rPr lang="en-US" sz="3000" b="1" dirty="0" err="1">
+                <a:solidFill>
+                  <a:srgbClr val="F4F6FC"/>
+                </a:solidFill>
+                <a:latin typeface="HK Grotesk Medium"/>
+                <a:ea typeface="HK Grotesk Medium"/>
+                <a:cs typeface="HK Grotesk Medium"/>
+                <a:sym typeface="HK Grotesk Medium"/>
+              </a:rPr>
+              <a:t>Nulla</a:t>
+            </a:r>
+            <a:r>
+              <a:rPr lang="en-US" sz="3000" b="1" dirty="0">
+                <a:solidFill>
+                  <a:srgbClr val="F4F6FC"/>
+                </a:solidFill>
+                <a:latin typeface="HK Grotesk Medium"/>
+                <a:ea typeface="HK Grotesk Medium"/>
+                <a:cs typeface="HK Grotesk Medium"/>
+                <a:sym typeface="HK Grotesk Medium"/>
+              </a:rPr>
+              <a:t> </a:t>
+            </a:r>
+            <a:r>
+              <a:rPr lang="en-US" sz="3000" b="1" dirty="0" err="1">
+                <a:solidFill>
+                  <a:srgbClr val="F4F6FC"/>
+                </a:solidFill>
+                <a:latin typeface="HK Grotesk Medium"/>
+                <a:ea typeface="HK Grotesk Medium"/>
+                <a:cs typeface="HK Grotesk Medium"/>
+                <a:sym typeface="HK Grotesk Medium"/>
+              </a:rPr>
+              <a:t>leo</a:t>
+            </a:r>
+            <a:r>
+              <a:rPr lang="en-US" sz="3000" b="1" dirty="0">
+                <a:solidFill>
+                  <a:srgbClr val="F4F6FC"/>
+                </a:solidFill>
+                <a:latin typeface="HK Grotesk Medium"/>
+                <a:ea typeface="HK Grotesk Medium"/>
+                <a:cs typeface="HK Grotesk Medium"/>
+                <a:sym typeface="HK Grotesk Medium"/>
+              </a:rPr>
+              <a:t> </a:t>
+            </a:r>
+            <a:r>
+              <a:rPr lang="en-US" sz="3000" b="1" dirty="0" err="1">
+                <a:solidFill>
+                  <a:srgbClr val="F4F6FC"/>
+                </a:solidFill>
+                <a:latin typeface="HK Grotesk Medium"/>
+                <a:ea typeface="HK Grotesk Medium"/>
+                <a:cs typeface="HK Grotesk Medium"/>
+                <a:sym typeface="HK Grotesk Medium"/>
+              </a:rPr>
+              <a:t>nulla</a:t>
+            </a:r>
+            <a:r>
+              <a:rPr lang="en-US" sz="3000" b="1" dirty="0">
+                <a:solidFill>
+                  <a:srgbClr val="F4F6FC"/>
+                </a:solidFill>
+                <a:latin typeface="HK Grotesk Medium"/>
+                <a:ea typeface="HK Grotesk Medium"/>
+                <a:cs typeface="HK Grotesk Medium"/>
+                <a:sym typeface="HK Grotesk Medium"/>
+              </a:rPr>
+              <a:t>, </a:t>
+            </a:r>
+            <a:r>
+              <a:rPr lang="en-US" sz="3000" b="1" dirty="0" err="1">
+                <a:solidFill>
+                  <a:srgbClr val="F4F6FC"/>
+                </a:solidFill>
+                <a:latin typeface="HK Grotesk Medium"/>
+                <a:ea typeface="HK Grotesk Medium"/>
+                <a:cs typeface="HK Grotesk Medium"/>
+                <a:sym typeface="HK Grotesk Medium"/>
+              </a:rPr>
+              <a:t>consectetur</a:t>
+            </a:r>
+            <a:r>
+              <a:rPr lang="en-US" sz="3000" b="1" dirty="0">
+                <a:solidFill>
+                  <a:srgbClr val="F4F6FC"/>
+                </a:solidFill>
+                <a:latin typeface="HK Grotesk Medium"/>
+                <a:ea typeface="HK Grotesk Medium"/>
+                <a:cs typeface="HK Grotesk Medium"/>
+                <a:sym typeface="HK Grotesk Medium"/>
+              </a:rPr>
+              <a:t> sit </a:t>
+            </a:r>
+            <a:r>
+              <a:rPr lang="en-US" sz="3000" b="1" dirty="0" err="1">
+                <a:solidFill>
+                  <a:srgbClr val="F4F6FC"/>
+                </a:solidFill>
+                <a:latin typeface="HK Grotesk Medium"/>
+                <a:ea typeface="HK Grotesk Medium"/>
+                <a:cs typeface="HK Grotesk Medium"/>
+                <a:sym typeface="HK Grotesk Medium"/>
+              </a:rPr>
+              <a:t>amet</a:t>
+            </a:r>
+            <a:r>
+              <a:rPr lang="en-US" sz="3000" b="1" dirty="0">
+                <a:solidFill>
+                  <a:srgbClr val="F4F6FC"/>
+                </a:solidFill>
+                <a:latin typeface="HK Grotesk Medium"/>
+                <a:ea typeface="HK Grotesk Medium"/>
+                <a:cs typeface="HK Grotesk Medium"/>
+                <a:sym typeface="HK Grotesk Medium"/>
+              </a:rPr>
+              <a:t> </a:t>
+            </a:r>
+            <a:r>
+              <a:rPr lang="en-US" sz="3000" b="1" dirty="0" err="1">
+                <a:solidFill>
+                  <a:srgbClr val="F4F6FC"/>
+                </a:solidFill>
+                <a:latin typeface="HK Grotesk Medium"/>
+                <a:ea typeface="HK Grotesk Medium"/>
+                <a:cs typeface="HK Grotesk Medium"/>
+                <a:sym typeface="HK Grotesk Medium"/>
+              </a:rPr>
+              <a:t>felis</a:t>
+            </a:r>
+            <a:r>
+              <a:rPr lang="en-US" sz="3000" b="1" dirty="0">
+                <a:solidFill>
+                  <a:srgbClr val="F4F6FC"/>
+                </a:solidFill>
+                <a:latin typeface="HK Grotesk Medium"/>
+                <a:ea typeface="HK Grotesk Medium"/>
+                <a:cs typeface="HK Grotesk Medium"/>
+                <a:sym typeface="HK Grotesk Medium"/>
+              </a:rPr>
+              <a:t> </a:t>
+            </a:r>
+            <a:r>
+              <a:rPr lang="en-US" sz="3000" b="1" dirty="0" err="1">
+                <a:solidFill>
+                  <a:srgbClr val="F4F6FC"/>
+                </a:solidFill>
+                <a:latin typeface="HK Grotesk Medium"/>
+                <a:ea typeface="HK Grotesk Medium"/>
+                <a:cs typeface="HK Grotesk Medium"/>
+                <a:sym typeface="HK Grotesk Medium"/>
+              </a:rPr>
+              <a:t>ullamcorper</a:t>
+            </a:r>
+            <a:r>
+              <a:rPr lang="en-US" sz="3000" b="1" dirty="0">
+                <a:solidFill>
+                  <a:srgbClr val="F4F6FC"/>
+                </a:solidFill>
+                <a:latin typeface="HK Grotesk Medium"/>
+                <a:ea typeface="HK Grotesk Medium"/>
+                <a:cs typeface="HK Grotesk Medium"/>
+                <a:sym typeface="HK Grotesk Medium"/>
+              </a:rPr>
+              <a:t>, </a:t>
+            </a:r>
+            <a:r>
+              <a:rPr lang="en-US" sz="3000" b="1" dirty="0" err="1">
+                <a:solidFill>
+                  <a:srgbClr val="F4F6FC"/>
+                </a:solidFill>
+                <a:latin typeface="HK Grotesk Medium"/>
+                <a:ea typeface="HK Grotesk Medium"/>
+                <a:cs typeface="HK Grotesk Medium"/>
+                <a:sym typeface="HK Grotesk Medium"/>
+              </a:rPr>
+              <a:t>volutpat</a:t>
+            </a:r>
+            <a:r>
+              <a:rPr lang="en-US" sz="3000" b="1" dirty="0">
+                <a:solidFill>
+                  <a:srgbClr val="F4F6FC"/>
+                </a:solidFill>
+                <a:latin typeface="HK Grotesk Medium"/>
+                <a:ea typeface="HK Grotesk Medium"/>
+                <a:cs typeface="HK Grotesk Medium"/>
+                <a:sym typeface="HK Grotesk Medium"/>
+              </a:rPr>
+              <a:t> </a:t>
+            </a:r>
+            <a:r>
+              <a:rPr lang="en-US" sz="3000" b="1" dirty="0" err="1">
+                <a:solidFill>
+                  <a:srgbClr val="F4F6FC"/>
+                </a:solidFill>
+                <a:latin typeface="HK Grotesk Medium"/>
+                <a:ea typeface="HK Grotesk Medium"/>
+                <a:cs typeface="HK Grotesk Medium"/>
+                <a:sym typeface="HK Grotesk Medium"/>
+              </a:rPr>
+              <a:t>tristique</a:t>
+            </a:r>
+            <a:r>
+              <a:rPr lang="en-US" sz="3000" b="1" dirty="0">
+                <a:solidFill>
+                  <a:srgbClr val="F4F6FC"/>
+                </a:solidFill>
+                <a:latin typeface="HK Grotesk Medium"/>
+                <a:ea typeface="HK Grotesk Medium"/>
+                <a:cs typeface="HK Grotesk Medium"/>
+                <a:sym typeface="HK Grotesk Medium"/>
+              </a:rPr>
+              <a:t> </a:t>
+            </a:r>
+            <a:r>
+              <a:rPr lang="en-US" sz="3000" b="1" dirty="0" err="1">
+                <a:solidFill>
+                  <a:srgbClr val="F4F6FC"/>
+                </a:solidFill>
+                <a:latin typeface="HK Grotesk Medium"/>
+                <a:ea typeface="HK Grotesk Medium"/>
+                <a:cs typeface="HK Grotesk Medium"/>
+                <a:sym typeface="HK Grotesk Medium"/>
+              </a:rPr>
+              <a:t>nulla</a:t>
+            </a:r>
+            <a:r>
+              <a:rPr lang="en-US" sz="3000" b="1" dirty="0">
+                <a:solidFill>
+                  <a:srgbClr val="F4F6FC"/>
+                </a:solidFill>
+                <a:latin typeface="HK Grotesk Medium"/>
+                <a:ea typeface="HK Grotesk Medium"/>
+                <a:cs typeface="HK Grotesk Medium"/>
+                <a:sym typeface="HK Grotesk Medium"/>
+              </a:rPr>
+              <a:t>. </a:t>
+            </a:r>
+          </a:p>
+        </p:txBody>
+      </p:sp>
+      <p:sp>
+        <p:nvSpPr>
+          <p:cNvPr id="4" name="Freeform 4"/>
+          <p:cNvSpPr/>
           <p:nvPr/>
         </p:nvSpPr>
         <p:spPr>
-          <a:xfrm rot="-5400000">
-            <a:off x="950789" y="3978023"/>
-            <a:ext cx="8229600" cy="2330954"/>
+          <a:xfrm rot="2700000">
+            <a:off x="-1181282" y="6823620"/>
+            <a:ext cx="5376539" cy="3978639"/>
           </a:xfrm>
-          <a:prstGeom prst="rect">
+          <a:custGeom>
             <a:avLst/>
-          </a:prstGeom>
+            <a:gdLst/>
+            <a:ahLst/>
+            <a:cxnLst/>
+            <a:rect l="l" t="t" r="r" b="b"/>
+            <a:pathLst>
+              <a:path w="5376539" h="3978639">
+                <a:moveTo>
+                  <a:pt x="0" y="0"/>
+                </a:moveTo>
+                <a:lnTo>
+                  <a:pt x="5376539" y="0"/>
+                </a:lnTo>
+                <a:lnTo>
+                  <a:pt x="5376539" y="3978639"/>
+                </a:lnTo>
+                <a:lnTo>
+                  <a:pt x="0" y="3978639"/>
+                </a:lnTo>
+                <a:lnTo>
+                  <a:pt x="0" y="0"/>
+                </a:lnTo>
+                <a:close/>
+              </a:path>
+            </a:pathLst>
+          </a:custGeom>
+          <a:blipFill>
+            <a:blip r:embed="rId2">
+              <a:extLst>
+                <a:ext uri="{96DAC541-7B7A-43D3-8B79-37D633B846F1}">
+                  <asvg:svgBlip xmlns:asvg="http://schemas.microsoft.com/office/drawing/2016/SVG/main" r:embed="rId3"/>
+                </a:ext>
+              </a:extLst>
+            </a:blip>
+            <a:stretch>
+              <a:fillRect/>
+            </a:stretch>
+          </a:blipFill>
         </p:spPr>
         <p:txBody>
-          <a:bodyPr anchor="t" rtlCol="false" tIns="0" lIns="0" bIns="0" rIns="0">
-            <a:spAutoFit/>
-          </a:bodyPr>
-          <a:lstStyle/>
-          <a:p>
-            <a:pPr algn="ctr">
-              <a:lnSpc>
-                <a:spcPts val="19039"/>
-              </a:lnSpc>
-            </a:pPr>
-            <a:r>
-              <a:rPr lang="en-US" b="true" sz="13599">
-                <a:solidFill>
-                  <a:srgbClr val="CAE8FF">
-                    <a:alpha val="9804"/>
-                  </a:srgbClr>
-                </a:solidFill>
-                <a:latin typeface="HK Grotesk Bold"/>
-                <a:ea typeface="HK Grotesk Bold"/>
-                <a:cs typeface="HK Grotesk Bold"/>
-                <a:sym typeface="HK Grotesk Bold"/>
-              </a:rPr>
-              <a:t>ANÁLISIS</a:t>
-            </a:r>
-          </a:p>
-        </p:txBody>
-      </p:sp>
-      <p:sp>
-        <p:nvSpPr>
-          <p:cNvPr name="TextBox 5" id="5"/>
-          <p:cNvSpPr txBox="true"/>
+          <a:bodyPr/>
+          <a:lstStyle/>
+          <a:p>
+            <a:endParaRPr lang="es-CO"/>
+          </a:p>
+        </p:txBody>
+      </p:sp>
+      <p:sp>
+        <p:nvSpPr>
+          <p:cNvPr id="5" name="Freeform 5"/>
+          <p:cNvSpPr/>
           <p:nvPr/>
         </p:nvSpPr>
         <p:spPr>
-          <a:xfrm rot="-5400000">
-            <a:off x="2519845" y="3978023"/>
-            <a:ext cx="8229600" cy="2330954"/>
+          <a:xfrm rot="-8100000">
+            <a:off x="14204722" y="-551261"/>
+            <a:ext cx="5376539" cy="3978639"/>
           </a:xfrm>
-          <a:prstGeom prst="rect">
+          <a:custGeom>
             <a:avLst/>
-          </a:prstGeom>
+            <a:gdLst/>
+            <a:ahLst/>
+            <a:cxnLst/>
+            <a:rect l="l" t="t" r="r" b="b"/>
+            <a:pathLst>
+              <a:path w="5376539" h="3978639">
+                <a:moveTo>
+                  <a:pt x="0" y="0"/>
+                </a:moveTo>
+                <a:lnTo>
+                  <a:pt x="5376539" y="0"/>
+                </a:lnTo>
+                <a:lnTo>
+                  <a:pt x="5376539" y="3978639"/>
+                </a:lnTo>
+                <a:lnTo>
+                  <a:pt x="0" y="3978639"/>
+                </a:lnTo>
+                <a:lnTo>
+                  <a:pt x="0" y="0"/>
+                </a:lnTo>
+                <a:close/>
+              </a:path>
+            </a:pathLst>
+          </a:custGeom>
+          <a:blipFill>
+            <a:blip r:embed="rId2">
+              <a:extLst>
+                <a:ext uri="{96DAC541-7B7A-43D3-8B79-37D633B846F1}">
+                  <asvg:svgBlip xmlns:asvg="http://schemas.microsoft.com/office/drawing/2016/SVG/main" r:embed="rId3"/>
+                </a:ext>
+              </a:extLst>
+            </a:blip>
+            <a:stretch>
+              <a:fillRect/>
+            </a:stretch>
+          </a:blipFill>
         </p:spPr>
         <p:txBody>
-          <a:bodyPr anchor="t" rtlCol="false" tIns="0" lIns="0" bIns="0" rIns="0">
-            <a:spAutoFit/>
-          </a:bodyPr>
-          <a:lstStyle/>
-          <a:p>
-            <a:pPr algn="ctr">
-              <a:lnSpc>
-                <a:spcPts val="19039"/>
-              </a:lnSpc>
-            </a:pPr>
-            <a:r>
-              <a:rPr lang="en-US" b="true" sz="13599">
-                <a:solidFill>
-                  <a:srgbClr val="CAE8FF">
-                    <a:alpha val="9804"/>
-                  </a:srgbClr>
-                </a:solidFill>
-                <a:latin typeface="HK Grotesk Bold"/>
-                <a:ea typeface="HK Grotesk Bold"/>
-                <a:cs typeface="HK Grotesk Bold"/>
-                <a:sym typeface="HK Grotesk Bold"/>
-              </a:rPr>
-              <a:t>ANÁLISIS</a:t>
-            </a:r>
-          </a:p>
-        </p:txBody>
-      </p:sp>
-      <p:sp>
-        <p:nvSpPr>
-          <p:cNvPr name="TextBox 6" id="6"/>
-          <p:cNvSpPr txBox="true"/>
-          <p:nvPr/>
-        </p:nvSpPr>
-        <p:spPr>
-          <a:xfrm rot="-5400000">
-            <a:off x="4088901" y="3978023"/>
-            <a:ext cx="8229600" cy="2330954"/>
-          </a:xfrm>
-          <a:prstGeom prst="rect">
-            <a:avLst/>
-          </a:prstGeom>
-        </p:spPr>
-        <p:txBody>
-          <a:bodyPr anchor="t" rtlCol="false" tIns="0" lIns="0" bIns="0" rIns="0">
-            <a:spAutoFit/>
-          </a:bodyPr>
-          <a:lstStyle/>
-          <a:p>
-            <a:pPr algn="ctr">
-              <a:lnSpc>
-                <a:spcPts val="19039"/>
-              </a:lnSpc>
-            </a:pPr>
-            <a:r>
-              <a:rPr lang="en-US" b="true" sz="13599">
-                <a:solidFill>
-                  <a:srgbClr val="CAE8FF">
-                    <a:alpha val="9804"/>
-                  </a:srgbClr>
-                </a:solidFill>
-                <a:latin typeface="HK Grotesk Bold"/>
-                <a:ea typeface="HK Grotesk Bold"/>
-                <a:cs typeface="HK Grotesk Bold"/>
-                <a:sym typeface="HK Grotesk Bold"/>
-              </a:rPr>
-              <a:t>ANÁLISIS</a:t>
-            </a:r>
-          </a:p>
-        </p:txBody>
-      </p:sp>
-      <p:sp>
-        <p:nvSpPr>
-          <p:cNvPr name="TextBox 7" id="7"/>
-          <p:cNvSpPr txBox="true"/>
-          <p:nvPr/>
-        </p:nvSpPr>
-        <p:spPr>
-          <a:xfrm rot="-5400000">
-            <a:off x="5657957" y="3978023"/>
-            <a:ext cx="8229600" cy="2330954"/>
-          </a:xfrm>
-          <a:prstGeom prst="rect">
-            <a:avLst/>
-          </a:prstGeom>
-        </p:spPr>
-        <p:txBody>
-          <a:bodyPr anchor="t" rtlCol="false" tIns="0" lIns="0" bIns="0" rIns="0">
-            <a:spAutoFit/>
-          </a:bodyPr>
-          <a:lstStyle/>
-          <a:p>
-            <a:pPr algn="ctr">
-              <a:lnSpc>
-                <a:spcPts val="19039"/>
-              </a:lnSpc>
-            </a:pPr>
-            <a:r>
-              <a:rPr lang="en-US" b="true" sz="13599">
-                <a:solidFill>
-                  <a:srgbClr val="CAE8FF">
-                    <a:alpha val="9804"/>
-                  </a:srgbClr>
-                </a:solidFill>
-                <a:latin typeface="HK Grotesk Bold"/>
-                <a:ea typeface="HK Grotesk Bold"/>
-                <a:cs typeface="HK Grotesk Bold"/>
-                <a:sym typeface="HK Grotesk Bold"/>
-              </a:rPr>
-              <a:t>ANÁLISIS</a:t>
-            </a:r>
-          </a:p>
-        </p:txBody>
-      </p:sp>
-      <p:sp>
-        <p:nvSpPr>
-          <p:cNvPr name="TextBox 8" id="8"/>
-          <p:cNvSpPr txBox="true"/>
-          <p:nvPr/>
-        </p:nvSpPr>
-        <p:spPr>
-          <a:xfrm rot="-5400000">
-            <a:off x="7227014" y="3978023"/>
-            <a:ext cx="8229600" cy="2330954"/>
-          </a:xfrm>
-          <a:prstGeom prst="rect">
-            <a:avLst/>
-          </a:prstGeom>
-        </p:spPr>
-        <p:txBody>
-          <a:bodyPr anchor="t" rtlCol="false" tIns="0" lIns="0" bIns="0" rIns="0">
-            <a:spAutoFit/>
-          </a:bodyPr>
-          <a:lstStyle/>
-          <a:p>
-            <a:pPr algn="ctr">
-              <a:lnSpc>
-                <a:spcPts val="19039"/>
-              </a:lnSpc>
-            </a:pPr>
-            <a:r>
-              <a:rPr lang="en-US" b="true" sz="13599">
-                <a:solidFill>
-                  <a:srgbClr val="CAE8FF">
-                    <a:alpha val="9804"/>
-                  </a:srgbClr>
-                </a:solidFill>
-                <a:latin typeface="HK Grotesk Bold"/>
-                <a:ea typeface="HK Grotesk Bold"/>
-                <a:cs typeface="HK Grotesk Bold"/>
-                <a:sym typeface="HK Grotesk Bold"/>
-              </a:rPr>
-              <a:t>ANÁLISIS</a:t>
-            </a:r>
-          </a:p>
-        </p:txBody>
-      </p:sp>
-      <p:sp>
-        <p:nvSpPr>
-          <p:cNvPr name="TextBox 9" id="9"/>
-          <p:cNvSpPr txBox="true"/>
-          <p:nvPr/>
-        </p:nvSpPr>
-        <p:spPr>
-          <a:xfrm rot="-5400000">
-            <a:off x="8796070" y="3978023"/>
-            <a:ext cx="8229600" cy="2330954"/>
-          </a:xfrm>
-          <a:prstGeom prst="rect">
-            <a:avLst/>
-          </a:prstGeom>
-        </p:spPr>
-        <p:txBody>
-          <a:bodyPr anchor="t" rtlCol="false" tIns="0" lIns="0" bIns="0" rIns="0">
-            <a:spAutoFit/>
-          </a:bodyPr>
-          <a:lstStyle/>
-          <a:p>
-            <a:pPr algn="ctr">
-              <a:lnSpc>
-                <a:spcPts val="19039"/>
-              </a:lnSpc>
-            </a:pPr>
-            <a:r>
-              <a:rPr lang="en-US" b="true" sz="13599">
-                <a:solidFill>
-                  <a:srgbClr val="CAE8FF">
-                    <a:alpha val="9804"/>
-                  </a:srgbClr>
-                </a:solidFill>
-                <a:latin typeface="HK Grotesk Bold"/>
-                <a:ea typeface="HK Grotesk Bold"/>
-                <a:cs typeface="HK Grotesk Bold"/>
-                <a:sym typeface="HK Grotesk Bold"/>
-              </a:rPr>
-              <a:t>ANÁLISIS</a:t>
-            </a:r>
-          </a:p>
-        </p:txBody>
-      </p:sp>
-      <p:sp>
-        <p:nvSpPr>
-          <p:cNvPr name="TextBox 10" id="10"/>
-          <p:cNvSpPr txBox="true"/>
-          <p:nvPr/>
-        </p:nvSpPr>
-        <p:spPr>
-          <a:xfrm rot="-5400000">
-            <a:off x="10365126" y="3978023"/>
-            <a:ext cx="8229600" cy="2330954"/>
-          </a:xfrm>
-          <a:prstGeom prst="rect">
-            <a:avLst/>
-          </a:prstGeom>
-        </p:spPr>
-        <p:txBody>
-          <a:bodyPr anchor="t" rtlCol="false" tIns="0" lIns="0" bIns="0" rIns="0">
-            <a:spAutoFit/>
-          </a:bodyPr>
-          <a:lstStyle/>
-          <a:p>
-            <a:pPr algn="ctr">
-              <a:lnSpc>
-                <a:spcPts val="19039"/>
-              </a:lnSpc>
-            </a:pPr>
-            <a:r>
-              <a:rPr lang="en-US" b="true" sz="13599">
-                <a:solidFill>
-                  <a:srgbClr val="CAE8FF">
-                    <a:alpha val="9804"/>
-                  </a:srgbClr>
-                </a:solidFill>
-                <a:latin typeface="HK Grotesk Bold"/>
-                <a:ea typeface="HK Grotesk Bold"/>
-                <a:cs typeface="HK Grotesk Bold"/>
-                <a:sym typeface="HK Grotesk Bold"/>
-              </a:rPr>
-              <a:t>ANÁLISIS</a:t>
-            </a:r>
-          </a:p>
-        </p:txBody>
-      </p:sp>
-      <p:sp>
-        <p:nvSpPr>
-          <p:cNvPr name="TextBox 11" id="11"/>
-          <p:cNvSpPr txBox="true"/>
-          <p:nvPr/>
-        </p:nvSpPr>
-        <p:spPr>
-          <a:xfrm rot="-5400000">
-            <a:off x="11934182" y="3978023"/>
-            <a:ext cx="8229600" cy="2330954"/>
-          </a:xfrm>
-          <a:prstGeom prst="rect">
-            <a:avLst/>
-          </a:prstGeom>
-        </p:spPr>
-        <p:txBody>
-          <a:bodyPr anchor="t" rtlCol="false" tIns="0" lIns="0" bIns="0" rIns="0">
-            <a:spAutoFit/>
-          </a:bodyPr>
-          <a:lstStyle/>
-          <a:p>
-            <a:pPr algn="ctr">
-              <a:lnSpc>
-                <a:spcPts val="19039"/>
-              </a:lnSpc>
-            </a:pPr>
-            <a:r>
-              <a:rPr lang="en-US" b="true" sz="13599">
-                <a:solidFill>
-                  <a:srgbClr val="CAE8FF">
-                    <a:alpha val="9804"/>
-                  </a:srgbClr>
-                </a:solidFill>
-                <a:latin typeface="HK Grotesk Bold"/>
-                <a:ea typeface="HK Grotesk Bold"/>
-                <a:cs typeface="HK Grotesk Bold"/>
-                <a:sym typeface="HK Grotesk Bold"/>
-              </a:rPr>
-              <a:t>ANÁLISIS</a:t>
-            </a:r>
-          </a:p>
-        </p:txBody>
-      </p:sp>
-      <p:pic>
-        <p:nvPicPr>
-          <p:cNvPr name="Picture 12" id="12"/>
-          <p:cNvPicPr>
-            <a:picLocks noChangeAspect="true"/>
-          </p:cNvPicPr>
-          <p:nvPr/>
-        </p:nvPicPr>
-        <p:blipFill>
-          <a:blip r:embed="rId2"/>
-          <a:stretch>
-            <a:fillRect/>
-          </a:stretch>
-        </p:blipFill>
-        <p:spPr>
-          <a:xfrm rot="0">
-            <a:off x="3066244" y="1217144"/>
-            <a:ext cx="11615473" cy="7852713"/>
-          </a:xfrm>
-          <a:prstGeom prst="rect">
-            <a:avLst/>
-          </a:prstGeom>
-        </p:spPr>
-      </p:pic>
+          <a:bodyPr/>
+          <a:lstStyle/>
+          <a:p>
+            <a:endParaRPr lang="es-CO"/>
+          </a:p>
+        </p:txBody>
+      </p:sp>
     </p:spTree>
   </p:cSld>
   <p:clrMapOvr>
@@ -5377,13 +6311,326 @@
 </file>
 
 <file path=ppt/slides/slide7.xml><?xml version="1.0" encoding="utf-8"?>
-<p:sld xmlns:p="http://schemas.openxmlformats.org/presentationml/2006/main" xmlns:a="http://schemas.openxmlformats.org/drawingml/2006/main" xmlns:r="http://schemas.openxmlformats.org/officeDocument/2006/relationships">
+<p:sld xmlns:a="http://schemas.openxmlformats.org/drawingml/2006/main" xmlns:r="http://schemas.openxmlformats.org/officeDocument/2006/relationships" xmlns:p="http://schemas.openxmlformats.org/presentationml/2006/main">
+  <p:cSld>
+    <p:spTree>
+      <p:nvGrpSpPr>
+        <p:cNvPr id="1" name="">
+          <a:extLst>
+            <a:ext uri="{FF2B5EF4-FFF2-40B4-BE49-F238E27FC236}">
+              <a16:creationId xmlns:a16="http://schemas.microsoft.com/office/drawing/2014/main" id="{B36AF9C3-2521-A279-5D27-34DF75E9449B}"/>
+            </a:ext>
+          </a:extLst>
+        </p:cNvPr>
+        <p:cNvGrpSpPr/>
+        <p:nvPr/>
+      </p:nvGrpSpPr>
+      <p:grpSpPr>
+        <a:xfrm>
+          <a:off x="0" y="0"/>
+          <a:ext cx="0" cy="0"/>
+          <a:chOff x="0" y="0"/>
+          <a:chExt cx="0" cy="0"/>
+        </a:xfrm>
+      </p:grpSpPr>
+      <p:sp>
+        <p:nvSpPr>
+          <p:cNvPr id="6" name="Rectángulo 5">
+            <a:extLst>
+              <a:ext uri="{FF2B5EF4-FFF2-40B4-BE49-F238E27FC236}">
+                <a16:creationId xmlns:a16="http://schemas.microsoft.com/office/drawing/2014/main" id="{002C8A34-B357-5E13-E7C6-AB1DB564E5FA}"/>
+              </a:ext>
+            </a:extLst>
+          </p:cNvPr>
+          <p:cNvSpPr/>
+          <p:nvPr/>
+        </p:nvSpPr>
+        <p:spPr>
+          <a:xfrm>
+            <a:off x="0" y="0"/>
+            <a:ext cx="18288000" cy="10287000"/>
+          </a:xfrm>
+          <a:prstGeom prst="rect">
+            <a:avLst/>
+          </a:prstGeom>
+          <a:solidFill>
+            <a:srgbClr val="050A30"/>
+          </a:solidFill>
+          <a:ln>
+            <a:noFill/>
+          </a:ln>
+        </p:spPr>
+        <p:style>
+          <a:lnRef idx="2">
+            <a:schemeClr val="accent1">
+              <a:shade val="15000"/>
+            </a:schemeClr>
+          </a:lnRef>
+          <a:fillRef idx="1">
+            <a:schemeClr val="accent1"/>
+          </a:fillRef>
+          <a:effectRef idx="0">
+            <a:schemeClr val="accent1"/>
+          </a:effectRef>
+          <a:fontRef idx="minor">
+            <a:schemeClr val="lt1"/>
+          </a:fontRef>
+        </p:style>
+        <p:txBody>
+          <a:bodyPr rtlCol="0" anchor="ctr"/>
+          <a:lstStyle/>
+          <a:p>
+            <a:pPr algn="ctr"/>
+            <a:endParaRPr lang="es-CO"/>
+          </a:p>
+        </p:txBody>
+      </p:sp>
+      <p:sp>
+        <p:nvSpPr>
+          <p:cNvPr id="2" name="TextBox 2">
+            <a:extLst>
+              <a:ext uri="{FF2B5EF4-FFF2-40B4-BE49-F238E27FC236}">
+                <a16:creationId xmlns:a16="http://schemas.microsoft.com/office/drawing/2014/main" id="{89FBB377-6D39-FDC0-25B8-FA67A50AE67E}"/>
+              </a:ext>
+            </a:extLst>
+          </p:cNvPr>
+          <p:cNvSpPr txBox="1"/>
+          <p:nvPr/>
+        </p:nvSpPr>
+        <p:spPr>
+          <a:xfrm>
+            <a:off x="4852155" y="1548216"/>
+            <a:ext cx="8583691" cy="2330954"/>
+          </a:xfrm>
+          <a:prstGeom prst="rect">
+            <a:avLst/>
+          </a:prstGeom>
+        </p:spPr>
+        <p:txBody>
+          <a:bodyPr lIns="0" tIns="0" rIns="0" bIns="0" rtlCol="0" anchor="t">
+            <a:spAutoFit/>
+          </a:bodyPr>
+          <a:lstStyle/>
+          <a:p>
+            <a:pPr algn="ctr">
+              <a:lnSpc>
+                <a:spcPts val="19039"/>
+              </a:lnSpc>
+            </a:pPr>
+            <a:r>
+              <a:rPr lang="en-US" sz="13599" b="1">
+                <a:solidFill>
+                  <a:srgbClr val="CAE8FF"/>
+                </a:solidFill>
+                <a:latin typeface="HK Grotesk Bold"/>
+                <a:ea typeface="HK Grotesk Bold"/>
+                <a:cs typeface="HK Grotesk Bold"/>
+                <a:sym typeface="HK Grotesk Bold"/>
+              </a:rPr>
+              <a:t>OBJETIVO</a:t>
+            </a:r>
+          </a:p>
+        </p:txBody>
+      </p:sp>
+      <p:sp>
+        <p:nvSpPr>
+          <p:cNvPr id="3" name="TextBox 3">
+            <a:extLst>
+              <a:ext uri="{FF2B5EF4-FFF2-40B4-BE49-F238E27FC236}">
+                <a16:creationId xmlns:a16="http://schemas.microsoft.com/office/drawing/2014/main" id="{FE430D36-C829-CE98-B533-034888381118}"/>
+              </a:ext>
+            </a:extLst>
+          </p:cNvPr>
+          <p:cNvSpPr txBox="1"/>
+          <p:nvPr/>
+        </p:nvSpPr>
+        <p:spPr>
+          <a:xfrm>
+            <a:off x="4852155" y="3681902"/>
+            <a:ext cx="8583691" cy="4790182"/>
+          </a:xfrm>
+          <a:prstGeom prst="rect">
+            <a:avLst/>
+          </a:prstGeom>
+        </p:spPr>
+        <p:txBody>
+          <a:bodyPr lIns="0" tIns="0" rIns="0" bIns="0" rtlCol="0" anchor="t">
+            <a:spAutoFit/>
+          </a:bodyPr>
+          <a:lstStyle/>
+          <a:p>
+            <a:pPr algn="ctr">
+              <a:lnSpc>
+                <a:spcPts val="4200"/>
+              </a:lnSpc>
+            </a:pPr>
+            <a:r>
+              <a:rPr lang="en-US" sz="3000" b="1">
+                <a:solidFill>
+                  <a:srgbClr val="F4F6FC"/>
+                </a:solidFill>
+                <a:latin typeface="HK Grotesk Medium"/>
+                <a:ea typeface="HK Grotesk Medium"/>
+                <a:cs typeface="HK Grotesk Medium"/>
+                <a:sym typeface="HK Grotesk Medium"/>
+              </a:rPr>
+              <a:t>Lorem ipsum dolor sit amet, consectetur adipiscing elit. Donec tempus leo tellus, sit amet mattis felis dictum id. Duis erat erat, suscipit vitae efficitur in, aliquam quis tellus. Integer condimentum eget turpis et dignissim. Nunc dapibus aliquet lorem. Proin tempus lacinia ipsum, id vehicula metus accumsan condimentum. Nulla leo nulla, consectetur sit amet felis ullamcorper, volutpat tristique nulla. </a:t>
+            </a:r>
+          </a:p>
+        </p:txBody>
+      </p:sp>
+      <p:sp>
+        <p:nvSpPr>
+          <p:cNvPr id="4" name="Freeform 4">
+            <a:extLst>
+              <a:ext uri="{FF2B5EF4-FFF2-40B4-BE49-F238E27FC236}">
+                <a16:creationId xmlns:a16="http://schemas.microsoft.com/office/drawing/2014/main" id="{FE438B78-709C-5BAE-EBDD-2354D4FB2000}"/>
+              </a:ext>
+            </a:extLst>
+          </p:cNvPr>
+          <p:cNvSpPr/>
+          <p:nvPr/>
+        </p:nvSpPr>
+        <p:spPr>
+          <a:xfrm rot="2700000">
+            <a:off x="-1181282" y="6823620"/>
+            <a:ext cx="5376539" cy="3978639"/>
+          </a:xfrm>
+          <a:custGeom>
+            <a:avLst/>
+            <a:gdLst/>
+            <a:ahLst/>
+            <a:cxnLst/>
+            <a:rect l="l" t="t" r="r" b="b"/>
+            <a:pathLst>
+              <a:path w="5376539" h="3978639">
+                <a:moveTo>
+                  <a:pt x="0" y="0"/>
+                </a:moveTo>
+                <a:lnTo>
+                  <a:pt x="5376539" y="0"/>
+                </a:lnTo>
+                <a:lnTo>
+                  <a:pt x="5376539" y="3978639"/>
+                </a:lnTo>
+                <a:lnTo>
+                  <a:pt x="0" y="3978639"/>
+                </a:lnTo>
+                <a:lnTo>
+                  <a:pt x="0" y="0"/>
+                </a:lnTo>
+                <a:close/>
+              </a:path>
+            </a:pathLst>
+          </a:custGeom>
+          <a:blipFill>
+            <a:blip r:embed="rId2">
+              <a:extLst>
+                <a:ext uri="{96DAC541-7B7A-43D3-8B79-37D633B846F1}">
+                  <asvg:svgBlip xmlns:asvg="http://schemas.microsoft.com/office/drawing/2016/SVG/main" r:embed="rId3"/>
+                </a:ext>
+              </a:extLst>
+            </a:blip>
+            <a:stretch>
+              <a:fillRect/>
+            </a:stretch>
+          </a:blipFill>
+        </p:spPr>
+        <p:txBody>
+          <a:bodyPr/>
+          <a:lstStyle/>
+          <a:p>
+            <a:endParaRPr lang="es-CO"/>
+          </a:p>
+        </p:txBody>
+      </p:sp>
+      <p:sp>
+        <p:nvSpPr>
+          <p:cNvPr id="5" name="Freeform 5">
+            <a:extLst>
+              <a:ext uri="{FF2B5EF4-FFF2-40B4-BE49-F238E27FC236}">
+                <a16:creationId xmlns:a16="http://schemas.microsoft.com/office/drawing/2014/main" id="{53D0847E-DFBA-E0E7-D867-09F29C00D27F}"/>
+              </a:ext>
+            </a:extLst>
+          </p:cNvPr>
+          <p:cNvSpPr/>
+          <p:nvPr/>
+        </p:nvSpPr>
+        <p:spPr>
+          <a:xfrm rot="-8100000">
+            <a:off x="14204722" y="-551261"/>
+            <a:ext cx="5376539" cy="3978639"/>
+          </a:xfrm>
+          <a:custGeom>
+            <a:avLst/>
+            <a:gdLst/>
+            <a:ahLst/>
+            <a:cxnLst/>
+            <a:rect l="l" t="t" r="r" b="b"/>
+            <a:pathLst>
+              <a:path w="5376539" h="3978639">
+                <a:moveTo>
+                  <a:pt x="0" y="0"/>
+                </a:moveTo>
+                <a:lnTo>
+                  <a:pt x="5376539" y="0"/>
+                </a:lnTo>
+                <a:lnTo>
+                  <a:pt x="5376539" y="3978639"/>
+                </a:lnTo>
+                <a:lnTo>
+                  <a:pt x="0" y="3978639"/>
+                </a:lnTo>
+                <a:lnTo>
+                  <a:pt x="0" y="0"/>
+                </a:lnTo>
+                <a:close/>
+              </a:path>
+            </a:pathLst>
+          </a:custGeom>
+          <a:blipFill>
+            <a:blip r:embed="rId2">
+              <a:extLst>
+                <a:ext uri="{96DAC541-7B7A-43D3-8B79-37D633B846F1}">
+                  <asvg:svgBlip xmlns:asvg="http://schemas.microsoft.com/office/drawing/2016/SVG/main" r:embed="rId3"/>
+                </a:ext>
+              </a:extLst>
+            </a:blip>
+            <a:stretch>
+              <a:fillRect/>
+            </a:stretch>
+          </a:blipFill>
+        </p:spPr>
+        <p:txBody>
+          <a:bodyPr/>
+          <a:lstStyle/>
+          <a:p>
+            <a:endParaRPr lang="es-CO"/>
+          </a:p>
+        </p:txBody>
+      </p:sp>
+    </p:spTree>
+    <p:extLst>
+      <p:ext uri="{BB962C8B-B14F-4D97-AF65-F5344CB8AC3E}">
+        <p14:creationId xmlns:p14="http://schemas.microsoft.com/office/powerpoint/2010/main" val="311872502"/>
+      </p:ext>
+    </p:extLst>
+  </p:cSld>
+  <p:clrMapOvr>
+    <a:masterClrMapping/>
+  </p:clrMapOvr>
+</p:sld>
+</file>
+
+<file path=ppt/slides/slide8.xml><?xml version="1.0" encoding="utf-8"?>
+<p:sld xmlns:a="http://schemas.openxmlformats.org/drawingml/2006/main" xmlns:r="http://schemas.openxmlformats.org/officeDocument/2006/relationships" xmlns:p="http://schemas.openxmlformats.org/presentationml/2006/main">
   <p:cSld>
     <p:bg>
       <p:bgPr>
         <a:solidFill>
           <a:srgbClr val="050A30"/>
         </a:solidFill>
+        <a:effectLst/>
       </p:bgPr>
     </p:bg>
     <p:spTree>
@@ -5402,32 +6649,32 @@
       </p:grpSpPr>
       <p:sp>
         <p:nvSpPr>
-          <p:cNvPr name="TextBox 2" id="2"/>
-          <p:cNvSpPr txBox="true"/>
+          <p:cNvPr id="2" name="TextBox 2"/>
+          <p:cNvSpPr txBox="1"/>
           <p:nvPr/>
         </p:nvSpPr>
         <p:spPr>
-          <a:xfrm rot="0">
-            <a:off x="4852155" y="1548216"/>
-            <a:ext cx="8583691" cy="2330954"/>
+          <a:xfrm>
+            <a:off x="1028700" y="4640613"/>
+            <a:ext cx="16230600" cy="1415349"/>
           </a:xfrm>
           <a:prstGeom prst="rect">
             <a:avLst/>
           </a:prstGeom>
         </p:spPr>
         <p:txBody>
-          <a:bodyPr anchor="t" rtlCol="false" tIns="0" lIns="0" bIns="0" rIns="0">
+          <a:bodyPr lIns="0" tIns="0" rIns="0" bIns="0" rtlCol="0" anchor="t">
             <a:spAutoFit/>
           </a:bodyPr>
           <a:lstStyle/>
           <a:p>
             <a:pPr algn="ctr">
               <a:lnSpc>
-                <a:spcPts val="19039"/>
+                <a:spcPts val="10080"/>
               </a:lnSpc>
             </a:pPr>
             <a:r>
-              <a:rPr lang="en-US" b="true" sz="13599">
+              <a:rPr lang="en-US" sz="12000" b="1">
                 <a:solidFill>
                   <a:srgbClr val="CAE8FF"/>
                 </a:solidFill>
@@ -5436,94 +6683,41 @@
                 <a:cs typeface="HK Grotesk Bold"/>
                 <a:sym typeface="HK Grotesk Bold"/>
               </a:rPr>
-              <a:t>OBJETIVO</a:t>
-            </a:r>
-          </a:p>
-        </p:txBody>
-      </p:sp>
-      <p:sp>
-        <p:nvSpPr>
-          <p:cNvPr name="TextBox 3" id="3"/>
-          <p:cNvSpPr txBox="true"/>
-          <p:nvPr/>
-        </p:nvSpPr>
-        <p:spPr>
-          <a:xfrm rot="0">
-            <a:off x="4852155" y="3681902"/>
-            <a:ext cx="8583691" cy="4790182"/>
-          </a:xfrm>
-          <a:prstGeom prst="rect">
-            <a:avLst/>
-          </a:prstGeom>
-        </p:spPr>
-        <p:txBody>
-          <a:bodyPr anchor="t" rtlCol="false" tIns="0" lIns="0" bIns="0" rIns="0">
-            <a:spAutoFit/>
-          </a:bodyPr>
-          <a:lstStyle/>
-          <a:p>
-            <a:pPr algn="ctr">
-              <a:lnSpc>
-                <a:spcPts val="4200"/>
-              </a:lnSpc>
-            </a:pPr>
-            <a:r>
-              <a:rPr lang="en-US" b="true" sz="3000">
-                <a:solidFill>
-                  <a:srgbClr val="F4F6FC"/>
-                </a:solidFill>
-                <a:latin typeface="HK Grotesk Medium"/>
-                <a:ea typeface="HK Grotesk Medium"/>
-                <a:cs typeface="HK Grotesk Medium"/>
-                <a:sym typeface="HK Grotesk Medium"/>
-              </a:rPr>
-              <a:t>Lorem ipsum dolor sit amet, consectetur adipiscing elit. Donec tempus leo tellus, sit amet mattis felis dictum id. Duis erat erat, suscipit vitae efficitur in, aliquam quis tellus. Integer condimentum eget turpis et dignissim. Nunc dapibus aliquet lorem. Proin tempus lacinia ipsum, id vehicula metus accumsan condimentum. Nulla leo nulla, consectetur sit amet felis ullamcorper, volutpat tristique nulla.</a:t>
-            </a:r>
-            <a:r>
-              <a:rPr lang="en-US" b="true" sz="3000">
-                <a:solidFill>
-                  <a:srgbClr val="F4F6FC"/>
-                </a:solidFill>
-                <a:latin typeface="HK Grotesk Medium"/>
-                <a:ea typeface="HK Grotesk Medium"/>
-                <a:cs typeface="HK Grotesk Medium"/>
-                <a:sym typeface="HK Grotesk Medium"/>
-              </a:rPr>
-              <a:t> </a:t>
-            </a:r>
-          </a:p>
-        </p:txBody>
-      </p:sp>
-      <p:sp>
-        <p:nvSpPr>
-          <p:cNvPr name="Freeform 4" id="4"/>
+              <a:t>GRACIAS</a:t>
+            </a:r>
+          </a:p>
+        </p:txBody>
+      </p:sp>
+      <p:sp>
+        <p:nvSpPr>
+          <p:cNvPr id="3" name="Freeform 3"/>
           <p:cNvSpPr/>
           <p:nvPr/>
         </p:nvSpPr>
         <p:spPr>
-          <a:xfrm flipH="false" flipV="false" rot="2700000">
-            <a:off x="-1181282" y="6823620"/>
-            <a:ext cx="5376539" cy="3978639"/>
+          <a:xfrm>
+            <a:off x="12722671" y="-2258858"/>
+            <a:ext cx="18659536" cy="16963214"/>
           </a:xfrm>
           <a:custGeom>
             <a:avLst/>
             <a:gdLst/>
             <a:ahLst/>
             <a:cxnLst/>
-            <a:rect r="r" b="b" t="t" l="l"/>
+            <a:rect l="l" t="t" r="r" b="b"/>
             <a:pathLst>
-              <a:path h="3978639" w="5376539">
+              <a:path w="18659536" h="16963214">
                 <a:moveTo>
                   <a:pt x="0" y="0"/>
                 </a:moveTo>
                 <a:lnTo>
-                  <a:pt x="5376539" y="0"/>
-                </a:lnTo>
-                <a:lnTo>
-                  <a:pt x="5376539" y="3978639"/>
-                </a:lnTo>
-                <a:lnTo>
-                  <a:pt x="0" y="3978639"/>
+                  <a:pt x="18659536" y="0"/>
+                </a:lnTo>
+                <a:lnTo>
+                  <a:pt x="18659536" y="16963214"/>
+                </a:lnTo>
+                <a:lnTo>
+                  <a:pt x="0" y="16963214"/>
                 </a:lnTo>
                 <a:lnTo>
                   <a:pt x="0" y="0"/>
@@ -5541,41 +6735,48 @@
               </a:extLst>
             </a:blip>
             <a:stretch>
-              <a:fillRect l="0" t="0" r="0" b="0"/>
+              <a:fillRect/>
             </a:stretch>
           </a:blipFill>
         </p:spPr>
-      </p:sp>
-      <p:sp>
-        <p:nvSpPr>
-          <p:cNvPr name="Freeform 5" id="5"/>
+        <p:txBody>
+          <a:bodyPr/>
+          <a:lstStyle/>
+          <a:p>
+            <a:endParaRPr lang="es-CO"/>
+          </a:p>
+        </p:txBody>
+      </p:sp>
+      <p:sp>
+        <p:nvSpPr>
+          <p:cNvPr id="4" name="Freeform 4"/>
           <p:cNvSpPr/>
           <p:nvPr/>
         </p:nvSpPr>
         <p:spPr>
-          <a:xfrm flipH="false" flipV="false" rot="-8100000">
-            <a:off x="14204722" y="-551261"/>
-            <a:ext cx="5376539" cy="3978639"/>
+          <a:xfrm>
+            <a:off x="-13094207" y="-2258858"/>
+            <a:ext cx="18659536" cy="16963214"/>
           </a:xfrm>
           <a:custGeom>
             <a:avLst/>
             <a:gdLst/>
             <a:ahLst/>
             <a:cxnLst/>
-            <a:rect r="r" b="b" t="t" l="l"/>
+            <a:rect l="l" t="t" r="r" b="b"/>
             <a:pathLst>
-              <a:path h="3978639" w="5376539">
+              <a:path w="18659536" h="16963214">
                 <a:moveTo>
                   <a:pt x="0" y="0"/>
                 </a:moveTo>
                 <a:lnTo>
-                  <a:pt x="5376539" y="0"/>
-                </a:lnTo>
-                <a:lnTo>
-                  <a:pt x="5376539" y="3978639"/>
-                </a:lnTo>
-                <a:lnTo>
-                  <a:pt x="0" y="3978639"/>
+                  <a:pt x="18659536" y="0"/>
+                </a:lnTo>
+                <a:lnTo>
+                  <a:pt x="18659536" y="16963214"/>
+                </a:lnTo>
+                <a:lnTo>
+                  <a:pt x="0" y="16963214"/>
                 </a:lnTo>
                 <a:lnTo>
                   <a:pt x="0" y="0"/>
@@ -5593,782 +6794,17 @@
               </a:extLst>
             </a:blip>
             <a:stretch>
-              <a:fillRect l="0" t="0" r="0" b="0"/>
+              <a:fillRect/>
             </a:stretch>
           </a:blipFill>
         </p:spPr>
-      </p:sp>
-    </p:spTree>
-  </p:cSld>
-  <p:clrMapOvr>
-    <a:masterClrMapping/>
-  </p:clrMapOvr>
-</p:sld>
-</file>
-
-<file path=ppt/slides/slide8.xml><?xml version="1.0" encoding="utf-8"?>
-<p:sld xmlns:p="http://schemas.openxmlformats.org/presentationml/2006/main" xmlns:a="http://schemas.openxmlformats.org/drawingml/2006/main">
-  <p:cSld>
-    <p:bg>
-      <p:bgPr>
-        <a:solidFill>
-          <a:srgbClr val="050A30"/>
-        </a:solidFill>
-      </p:bgPr>
-    </p:bg>
-    <p:spTree>
-      <p:nvGrpSpPr>
-        <p:cNvPr id="1" name=""/>
-        <p:cNvGrpSpPr/>
-        <p:nvPr/>
-      </p:nvGrpSpPr>
-      <p:grpSpPr>
-        <a:xfrm>
-          <a:off x="0" y="0"/>
-          <a:ext cx="0" cy="0"/>
-          <a:chOff x="0" y="0"/>
-          <a:chExt cx="0" cy="0"/>
-        </a:xfrm>
-      </p:grpSpPr>
-      <p:sp>
-        <p:nvSpPr>
-          <p:cNvPr name="TextBox 2" id="2"/>
-          <p:cNvSpPr txBox="true"/>
-          <p:nvPr/>
-        </p:nvSpPr>
-        <p:spPr>
-          <a:xfrm rot="-5400000">
-            <a:off x="-1914974" y="4098310"/>
-            <a:ext cx="10287000" cy="2090379"/>
-          </a:xfrm>
-          <a:prstGeom prst="rect">
-            <a:avLst/>
-          </a:prstGeom>
-        </p:spPr>
-        <p:txBody>
-          <a:bodyPr anchor="t" rtlCol="false" tIns="0" lIns="0" bIns="0" rIns="0">
-            <a:spAutoFit/>
-          </a:bodyPr>
-          <a:lstStyle/>
-          <a:p>
-            <a:pPr algn="ctr">
-              <a:lnSpc>
-                <a:spcPts val="17080"/>
-              </a:lnSpc>
-            </a:pPr>
-            <a:r>
-              <a:rPr lang="en-US" b="true" sz="12200">
-                <a:solidFill>
-                  <a:srgbClr val="CAE8FF"/>
-                </a:solidFill>
-                <a:latin typeface="HK Grotesk Bold"/>
-                <a:ea typeface="HK Grotesk Bold"/>
-                <a:cs typeface="HK Grotesk Bold"/>
-                <a:sym typeface="HK Grotesk Bold"/>
-              </a:rPr>
-              <a:t>CONCLUSIÓN</a:t>
-            </a:r>
-          </a:p>
-        </p:txBody>
-      </p:sp>
-      <p:sp>
-        <p:nvSpPr>
-          <p:cNvPr name="TextBox 3" id="3"/>
-          <p:cNvSpPr txBox="true"/>
-          <p:nvPr/>
-        </p:nvSpPr>
-        <p:spPr>
-          <a:xfrm rot="0">
-            <a:off x="6609184" y="2859507"/>
-            <a:ext cx="8583691" cy="4790182"/>
-          </a:xfrm>
-          <a:prstGeom prst="rect">
-            <a:avLst/>
-          </a:prstGeom>
-        </p:spPr>
-        <p:txBody>
-          <a:bodyPr anchor="t" rtlCol="false" tIns="0" lIns="0" bIns="0" rIns="0">
-            <a:spAutoFit/>
-          </a:bodyPr>
-          <a:lstStyle/>
-          <a:p>
-            <a:pPr algn="ctr">
-              <a:lnSpc>
-                <a:spcPts val="4200"/>
-              </a:lnSpc>
-            </a:pPr>
-            <a:r>
-              <a:rPr lang="en-US" b="true" sz="3000">
-                <a:solidFill>
-                  <a:srgbClr val="F4F6FC"/>
-                </a:solidFill>
-                <a:latin typeface="HK Grotesk Medium"/>
-                <a:ea typeface="HK Grotesk Medium"/>
-                <a:cs typeface="HK Grotesk Medium"/>
-                <a:sym typeface="HK Grotesk Medium"/>
-              </a:rPr>
-              <a:t>Lorem ipsum dolor sit amet, consectetur adipiscing elit. Donec tempus leo tellus, sit amet mattis felis dictum id. Duis erat erat, suscipit vitae efficitur in, aliquam quis tellus. Integer condimentum eget turpis et dignissim. Nunc dapibus aliquet lorem. Proin tempus lacinia ipsum, id vehicula metus accumsan condimentum. Nulla leo nulla, consectetur sit amet felis ullamcorper, volutpat tristique nulla.</a:t>
-            </a:r>
-            <a:r>
-              <a:rPr lang="en-US" b="true" sz="3000">
-                <a:solidFill>
-                  <a:srgbClr val="F4F6FC"/>
-                </a:solidFill>
-                <a:latin typeface="HK Grotesk Medium"/>
-                <a:ea typeface="HK Grotesk Medium"/>
-                <a:cs typeface="HK Grotesk Medium"/>
-                <a:sym typeface="HK Grotesk Medium"/>
-              </a:rPr>
-              <a:t> </a:t>
-            </a:r>
-          </a:p>
-        </p:txBody>
-      </p:sp>
-      <p:sp>
-        <p:nvSpPr>
-          <p:cNvPr name="TextBox 4" id="4"/>
-          <p:cNvSpPr txBox="true"/>
-          <p:nvPr/>
-        </p:nvSpPr>
-        <p:spPr>
-          <a:xfrm rot="-5400000">
-            <a:off x="-3424048" y="4098310"/>
-            <a:ext cx="10287000" cy="2090379"/>
-          </a:xfrm>
-          <a:prstGeom prst="rect">
-            <a:avLst/>
-          </a:prstGeom>
-        </p:spPr>
-        <p:txBody>
-          <a:bodyPr anchor="t" rtlCol="false" tIns="0" lIns="0" bIns="0" rIns="0">
-            <a:spAutoFit/>
-          </a:bodyPr>
-          <a:lstStyle/>
-          <a:p>
-            <a:pPr algn="ctr">
-              <a:lnSpc>
-                <a:spcPts val="17080"/>
-              </a:lnSpc>
-            </a:pPr>
-            <a:r>
-              <a:rPr lang="en-US" b="true" sz="12200">
-                <a:solidFill>
-                  <a:srgbClr val="CAE8FF"/>
-                </a:solidFill>
-                <a:latin typeface="HK Grotesk Bold"/>
-                <a:ea typeface="HK Grotesk Bold"/>
-                <a:cs typeface="HK Grotesk Bold"/>
-                <a:sym typeface="HK Grotesk Bold"/>
-              </a:rPr>
-              <a:t>CONCLUSIÓN</a:t>
-            </a:r>
-          </a:p>
-        </p:txBody>
-      </p:sp>
-    </p:spTree>
-  </p:cSld>
-  <p:clrMapOvr>
-    <a:masterClrMapping/>
-  </p:clrMapOvr>
-</p:sld>
-</file>
-
-<file path=ppt/slides/slide9.xml><?xml version="1.0" encoding="utf-8"?>
-<p:sld xmlns:p="http://schemas.openxmlformats.org/presentationml/2006/main" xmlns:a="http://schemas.openxmlformats.org/drawingml/2006/main" xmlns:r="http://schemas.openxmlformats.org/officeDocument/2006/relationships">
-  <p:cSld>
-    <p:bg>
-      <p:bgPr>
-        <a:solidFill>
-          <a:srgbClr val="050A30"/>
-        </a:solidFill>
-      </p:bgPr>
-    </p:bg>
-    <p:spTree>
-      <p:nvGrpSpPr>
-        <p:cNvPr id="1" name=""/>
-        <p:cNvGrpSpPr/>
-        <p:nvPr/>
-      </p:nvGrpSpPr>
-      <p:grpSpPr>
-        <a:xfrm>
-          <a:off x="0" y="0"/>
-          <a:ext cx="0" cy="0"/>
-          <a:chOff x="0" y="0"/>
-          <a:chExt cx="0" cy="0"/>
-        </a:xfrm>
-      </p:grpSpPr>
-      <p:sp>
-        <p:nvSpPr>
-          <p:cNvPr name="TextBox 2" id="2"/>
-          <p:cNvSpPr txBox="true"/>
-          <p:nvPr/>
-        </p:nvSpPr>
-        <p:spPr>
-          <a:xfrm rot="0">
-            <a:off x="4852155" y="2964024"/>
-            <a:ext cx="8583691" cy="4790182"/>
-          </a:xfrm>
-          <a:prstGeom prst="rect">
-            <a:avLst/>
-          </a:prstGeom>
-        </p:spPr>
-        <p:txBody>
-          <a:bodyPr anchor="t" rtlCol="false" tIns="0" lIns="0" bIns="0" rIns="0">
-            <a:spAutoFit/>
-          </a:bodyPr>
-          <a:lstStyle/>
-          <a:p>
-            <a:pPr algn="ctr">
-              <a:lnSpc>
-                <a:spcPts val="4200"/>
-              </a:lnSpc>
-            </a:pPr>
-            <a:r>
-              <a:rPr lang="en-US" b="true" sz="3000">
-                <a:solidFill>
-                  <a:srgbClr val="F4F6FC"/>
-                </a:solidFill>
-                <a:latin typeface="HK Grotesk Medium"/>
-                <a:ea typeface="HK Grotesk Medium"/>
-                <a:cs typeface="HK Grotesk Medium"/>
-                <a:sym typeface="HK Grotesk Medium"/>
-              </a:rPr>
-              <a:t>Lorem ipsum dolor sit amet, consectetur adipiscing elit. Donec tempus leo tellus, sit amet mattis felis dictum id. Duis erat erat, suscipit vitae efficitur in, aliquam quis tellus. Integer condimentum eget turpis et dignissim. Nunc dapibus aliquet lorem. Proin tempus lacinia ipsum, id vehicula metus accumsan condimentum. Nulla leo nulla, consectetur sit amet felis ullamcorper, volutpat tristique nulla.</a:t>
-            </a:r>
-            <a:r>
-              <a:rPr lang="en-US" b="true" sz="3000">
-                <a:solidFill>
-                  <a:srgbClr val="F4F6FC"/>
-                </a:solidFill>
-                <a:latin typeface="HK Grotesk Medium"/>
-                <a:ea typeface="HK Grotesk Medium"/>
-                <a:cs typeface="HK Grotesk Medium"/>
-                <a:sym typeface="HK Grotesk Medium"/>
-              </a:rPr>
-              <a:t> </a:t>
-            </a:r>
-          </a:p>
-        </p:txBody>
-      </p:sp>
-      <p:sp>
-        <p:nvSpPr>
-          <p:cNvPr name="Freeform 3" id="3"/>
-          <p:cNvSpPr/>
-          <p:nvPr/>
-        </p:nvSpPr>
-        <p:spPr>
-          <a:xfrm flipH="false" flipV="false" rot="0">
-            <a:off x="-473498" y="9028993"/>
-            <a:ext cx="3442247" cy="4114800"/>
-          </a:xfrm>
-          <a:custGeom>
-            <a:avLst/>
-            <a:gdLst/>
-            <a:ahLst/>
-            <a:cxnLst/>
-            <a:rect r="r" b="b" t="t" l="l"/>
-            <a:pathLst>
-              <a:path h="4114800" w="3442247">
-                <a:moveTo>
-                  <a:pt x="0" y="0"/>
-                </a:moveTo>
-                <a:lnTo>
-                  <a:pt x="3442247" y="0"/>
-                </a:lnTo>
-                <a:lnTo>
-                  <a:pt x="3442247" y="4114800"/>
-                </a:lnTo>
-                <a:lnTo>
-                  <a:pt x="0" y="4114800"/>
-                </a:lnTo>
-                <a:lnTo>
-                  <a:pt x="0" y="0"/>
-                </a:lnTo>
-                <a:close/>
-              </a:path>
-            </a:pathLst>
-          </a:custGeom>
-          <a:blipFill>
-            <a:blip r:embed="rId2">
-              <a:extLst>
-                <a:ext uri="{96DAC541-7B7A-43D3-8B79-37D633B846F1}">
-                  <asvg:svgBlip xmlns:asvg="http://schemas.microsoft.com/office/drawing/2016/SVG/main" r:embed="rId3"/>
-                </a:ext>
-              </a:extLst>
-            </a:blip>
-            <a:stretch>
-              <a:fillRect l="0" t="0" r="0" b="0"/>
-            </a:stretch>
-          </a:blipFill>
-        </p:spPr>
-      </p:sp>
-      <p:sp>
-        <p:nvSpPr>
-          <p:cNvPr name="Freeform 4" id="4"/>
-          <p:cNvSpPr/>
-          <p:nvPr/>
-        </p:nvSpPr>
-        <p:spPr>
-          <a:xfrm flipH="false" flipV="false" rot="0">
-            <a:off x="3408362" y="7955749"/>
-            <a:ext cx="3442247" cy="4114800"/>
-          </a:xfrm>
-          <a:custGeom>
-            <a:avLst/>
-            <a:gdLst/>
-            <a:ahLst/>
-            <a:cxnLst/>
-            <a:rect r="r" b="b" t="t" l="l"/>
-            <a:pathLst>
-              <a:path h="4114800" w="3442247">
-                <a:moveTo>
-                  <a:pt x="0" y="0"/>
-                </a:moveTo>
-                <a:lnTo>
-                  <a:pt x="3442248" y="0"/>
-                </a:lnTo>
-                <a:lnTo>
-                  <a:pt x="3442248" y="4114800"/>
-                </a:lnTo>
-                <a:lnTo>
-                  <a:pt x="0" y="4114800"/>
-                </a:lnTo>
-                <a:lnTo>
-                  <a:pt x="0" y="0"/>
-                </a:lnTo>
-                <a:close/>
-              </a:path>
-            </a:pathLst>
-          </a:custGeom>
-          <a:blipFill>
-            <a:blip r:embed="rId2">
-              <a:extLst>
-                <a:ext uri="{96DAC541-7B7A-43D3-8B79-37D633B846F1}">
-                  <asvg:svgBlip xmlns:asvg="http://schemas.microsoft.com/office/drawing/2016/SVG/main" r:embed="rId3"/>
-                </a:ext>
-              </a:extLst>
-            </a:blip>
-            <a:stretch>
-              <a:fillRect l="0" t="0" r="0" b="0"/>
-            </a:stretch>
-          </a:blipFill>
-        </p:spPr>
-      </p:sp>
-      <p:sp>
-        <p:nvSpPr>
-          <p:cNvPr name="Freeform 5" id="5"/>
-          <p:cNvSpPr/>
-          <p:nvPr/>
-        </p:nvSpPr>
-        <p:spPr>
-          <a:xfrm flipH="false" flipV="false" rot="0">
-            <a:off x="7288760" y="9049584"/>
-            <a:ext cx="3442247" cy="4114800"/>
-          </a:xfrm>
-          <a:custGeom>
-            <a:avLst/>
-            <a:gdLst/>
-            <a:ahLst/>
-            <a:cxnLst/>
-            <a:rect r="r" b="b" t="t" l="l"/>
-            <a:pathLst>
-              <a:path h="4114800" w="3442247">
-                <a:moveTo>
-                  <a:pt x="0" y="0"/>
-                </a:moveTo>
-                <a:lnTo>
-                  <a:pt x="3442247" y="0"/>
-                </a:lnTo>
-                <a:lnTo>
-                  <a:pt x="3442247" y="4114800"/>
-                </a:lnTo>
-                <a:lnTo>
-                  <a:pt x="0" y="4114800"/>
-                </a:lnTo>
-                <a:lnTo>
-                  <a:pt x="0" y="0"/>
-                </a:lnTo>
-                <a:close/>
-              </a:path>
-            </a:pathLst>
-          </a:custGeom>
-          <a:blipFill>
-            <a:blip r:embed="rId2">
-              <a:extLst>
-                <a:ext uri="{96DAC541-7B7A-43D3-8B79-37D633B846F1}">
-                  <asvg:svgBlip xmlns:asvg="http://schemas.microsoft.com/office/drawing/2016/SVG/main" r:embed="rId3"/>
-                </a:ext>
-              </a:extLst>
-            </a:blip>
-            <a:stretch>
-              <a:fillRect l="0" t="0" r="0" b="0"/>
-            </a:stretch>
-          </a:blipFill>
-        </p:spPr>
-      </p:sp>
-      <p:sp>
-        <p:nvSpPr>
-          <p:cNvPr name="Freeform 6" id="6"/>
-          <p:cNvSpPr/>
-          <p:nvPr/>
-        </p:nvSpPr>
-        <p:spPr>
-          <a:xfrm flipH="false" flipV="false" rot="0">
-            <a:off x="11170620" y="7976340"/>
-            <a:ext cx="3442247" cy="4114800"/>
-          </a:xfrm>
-          <a:custGeom>
-            <a:avLst/>
-            <a:gdLst/>
-            <a:ahLst/>
-            <a:cxnLst/>
-            <a:rect r="r" b="b" t="t" l="l"/>
-            <a:pathLst>
-              <a:path h="4114800" w="3442247">
-                <a:moveTo>
-                  <a:pt x="0" y="0"/>
-                </a:moveTo>
-                <a:lnTo>
-                  <a:pt x="3442247" y="0"/>
-                </a:lnTo>
-                <a:lnTo>
-                  <a:pt x="3442247" y="4114800"/>
-                </a:lnTo>
-                <a:lnTo>
-                  <a:pt x="0" y="4114800"/>
-                </a:lnTo>
-                <a:lnTo>
-                  <a:pt x="0" y="0"/>
-                </a:lnTo>
-                <a:close/>
-              </a:path>
-            </a:pathLst>
-          </a:custGeom>
-          <a:blipFill>
-            <a:blip r:embed="rId2">
-              <a:extLst>
-                <a:ext uri="{96DAC541-7B7A-43D3-8B79-37D633B846F1}">
-                  <asvg:svgBlip xmlns:asvg="http://schemas.microsoft.com/office/drawing/2016/SVG/main" r:embed="rId3"/>
-                </a:ext>
-              </a:extLst>
-            </a:blip>
-            <a:stretch>
-              <a:fillRect l="0" t="0" r="0" b="0"/>
-            </a:stretch>
-          </a:blipFill>
-        </p:spPr>
-      </p:sp>
-      <p:sp>
-        <p:nvSpPr>
-          <p:cNvPr name="Freeform 7" id="7"/>
-          <p:cNvSpPr/>
-          <p:nvPr/>
-        </p:nvSpPr>
-        <p:spPr>
-          <a:xfrm flipH="false" flipV="false" rot="0">
-            <a:off x="15051017" y="9378911"/>
-            <a:ext cx="3442247" cy="4114800"/>
-          </a:xfrm>
-          <a:custGeom>
-            <a:avLst/>
-            <a:gdLst/>
-            <a:ahLst/>
-            <a:cxnLst/>
-            <a:rect r="r" b="b" t="t" l="l"/>
-            <a:pathLst>
-              <a:path h="4114800" w="3442247">
-                <a:moveTo>
-                  <a:pt x="0" y="0"/>
-                </a:moveTo>
-                <a:lnTo>
-                  <a:pt x="3442247" y="0"/>
-                </a:lnTo>
-                <a:lnTo>
-                  <a:pt x="3442247" y="4114800"/>
-                </a:lnTo>
-                <a:lnTo>
-                  <a:pt x="0" y="4114800"/>
-                </a:lnTo>
-                <a:lnTo>
-                  <a:pt x="0" y="0"/>
-                </a:lnTo>
-                <a:close/>
-              </a:path>
-            </a:pathLst>
-          </a:custGeom>
-          <a:blipFill>
-            <a:blip r:embed="rId2">
-              <a:extLst>
-                <a:ext uri="{96DAC541-7B7A-43D3-8B79-37D633B846F1}">
-                  <asvg:svgBlip xmlns:asvg="http://schemas.microsoft.com/office/drawing/2016/SVG/main" r:embed="rId3"/>
-                </a:ext>
-              </a:extLst>
-            </a:blip>
-            <a:stretch>
-              <a:fillRect l="0" t="0" r="0" b="0"/>
-            </a:stretch>
-          </a:blipFill>
-        </p:spPr>
-      </p:sp>
-      <p:sp>
-        <p:nvSpPr>
-          <p:cNvPr name="Freeform 8" id="8"/>
-          <p:cNvSpPr/>
-          <p:nvPr/>
-        </p:nvSpPr>
-        <p:spPr>
-          <a:xfrm flipH="false" flipV="false" rot="0">
-            <a:off x="-473498" y="-1695737"/>
-            <a:ext cx="3442247" cy="4114800"/>
-          </a:xfrm>
-          <a:custGeom>
-            <a:avLst/>
-            <a:gdLst/>
-            <a:ahLst/>
-            <a:cxnLst/>
-            <a:rect r="r" b="b" t="t" l="l"/>
-            <a:pathLst>
-              <a:path h="4114800" w="3442247">
-                <a:moveTo>
-                  <a:pt x="0" y="0"/>
-                </a:moveTo>
-                <a:lnTo>
-                  <a:pt x="3442247" y="0"/>
-                </a:lnTo>
-                <a:lnTo>
-                  <a:pt x="3442247" y="4114800"/>
-                </a:lnTo>
-                <a:lnTo>
-                  <a:pt x="0" y="4114800"/>
-                </a:lnTo>
-                <a:lnTo>
-                  <a:pt x="0" y="0"/>
-                </a:lnTo>
-                <a:close/>
-              </a:path>
-            </a:pathLst>
-          </a:custGeom>
-          <a:blipFill>
-            <a:blip r:embed="rId2">
-              <a:extLst>
-                <a:ext uri="{96DAC541-7B7A-43D3-8B79-37D633B846F1}">
-                  <asvg:svgBlip xmlns:asvg="http://schemas.microsoft.com/office/drawing/2016/SVG/main" r:embed="rId3"/>
-                </a:ext>
-              </a:extLst>
-            </a:blip>
-            <a:stretch>
-              <a:fillRect l="0" t="0" r="0" b="0"/>
-            </a:stretch>
-          </a:blipFill>
-        </p:spPr>
-      </p:sp>
-      <p:sp>
-        <p:nvSpPr>
-          <p:cNvPr name="Freeform 9" id="9"/>
-          <p:cNvSpPr/>
-          <p:nvPr/>
-        </p:nvSpPr>
-        <p:spPr>
-          <a:xfrm flipH="false" flipV="false" rot="0">
-            <a:off x="3408362" y="-2768981"/>
-            <a:ext cx="3442247" cy="4114800"/>
-          </a:xfrm>
-          <a:custGeom>
-            <a:avLst/>
-            <a:gdLst/>
-            <a:ahLst/>
-            <a:cxnLst/>
-            <a:rect r="r" b="b" t="t" l="l"/>
-            <a:pathLst>
-              <a:path h="4114800" w="3442247">
-                <a:moveTo>
-                  <a:pt x="0" y="0"/>
-                </a:moveTo>
-                <a:lnTo>
-                  <a:pt x="3442248" y="0"/>
-                </a:lnTo>
-                <a:lnTo>
-                  <a:pt x="3442248" y="4114800"/>
-                </a:lnTo>
-                <a:lnTo>
-                  <a:pt x="0" y="4114800"/>
-                </a:lnTo>
-                <a:lnTo>
-                  <a:pt x="0" y="0"/>
-                </a:lnTo>
-                <a:close/>
-              </a:path>
-            </a:pathLst>
-          </a:custGeom>
-          <a:blipFill>
-            <a:blip r:embed="rId2">
-              <a:extLst>
-                <a:ext uri="{96DAC541-7B7A-43D3-8B79-37D633B846F1}">
-                  <asvg:svgBlip xmlns:asvg="http://schemas.microsoft.com/office/drawing/2016/SVG/main" r:embed="rId3"/>
-                </a:ext>
-              </a:extLst>
-            </a:blip>
-            <a:stretch>
-              <a:fillRect l="0" t="0" r="0" b="0"/>
-            </a:stretch>
-          </a:blipFill>
-        </p:spPr>
-      </p:sp>
-      <p:sp>
-        <p:nvSpPr>
-          <p:cNvPr name="Freeform 10" id="10"/>
-          <p:cNvSpPr/>
-          <p:nvPr/>
-        </p:nvSpPr>
-        <p:spPr>
-          <a:xfrm flipH="false" flipV="false" rot="0">
-            <a:off x="7288760" y="-1675146"/>
-            <a:ext cx="3442247" cy="4114800"/>
-          </a:xfrm>
-          <a:custGeom>
-            <a:avLst/>
-            <a:gdLst/>
-            <a:ahLst/>
-            <a:cxnLst/>
-            <a:rect r="r" b="b" t="t" l="l"/>
-            <a:pathLst>
-              <a:path h="4114800" w="3442247">
-                <a:moveTo>
-                  <a:pt x="0" y="0"/>
-                </a:moveTo>
-                <a:lnTo>
-                  <a:pt x="3442247" y="0"/>
-                </a:lnTo>
-                <a:lnTo>
-                  <a:pt x="3442247" y="4114800"/>
-                </a:lnTo>
-                <a:lnTo>
-                  <a:pt x="0" y="4114800"/>
-                </a:lnTo>
-                <a:lnTo>
-                  <a:pt x="0" y="0"/>
-                </a:lnTo>
-                <a:close/>
-              </a:path>
-            </a:pathLst>
-          </a:custGeom>
-          <a:blipFill>
-            <a:blip r:embed="rId2">
-              <a:extLst>
-                <a:ext uri="{96DAC541-7B7A-43D3-8B79-37D633B846F1}">
-                  <asvg:svgBlip xmlns:asvg="http://schemas.microsoft.com/office/drawing/2016/SVG/main" r:embed="rId3"/>
-                </a:ext>
-              </a:extLst>
-            </a:blip>
-            <a:stretch>
-              <a:fillRect l="0" t="0" r="0" b="0"/>
-            </a:stretch>
-          </a:blipFill>
-        </p:spPr>
-      </p:sp>
-      <p:sp>
-        <p:nvSpPr>
-          <p:cNvPr name="Freeform 11" id="11"/>
-          <p:cNvSpPr/>
-          <p:nvPr/>
-        </p:nvSpPr>
-        <p:spPr>
-          <a:xfrm flipH="false" flipV="false" rot="0">
-            <a:off x="11170620" y="-2748390"/>
-            <a:ext cx="3442247" cy="4114800"/>
-          </a:xfrm>
-          <a:custGeom>
-            <a:avLst/>
-            <a:gdLst/>
-            <a:ahLst/>
-            <a:cxnLst/>
-            <a:rect r="r" b="b" t="t" l="l"/>
-            <a:pathLst>
-              <a:path h="4114800" w="3442247">
-                <a:moveTo>
-                  <a:pt x="0" y="0"/>
-                </a:moveTo>
-                <a:lnTo>
-                  <a:pt x="3442247" y="0"/>
-                </a:lnTo>
-                <a:lnTo>
-                  <a:pt x="3442247" y="4114800"/>
-                </a:lnTo>
-                <a:lnTo>
-                  <a:pt x="0" y="4114800"/>
-                </a:lnTo>
-                <a:lnTo>
-                  <a:pt x="0" y="0"/>
-                </a:lnTo>
-                <a:close/>
-              </a:path>
-            </a:pathLst>
-          </a:custGeom>
-          <a:blipFill>
-            <a:blip r:embed="rId2">
-              <a:extLst>
-                <a:ext uri="{96DAC541-7B7A-43D3-8B79-37D633B846F1}">
-                  <asvg:svgBlip xmlns:asvg="http://schemas.microsoft.com/office/drawing/2016/SVG/main" r:embed="rId3"/>
-                </a:ext>
-              </a:extLst>
-            </a:blip>
-            <a:stretch>
-              <a:fillRect l="0" t="0" r="0" b="0"/>
-            </a:stretch>
-          </a:blipFill>
-        </p:spPr>
-      </p:sp>
-      <p:sp>
-        <p:nvSpPr>
-          <p:cNvPr name="Freeform 12" id="12"/>
-          <p:cNvSpPr/>
-          <p:nvPr/>
-        </p:nvSpPr>
-        <p:spPr>
-          <a:xfrm flipH="false" flipV="false" rot="0">
-            <a:off x="15051017" y="-1345819"/>
-            <a:ext cx="3442247" cy="4114800"/>
-          </a:xfrm>
-          <a:custGeom>
-            <a:avLst/>
-            <a:gdLst/>
-            <a:ahLst/>
-            <a:cxnLst/>
-            <a:rect r="r" b="b" t="t" l="l"/>
-            <a:pathLst>
-              <a:path h="4114800" w="3442247">
-                <a:moveTo>
-                  <a:pt x="0" y="0"/>
-                </a:moveTo>
-                <a:lnTo>
-                  <a:pt x="3442247" y="0"/>
-                </a:lnTo>
-                <a:lnTo>
-                  <a:pt x="3442247" y="4114800"/>
-                </a:lnTo>
-                <a:lnTo>
-                  <a:pt x="0" y="4114800"/>
-                </a:lnTo>
-                <a:lnTo>
-                  <a:pt x="0" y="0"/>
-                </a:lnTo>
-                <a:close/>
-              </a:path>
-            </a:pathLst>
-          </a:custGeom>
-          <a:blipFill>
-            <a:blip r:embed="rId2">
-              <a:extLst>
-                <a:ext uri="{96DAC541-7B7A-43D3-8B79-37D633B846F1}">
-                  <asvg:svgBlip xmlns:asvg="http://schemas.microsoft.com/office/drawing/2016/SVG/main" r:embed="rId3"/>
-                </a:ext>
-              </a:extLst>
-            </a:blip>
-            <a:stretch>
-              <a:fillRect l="0" t="0" r="0" b="0"/>
-            </a:stretch>
-          </a:blipFill>
-        </p:spPr>
+        <p:txBody>
+          <a:bodyPr/>
+          <a:lstStyle/>
+          <a:p>
+            <a:endParaRPr lang="es-CO"/>
+          </a:p>
+        </p:txBody>
       </p:sp>
     </p:spTree>
   </p:cSld>

--- a/german/EXPOCICIONES/PATRONES MONOLITOS.pptx
+++ b/german/EXPOCICIONES/PATRONES MONOLITOS.pptx
@@ -320,7 +320,7 @@
             <a:fld id="{1D8BD707-D9CF-40AE-B4C6-C98DA3205C09}" type="datetimeFigureOut">
               <a:rPr lang="en-US" smtClean="0"/>
               <a:pPr/>
-              <a:t>10/23/2024</a:t>
+              <a:t>11/6/2024</a:t>
             </a:fld>
             <a:endParaRPr lang="en-US"/>
           </a:p>
@@ -485,7 +485,7 @@
             <a:fld id="{1D8BD707-D9CF-40AE-B4C6-C98DA3205C09}" type="datetimeFigureOut">
               <a:rPr lang="en-US" smtClean="0"/>
               <a:pPr/>
-              <a:t>10/23/2024</a:t>
+              <a:t>11/6/2024</a:t>
             </a:fld>
             <a:endParaRPr lang="en-US"/>
           </a:p>
@@ -660,7 +660,7 @@
             <a:fld id="{1D8BD707-D9CF-40AE-B4C6-C98DA3205C09}" type="datetimeFigureOut">
               <a:rPr lang="en-US" smtClean="0"/>
               <a:pPr/>
-              <a:t>10/23/2024</a:t>
+              <a:t>11/6/2024</a:t>
             </a:fld>
             <a:endParaRPr lang="en-US"/>
           </a:p>
@@ -825,7 +825,7 @@
             <a:fld id="{1D8BD707-D9CF-40AE-B4C6-C98DA3205C09}" type="datetimeFigureOut">
               <a:rPr lang="en-US" smtClean="0"/>
               <a:pPr/>
-              <a:t>10/23/2024</a:t>
+              <a:t>11/6/2024</a:t>
             </a:fld>
             <a:endParaRPr lang="en-US"/>
           </a:p>
@@ -1067,7 +1067,7 @@
             <a:fld id="{1D8BD707-D9CF-40AE-B4C6-C98DA3205C09}" type="datetimeFigureOut">
               <a:rPr lang="en-US" smtClean="0"/>
               <a:pPr/>
-              <a:t>10/23/2024</a:t>
+              <a:t>11/6/2024</a:t>
             </a:fld>
             <a:endParaRPr lang="en-US"/>
           </a:p>
@@ -1349,7 +1349,7 @@
             <a:fld id="{1D8BD707-D9CF-40AE-B4C6-C98DA3205C09}" type="datetimeFigureOut">
               <a:rPr lang="en-US" smtClean="0"/>
               <a:pPr/>
-              <a:t>10/23/2024</a:t>
+              <a:t>11/6/2024</a:t>
             </a:fld>
             <a:endParaRPr lang="en-US"/>
           </a:p>
@@ -1765,7 +1765,7 @@
             <a:fld id="{1D8BD707-D9CF-40AE-B4C6-C98DA3205C09}" type="datetimeFigureOut">
               <a:rPr lang="en-US" smtClean="0"/>
               <a:pPr/>
-              <a:t>10/23/2024</a:t>
+              <a:t>11/6/2024</a:t>
             </a:fld>
             <a:endParaRPr lang="en-US"/>
           </a:p>
@@ -1879,7 +1879,7 @@
             <a:fld id="{1D8BD707-D9CF-40AE-B4C6-C98DA3205C09}" type="datetimeFigureOut">
               <a:rPr lang="en-US" smtClean="0"/>
               <a:pPr/>
-              <a:t>10/23/2024</a:t>
+              <a:t>11/6/2024</a:t>
             </a:fld>
             <a:endParaRPr lang="en-US"/>
           </a:p>
@@ -1971,7 +1971,7 @@
             <a:fld id="{1D8BD707-D9CF-40AE-B4C6-C98DA3205C09}" type="datetimeFigureOut">
               <a:rPr lang="en-US" smtClean="0"/>
               <a:pPr/>
-              <a:t>10/23/2024</a:t>
+              <a:t>11/6/2024</a:t>
             </a:fld>
             <a:endParaRPr lang="en-US"/>
           </a:p>
@@ -2243,7 +2243,7 @@
             <a:fld id="{1D8BD707-D9CF-40AE-B4C6-C98DA3205C09}" type="datetimeFigureOut">
               <a:rPr lang="en-US" smtClean="0"/>
               <a:pPr/>
-              <a:t>10/23/2024</a:t>
+              <a:t>11/6/2024</a:t>
             </a:fld>
             <a:endParaRPr lang="en-US"/>
           </a:p>
@@ -2492,7 +2492,7 @@
             <a:fld id="{1D8BD707-D9CF-40AE-B4C6-C98DA3205C09}" type="datetimeFigureOut">
               <a:rPr lang="en-US" smtClean="0"/>
               <a:pPr/>
-              <a:t>10/23/2024</a:t>
+              <a:t>11/6/2024</a:t>
             </a:fld>
             <a:endParaRPr lang="en-US"/>
           </a:p>
@@ -2700,7 +2700,7 @@
             <a:fld id="{1D8BD707-D9CF-40AE-B4C6-C98DA3205C09}" type="datetimeFigureOut">
               <a:rPr lang="en-US" smtClean="0"/>
               <a:pPr/>
-              <a:t>10/23/2024</a:t>
+              <a:t>11/6/2024</a:t>
             </a:fld>
             <a:endParaRPr lang="en-US"/>
           </a:p>
@@ -3563,13 +3563,13 @@
   <p:clrMapOvr>
     <a:masterClrMapping/>
   </p:clrMapOvr>
-  <mc:AlternateContent xmlns:mc="http://schemas.openxmlformats.org/markup-compatibility/2006">
-    <mc:Choice xmlns:p159="http://schemas.microsoft.com/office/powerpoint/2015/09/main" Requires="p159">
+  <mc:AlternateContent xmlns:mc="http://schemas.openxmlformats.org/markup-compatibility/2006" xmlns:p159="http://schemas.microsoft.com/office/powerpoint/2015/09/main">
+    <mc:Choice Requires="p159">
       <p:transition xmlns:p14="http://schemas.microsoft.com/office/powerpoint/2010/main" spd="slow" p14:dur="2000">
         <p159:morph option="byObject"/>
       </p:transition>
     </mc:Choice>
-    <mc:Fallback>
+    <mc:Fallback xmlns="">
       <p:transition spd="slow">
         <p:fade/>
       </p:transition>
@@ -4022,13 +4022,13 @@
   <p:clrMapOvr>
     <a:masterClrMapping/>
   </p:clrMapOvr>
-  <mc:AlternateContent xmlns:mc="http://schemas.openxmlformats.org/markup-compatibility/2006">
-    <mc:Choice xmlns:p14="http://schemas.microsoft.com/office/powerpoint/2010/main" Requires="p14">
+  <mc:AlternateContent xmlns:mc="http://schemas.openxmlformats.org/markup-compatibility/2006" xmlns:p14="http://schemas.microsoft.com/office/powerpoint/2010/main">
+    <mc:Choice Requires="p14">
       <p:transition spd="slow" p14:dur="2000">
         <p14:prism dir="u" isContent="1"/>
       </p:transition>
     </mc:Choice>
-    <mc:Fallback>
+    <mc:Fallback xmlns="">
       <p:transition spd="slow">
         <p:fade/>
       </p:transition>
@@ -4570,7 +4570,7 @@
   <mc:AlternateContent xmlns:mc="http://schemas.openxmlformats.org/markup-compatibility/2006">
     <mc:Choice xmlns:p14="http://schemas.microsoft.com/office/powerpoint/2010/main" Requires="p14">
       <p:transition spd="slow" p14:dur="2000">
-        <p14:prism isContent="1"/>
+        <p14:prism dir="u" isContent="1"/>
       </p:transition>
     </mc:Choice>
     <mc:Fallback>
@@ -5196,13 +5196,13 @@
   <p:clrMapOvr>
     <a:masterClrMapping/>
   </p:clrMapOvr>
-  <mc:AlternateContent xmlns:mc="http://schemas.openxmlformats.org/markup-compatibility/2006">
-    <mc:Choice xmlns:p14="http://schemas.microsoft.com/office/powerpoint/2010/main" Requires="p14">
+  <mc:AlternateContent xmlns:mc="http://schemas.openxmlformats.org/markup-compatibility/2006" xmlns:p14="http://schemas.microsoft.com/office/powerpoint/2010/main">
+    <mc:Choice Requires="p14">
       <p:transition spd="slow" p14:dur="2000">
         <p14:prism isContent="1"/>
       </p:transition>
     </mc:Choice>
-    <mc:Fallback>
+    <mc:Fallback xmlns="">
       <p:transition spd="slow">
         <p:fade/>
       </p:transition>
@@ -5244,15 +5244,15 @@
         </p:nvSpPr>
         <p:spPr>
           <a:xfrm>
-            <a:off x="4852155" y="1548216"/>
-            <a:ext cx="8583691" cy="2330954"/>
+            <a:off x="228601" y="1548216"/>
+            <a:ext cx="17145000" cy="2350195"/>
           </a:xfrm>
           <a:prstGeom prst="rect">
             <a:avLst/>
           </a:prstGeom>
         </p:spPr>
         <p:txBody>
-          <a:bodyPr lIns="0" tIns="0" rIns="0" bIns="0" rtlCol="0" anchor="t">
+          <a:bodyPr wrap="square" lIns="0" tIns="0" rIns="0" bIns="0" rtlCol="0" anchor="t">
             <a:spAutoFit/>
           </a:bodyPr>
           <a:lstStyle/>
@@ -5263,7 +5263,7 @@
               </a:lnSpc>
             </a:pPr>
             <a:r>
-              <a:rPr lang="en-US" sz="13599" b="1">
+              <a:rPr lang="en-US" sz="13000" b="1" dirty="0">
                 <a:solidFill>
                   <a:srgbClr val="CAE8FF"/>
                 </a:solidFill>
@@ -5272,8 +5272,29 @@
                 <a:cs typeface="HK Grotesk Bold"/>
                 <a:sym typeface="HK Grotesk Bold"/>
               </a:rPr>
-              <a:t>OBJETIVO</a:t>
-            </a:r>
+              <a:t>Que son las </a:t>
+            </a:r>
+            <a:r>
+              <a:rPr lang="en-US" sz="13000" b="1" dirty="0" err="1">
+                <a:solidFill>
+                  <a:srgbClr val="CAE8FF"/>
+                </a:solidFill>
+                <a:latin typeface="HK Grotesk Bold"/>
+                <a:ea typeface="HK Grotesk Bold"/>
+                <a:cs typeface="HK Grotesk Bold"/>
+                <a:sym typeface="HK Grotesk Bold"/>
+              </a:rPr>
+              <a:t>cookis</a:t>
+            </a:r>
+            <a:endParaRPr lang="en-US" sz="13000" b="1" dirty="0">
+              <a:solidFill>
+                <a:srgbClr val="CAE8FF"/>
+              </a:solidFill>
+              <a:latin typeface="HK Grotesk Bold"/>
+              <a:ea typeface="HK Grotesk Bold"/>
+              <a:cs typeface="HK Grotesk Bold"/>
+              <a:sym typeface="HK Grotesk Bold"/>
+            </a:endParaRPr>
           </a:p>
         </p:txBody>
       </p:sp>
